--- a/continuousIntegration/Infseminar_IntegrationContinue_aescd5.pptx
+++ b/continuousIntegration/Infseminar_IntegrationContinue_aescd5.pptx
@@ -5,20 +5,32 @@
     <p:sldMasterId id="2147483669" r:id="rId4"/>
   </p:sldMasterIdLst>
   <p:notesMasterIdLst>
-    <p:notesMasterId r:id="rId13"/>
+    <p:notesMasterId r:id="rId25"/>
   </p:notesMasterIdLst>
   <p:handoutMasterIdLst>
-    <p:handoutMasterId r:id="rId14"/>
+    <p:handoutMasterId r:id="rId26"/>
   </p:handoutMasterIdLst>
   <p:sldIdLst>
     <p:sldId id="259" r:id="rId5"/>
     <p:sldId id="270" r:id="rId6"/>
     <p:sldId id="257" r:id="rId7"/>
-    <p:sldId id="273" r:id="rId8"/>
-    <p:sldId id="274" r:id="rId9"/>
-    <p:sldId id="275" r:id="rId10"/>
-    <p:sldId id="271" r:id="rId11"/>
-    <p:sldId id="272" r:id="rId12"/>
+    <p:sldId id="276" r:id="rId8"/>
+    <p:sldId id="277" r:id="rId9"/>
+    <p:sldId id="278" r:id="rId10"/>
+    <p:sldId id="273" r:id="rId11"/>
+    <p:sldId id="279" r:id="rId12"/>
+    <p:sldId id="281" r:id="rId13"/>
+    <p:sldId id="280" r:id="rId14"/>
+    <p:sldId id="283" r:id="rId15"/>
+    <p:sldId id="274" r:id="rId16"/>
+    <p:sldId id="284" r:id="rId17"/>
+    <p:sldId id="275" r:id="rId18"/>
+    <p:sldId id="285" r:id="rId19"/>
+    <p:sldId id="286" r:id="rId20"/>
+    <p:sldId id="287" r:id="rId21"/>
+    <p:sldId id="288" r:id="rId22"/>
+    <p:sldId id="271" r:id="rId23"/>
+    <p:sldId id="272" r:id="rId24"/>
   </p:sldIdLst>
   <p:sldSz cx="9144000" cy="6858000" type="screen4x3"/>
   <p:notesSz cx="6797675" cy="9872663"/>
@@ -6664,24 +6676,20 @@
           <a:lstStyle/>
           <a:p>
             <a:r>
-              <a:rPr lang="de-CH" dirty="0" smtClean="0"/>
-              <a:t>Seminaire Informatique</a:t>
-            </a:r>
-            <a:r>
-              <a:rPr lang="de-CH" dirty="0"/>
-              <a:t> </a:t>
-            </a:r>
-            <a:r>
-              <a:rPr lang="de-CH" dirty="0" smtClean="0"/>
-              <a:t>– 21.01.2016</a:t>
-            </a:r>
-          </a:p>
-          <a:p>
-            <a:r>
-              <a:rPr lang="de-CH" dirty="0" smtClean="0"/>
-              <a:t>David Aeschlimann &amp; Emanuel Knecht</a:t>
-            </a:r>
-            <a:endParaRPr lang="de-CH" dirty="0" smtClean="0"/>
+              <a:rPr lang="fr-CH" dirty="0" smtClean="0"/>
+              <a:t>Séminaire Informatique – 21.01.2016</a:t>
+            </a:r>
+          </a:p>
+          <a:p>
+            <a:r>
+              <a:rPr lang="fr-CH" dirty="0" smtClean="0"/>
+              <a:t>David Aeschlimann &amp; Emanuel </a:t>
+            </a:r>
+            <a:r>
+              <a:rPr lang="fr-CH" dirty="0" err="1" smtClean="0"/>
+              <a:t>Knecht</a:t>
+            </a:r>
+            <a:endParaRPr lang="fr-CH" dirty="0" smtClean="0"/>
           </a:p>
         </p:txBody>
       </p:sp>
@@ -6712,6 +6720,1071 @@
     <p:extLst>
       <p:ext uri="{BB962C8B-B14F-4D97-AF65-F5344CB8AC3E}">
         <p14:creationId xmlns:p14="http://schemas.microsoft.com/office/powerpoint/2010/main" val="1801327458"/>
+      </p:ext>
+    </p:extLst>
+  </p:cSld>
+  <p:clrMapOvr>
+    <a:masterClrMapping/>
+  </p:clrMapOvr>
+</p:sld>
+</file>
+
+<file path=ppt/slides/slide10.xml><?xml version="1.0" encoding="utf-8"?>
+<p:sld xmlns:a="http://schemas.openxmlformats.org/drawingml/2006/main" xmlns:r="http://schemas.openxmlformats.org/officeDocument/2006/relationships" xmlns:p="http://schemas.openxmlformats.org/presentationml/2006/main">
+  <p:cSld>
+    <p:spTree>
+      <p:nvGrpSpPr>
+        <p:cNvPr id="1" name=""/>
+        <p:cNvGrpSpPr/>
+        <p:nvPr/>
+      </p:nvGrpSpPr>
+      <p:grpSpPr>
+        <a:xfrm>
+          <a:off x="0" y="0"/>
+          <a:ext cx="0" cy="0"/>
+          <a:chOff x="0" y="0"/>
+          <a:chExt cx="0" cy="0"/>
+        </a:xfrm>
+      </p:grpSpPr>
+      <p:sp>
+        <p:nvSpPr>
+          <p:cNvPr id="2" name="Content Placeholder 1"/>
+          <p:cNvSpPr>
+            <a:spLocks noGrp="1"/>
+          </p:cNvSpPr>
+          <p:nvPr>
+            <p:ph sz="half" idx="1"/>
+          </p:nvPr>
+        </p:nvSpPr>
+        <p:spPr/>
+        <p:txBody>
+          <a:bodyPr/>
+          <a:lstStyle/>
+          <a:p>
+            <a:endParaRPr lang="de-CH"/>
+          </a:p>
+        </p:txBody>
+      </p:sp>
+      <p:sp>
+        <p:nvSpPr>
+          <p:cNvPr id="3" name="Title 2"/>
+          <p:cNvSpPr>
+            <a:spLocks noGrp="1"/>
+          </p:cNvSpPr>
+          <p:nvPr>
+            <p:ph type="ctrTitle"/>
+          </p:nvPr>
+        </p:nvSpPr>
+        <p:spPr/>
+        <p:txBody>
+          <a:bodyPr/>
+          <a:lstStyle/>
+          <a:p>
+            <a:r>
+              <a:rPr lang="de-CH" dirty="0" smtClean="0"/>
+              <a:t>Inspection continue</a:t>
+            </a:r>
+            <a:endParaRPr lang="de-CH" dirty="0"/>
+          </a:p>
+        </p:txBody>
+      </p:sp>
+    </p:spTree>
+    <p:extLst>
+      <p:ext uri="{BB962C8B-B14F-4D97-AF65-F5344CB8AC3E}">
+        <p14:creationId xmlns:p14="http://schemas.microsoft.com/office/powerpoint/2010/main" val="675840739"/>
+      </p:ext>
+    </p:extLst>
+  </p:cSld>
+  <p:clrMapOvr>
+    <a:masterClrMapping/>
+  </p:clrMapOvr>
+</p:sld>
+</file>
+
+<file path=ppt/slides/slide11.xml><?xml version="1.0" encoding="utf-8"?>
+<p:sld xmlns:a="http://schemas.openxmlformats.org/drawingml/2006/main" xmlns:r="http://schemas.openxmlformats.org/officeDocument/2006/relationships" xmlns:p="http://schemas.openxmlformats.org/presentationml/2006/main">
+  <p:cSld>
+    <p:spTree>
+      <p:nvGrpSpPr>
+        <p:cNvPr id="1" name=""/>
+        <p:cNvGrpSpPr/>
+        <p:nvPr/>
+      </p:nvGrpSpPr>
+      <p:grpSpPr>
+        <a:xfrm>
+          <a:off x="0" y="0"/>
+          <a:ext cx="0" cy="0"/>
+          <a:chOff x="0" y="0"/>
+          <a:chExt cx="0" cy="0"/>
+        </a:xfrm>
+      </p:grpSpPr>
+      <p:sp>
+        <p:nvSpPr>
+          <p:cNvPr id="2" name="Content Placeholder 1"/>
+          <p:cNvSpPr>
+            <a:spLocks noGrp="1"/>
+          </p:cNvSpPr>
+          <p:nvPr>
+            <p:ph sz="half" idx="1"/>
+          </p:nvPr>
+        </p:nvSpPr>
+        <p:spPr/>
+        <p:txBody>
+          <a:bodyPr/>
+          <a:lstStyle/>
+          <a:p>
+            <a:r>
+              <a:rPr lang="de-CH" dirty="0" smtClean="0"/>
+              <a:t>Intégration de base de données continue</a:t>
+            </a:r>
+          </a:p>
+          <a:p>
+            <a:r>
+              <a:rPr lang="de-CH" dirty="0" smtClean="0"/>
+              <a:t>Déploiment continue</a:t>
+            </a:r>
+          </a:p>
+        </p:txBody>
+      </p:sp>
+      <p:sp>
+        <p:nvSpPr>
+          <p:cNvPr id="3" name="Title 2"/>
+          <p:cNvSpPr>
+            <a:spLocks noGrp="1"/>
+          </p:cNvSpPr>
+          <p:nvPr>
+            <p:ph type="ctrTitle"/>
+          </p:nvPr>
+        </p:nvSpPr>
+        <p:spPr/>
+        <p:txBody>
+          <a:bodyPr/>
+          <a:lstStyle/>
+          <a:p>
+            <a:r>
+              <a:rPr lang="de-CH" dirty="0" smtClean="0"/>
+              <a:t>Autres concepts</a:t>
+            </a:r>
+            <a:endParaRPr lang="de-CH" dirty="0"/>
+          </a:p>
+        </p:txBody>
+      </p:sp>
+    </p:spTree>
+    <p:extLst>
+      <p:ext uri="{BB962C8B-B14F-4D97-AF65-F5344CB8AC3E}">
+        <p14:creationId xmlns:p14="http://schemas.microsoft.com/office/powerpoint/2010/main" val="2105712538"/>
+      </p:ext>
+    </p:extLst>
+  </p:cSld>
+  <p:clrMapOvr>
+    <a:masterClrMapping/>
+  </p:clrMapOvr>
+</p:sld>
+</file>
+
+<file path=ppt/slides/slide12.xml><?xml version="1.0" encoding="utf-8"?>
+<p:sld xmlns:a="http://schemas.openxmlformats.org/drawingml/2006/main" xmlns:r="http://schemas.openxmlformats.org/officeDocument/2006/relationships" xmlns:p="http://schemas.openxmlformats.org/presentationml/2006/main">
+  <p:cSld>
+    <p:spTree>
+      <p:nvGrpSpPr>
+        <p:cNvPr id="1" name=""/>
+        <p:cNvGrpSpPr/>
+        <p:nvPr/>
+      </p:nvGrpSpPr>
+      <p:grpSpPr>
+        <a:xfrm>
+          <a:off x="0" y="0"/>
+          <a:ext cx="0" cy="0"/>
+          <a:chOff x="0" y="0"/>
+          <a:chExt cx="0" cy="0"/>
+        </a:xfrm>
+      </p:grpSpPr>
+      <p:sp>
+        <p:nvSpPr>
+          <p:cNvPr id="5" name="Titel 4"/>
+          <p:cNvSpPr>
+            <a:spLocks noGrp="1"/>
+          </p:cNvSpPr>
+          <p:nvPr>
+            <p:ph type="ctrTitle"/>
+          </p:nvPr>
+        </p:nvSpPr>
+        <p:spPr/>
+        <p:txBody>
+          <a:bodyPr/>
+          <a:lstStyle/>
+          <a:p>
+            <a:r>
+              <a:rPr lang="de-CH" dirty="0" smtClean="0"/>
+              <a:t>Bénéfice</a:t>
+            </a:r>
+            <a:endParaRPr lang="de-CH" dirty="0"/>
+          </a:p>
+        </p:txBody>
+      </p:sp>
+      <p:sp>
+        <p:nvSpPr>
+          <p:cNvPr id="6" name="Untertitel 5"/>
+          <p:cNvSpPr>
+            <a:spLocks noGrp="1"/>
+          </p:cNvSpPr>
+          <p:nvPr>
+            <p:ph type="subTitle" idx="1"/>
+          </p:nvPr>
+        </p:nvSpPr>
+        <p:spPr/>
+        <p:txBody>
+          <a:bodyPr/>
+          <a:lstStyle/>
+          <a:p>
+            <a:endParaRPr lang="de-CH"/>
+          </a:p>
+        </p:txBody>
+      </p:sp>
+    </p:spTree>
+    <p:extLst>
+      <p:ext uri="{BB962C8B-B14F-4D97-AF65-F5344CB8AC3E}">
+        <p14:creationId xmlns:p14="http://schemas.microsoft.com/office/powerpoint/2010/main" val="196470036"/>
+      </p:ext>
+    </p:extLst>
+  </p:cSld>
+  <p:clrMapOvr>
+    <a:masterClrMapping/>
+  </p:clrMapOvr>
+</p:sld>
+</file>
+
+<file path=ppt/slides/slide13.xml><?xml version="1.0" encoding="utf-8"?>
+<p:sld xmlns:a="http://schemas.openxmlformats.org/drawingml/2006/main" xmlns:r="http://schemas.openxmlformats.org/officeDocument/2006/relationships" xmlns:p="http://schemas.openxmlformats.org/presentationml/2006/main">
+  <p:cSld>
+    <p:spTree>
+      <p:nvGrpSpPr>
+        <p:cNvPr id="1" name=""/>
+        <p:cNvGrpSpPr/>
+        <p:nvPr/>
+      </p:nvGrpSpPr>
+      <p:grpSpPr>
+        <a:xfrm>
+          <a:off x="0" y="0"/>
+          <a:ext cx="0" cy="0"/>
+          <a:chOff x="0" y="0"/>
+          <a:chExt cx="0" cy="0"/>
+        </a:xfrm>
+      </p:grpSpPr>
+      <p:sp>
+        <p:nvSpPr>
+          <p:cNvPr id="5" name="Content Placeholder 4"/>
+          <p:cNvSpPr>
+            <a:spLocks noGrp="1"/>
+          </p:cNvSpPr>
+          <p:nvPr>
+            <p:ph sz="half" idx="1"/>
+          </p:nvPr>
+        </p:nvSpPr>
+        <p:spPr/>
+        <p:txBody>
+          <a:bodyPr/>
+          <a:lstStyle/>
+          <a:p>
+            <a:endParaRPr lang="de-CH"/>
+          </a:p>
+        </p:txBody>
+      </p:sp>
+      <p:sp>
+        <p:nvSpPr>
+          <p:cNvPr id="4" name="Title 3"/>
+          <p:cNvSpPr>
+            <a:spLocks noGrp="1"/>
+          </p:cNvSpPr>
+          <p:nvPr>
+            <p:ph type="ctrTitle"/>
+          </p:nvPr>
+        </p:nvSpPr>
+        <p:spPr/>
+        <p:txBody>
+          <a:bodyPr/>
+          <a:lstStyle/>
+          <a:p>
+            <a:endParaRPr lang="de-CH"/>
+          </a:p>
+        </p:txBody>
+      </p:sp>
+    </p:spTree>
+    <p:extLst>
+      <p:ext uri="{BB962C8B-B14F-4D97-AF65-F5344CB8AC3E}">
+        <p14:creationId xmlns:p14="http://schemas.microsoft.com/office/powerpoint/2010/main" val="1565790670"/>
+      </p:ext>
+    </p:extLst>
+  </p:cSld>
+  <p:clrMapOvr>
+    <a:masterClrMapping/>
+  </p:clrMapOvr>
+</p:sld>
+</file>
+
+<file path=ppt/slides/slide14.xml><?xml version="1.0" encoding="utf-8"?>
+<p:sld xmlns:a="http://schemas.openxmlformats.org/drawingml/2006/main" xmlns:r="http://schemas.openxmlformats.org/officeDocument/2006/relationships" xmlns:p="http://schemas.openxmlformats.org/presentationml/2006/main">
+  <p:cSld>
+    <p:spTree>
+      <p:nvGrpSpPr>
+        <p:cNvPr id="1" name=""/>
+        <p:cNvGrpSpPr/>
+        <p:nvPr/>
+      </p:nvGrpSpPr>
+      <p:grpSpPr>
+        <a:xfrm>
+          <a:off x="0" y="0"/>
+          <a:ext cx="0" cy="0"/>
+          <a:chOff x="0" y="0"/>
+          <a:chExt cx="0" cy="0"/>
+        </a:xfrm>
+      </p:grpSpPr>
+      <p:sp>
+        <p:nvSpPr>
+          <p:cNvPr id="5" name="Titel 4"/>
+          <p:cNvSpPr>
+            <a:spLocks noGrp="1"/>
+          </p:cNvSpPr>
+          <p:nvPr>
+            <p:ph type="ctrTitle"/>
+          </p:nvPr>
+        </p:nvSpPr>
+        <p:spPr/>
+        <p:txBody>
+          <a:bodyPr/>
+          <a:lstStyle/>
+          <a:p>
+            <a:r>
+              <a:rPr lang="de-CH" dirty="0" smtClean="0"/>
+              <a:t>Évaluation</a:t>
+            </a:r>
+            <a:endParaRPr lang="de-CH" dirty="0"/>
+          </a:p>
+        </p:txBody>
+      </p:sp>
+      <p:sp>
+        <p:nvSpPr>
+          <p:cNvPr id="6" name="Untertitel 5"/>
+          <p:cNvSpPr>
+            <a:spLocks noGrp="1"/>
+          </p:cNvSpPr>
+          <p:nvPr>
+            <p:ph type="subTitle" idx="1"/>
+          </p:nvPr>
+        </p:nvSpPr>
+        <p:spPr/>
+        <p:txBody>
+          <a:bodyPr/>
+          <a:lstStyle/>
+          <a:p>
+            <a:endParaRPr lang="de-CH"/>
+          </a:p>
+        </p:txBody>
+      </p:sp>
+    </p:spTree>
+    <p:extLst>
+      <p:ext uri="{BB962C8B-B14F-4D97-AF65-F5344CB8AC3E}">
+        <p14:creationId xmlns:p14="http://schemas.microsoft.com/office/powerpoint/2010/main" val="2533631665"/>
+      </p:ext>
+    </p:extLst>
+  </p:cSld>
+  <p:clrMapOvr>
+    <a:masterClrMapping/>
+  </p:clrMapOvr>
+</p:sld>
+</file>
+
+<file path=ppt/slides/slide15.xml><?xml version="1.0" encoding="utf-8"?>
+<p:sld xmlns:a="http://schemas.openxmlformats.org/drawingml/2006/main" xmlns:r="http://schemas.openxmlformats.org/officeDocument/2006/relationships" xmlns:p="http://schemas.openxmlformats.org/presentationml/2006/main">
+  <p:cSld>
+    <p:spTree>
+      <p:nvGrpSpPr>
+        <p:cNvPr id="1" name=""/>
+        <p:cNvGrpSpPr/>
+        <p:nvPr/>
+      </p:nvGrpSpPr>
+      <p:grpSpPr>
+        <a:xfrm>
+          <a:off x="0" y="0"/>
+          <a:ext cx="0" cy="0"/>
+          <a:chOff x="0" y="0"/>
+          <a:chExt cx="0" cy="0"/>
+        </a:xfrm>
+      </p:grpSpPr>
+      <p:pic>
+        <p:nvPicPr>
+          <p:cNvPr id="6" name="Content Placeholder 5"/>
+          <p:cNvPicPr>
+            <a:picLocks noGrp="1" noChangeAspect="1"/>
+          </p:cNvPicPr>
+          <p:nvPr>
+            <p:ph sz="half" idx="1"/>
+          </p:nvPr>
+        </p:nvPicPr>
+        <p:blipFill>
+          <a:blip r:embed="rId2"/>
+          <a:stretch>
+            <a:fillRect/>
+          </a:stretch>
+        </p:blipFill>
+        <p:spPr>
+          <a:xfrm>
+            <a:off x="5980117" y="900000"/>
+            <a:ext cx="2587883" cy="2587883"/>
+          </a:xfrm>
+        </p:spPr>
+      </p:pic>
+      <p:sp>
+        <p:nvSpPr>
+          <p:cNvPr id="4" name="Title 3"/>
+          <p:cNvSpPr>
+            <a:spLocks noGrp="1"/>
+          </p:cNvSpPr>
+          <p:nvPr>
+            <p:ph type="ctrTitle"/>
+          </p:nvPr>
+        </p:nvSpPr>
+        <p:spPr/>
+        <p:txBody>
+          <a:bodyPr/>
+          <a:lstStyle/>
+          <a:p>
+            <a:r>
+              <a:rPr lang="de-CH" dirty="0" smtClean="0"/>
+              <a:t>Serveurs choisit</a:t>
+            </a:r>
+            <a:endParaRPr lang="de-CH" dirty="0"/>
+          </a:p>
+        </p:txBody>
+      </p:sp>
+      <p:pic>
+        <p:nvPicPr>
+          <p:cNvPr id="7" name="Picture 6"/>
+          <p:cNvPicPr>
+            <a:picLocks noChangeAspect="1"/>
+          </p:cNvPicPr>
+          <p:nvPr/>
+        </p:nvPicPr>
+        <p:blipFill>
+          <a:blip r:embed="rId3"/>
+          <a:stretch>
+            <a:fillRect/>
+          </a:stretch>
+        </p:blipFill>
+        <p:spPr>
+          <a:xfrm>
+            <a:off x="205084" y="1089587"/>
+            <a:ext cx="5715000" cy="1905000"/>
+          </a:xfrm>
+          <a:prstGeom prst="rect">
+            <a:avLst/>
+          </a:prstGeom>
+        </p:spPr>
+      </p:pic>
+      <p:pic>
+        <p:nvPicPr>
+          <p:cNvPr id="1026" name="Picture 2" descr="https://jenkins-ci.org/images/header_logo.png"/>
+          <p:cNvPicPr>
+            <a:picLocks noChangeAspect="1" noChangeArrowheads="1"/>
+          </p:cNvPicPr>
+          <p:nvPr/>
+        </p:nvPicPr>
+        <p:blipFill>
+          <a:blip r:embed="rId4">
+            <a:extLst>
+              <a:ext uri="{28A0092B-C50C-407E-A947-70E740481C1C}">
+                <a14:useLocalDpi xmlns:a14="http://schemas.microsoft.com/office/drawing/2010/main" val="0"/>
+              </a:ext>
+            </a:extLst>
+          </a:blip>
+          <a:srcRect/>
+          <a:stretch>
+            <a:fillRect/>
+          </a:stretch>
+        </p:blipFill>
+        <p:spPr bwMode="auto">
+          <a:xfrm>
+            <a:off x="501208" y="4368823"/>
+            <a:ext cx="3790950" cy="1219201"/>
+          </a:xfrm>
+          <a:prstGeom prst="rect">
+            <a:avLst/>
+          </a:prstGeom>
+          <a:noFill/>
+          <a:extLst>
+            <a:ext uri="{909E8E84-426E-40DD-AFC4-6F175D3DCCD1}">
+              <a14:hiddenFill xmlns:a14="http://schemas.microsoft.com/office/drawing/2010/main">
+                <a:solidFill>
+                  <a:srgbClr val="FFFFFF"/>
+                </a:solidFill>
+              </a14:hiddenFill>
+            </a:ext>
+          </a:extLst>
+        </p:spPr>
+      </p:pic>
+      <p:pic>
+        <p:nvPicPr>
+          <p:cNvPr id="1028" name="Picture 4" descr="http://www.edsquared.com/content/binary/Windows-Live-Writer/Announcing-Visual-Studio-Online_AD/Visual%20Studio%20Online%20Logo_3.png"/>
+          <p:cNvPicPr>
+            <a:picLocks noChangeAspect="1" noChangeArrowheads="1"/>
+          </p:cNvPicPr>
+          <p:nvPr/>
+        </p:nvPicPr>
+        <p:blipFill>
+          <a:blip r:embed="rId5">
+            <a:extLst>
+              <a:ext uri="{28A0092B-C50C-407E-A947-70E740481C1C}">
+                <a14:useLocalDpi xmlns:a14="http://schemas.microsoft.com/office/drawing/2010/main" val="0"/>
+              </a:ext>
+            </a:extLst>
+          </a:blip>
+          <a:srcRect/>
+          <a:stretch>
+            <a:fillRect/>
+          </a:stretch>
+        </p:blipFill>
+        <p:spPr bwMode="auto">
+          <a:xfrm>
+            <a:off x="4701546" y="4418269"/>
+            <a:ext cx="4180019" cy="866549"/>
+          </a:xfrm>
+          <a:prstGeom prst="rect">
+            <a:avLst/>
+          </a:prstGeom>
+          <a:noFill/>
+          <a:extLst>
+            <a:ext uri="{909E8E84-426E-40DD-AFC4-6F175D3DCCD1}">
+              <a14:hiddenFill xmlns:a14="http://schemas.microsoft.com/office/drawing/2010/main">
+                <a:solidFill>
+                  <a:srgbClr val="FFFFFF"/>
+                </a:solidFill>
+              </a14:hiddenFill>
+            </a:ext>
+          </a:extLst>
+        </p:spPr>
+      </p:pic>
+    </p:spTree>
+    <p:extLst>
+      <p:ext uri="{BB962C8B-B14F-4D97-AF65-F5344CB8AC3E}">
+        <p14:creationId xmlns:p14="http://schemas.microsoft.com/office/powerpoint/2010/main" val="369019256"/>
+      </p:ext>
+    </p:extLst>
+  </p:cSld>
+  <p:clrMapOvr>
+    <a:masterClrMapping/>
+  </p:clrMapOvr>
+</p:sld>
+</file>
+
+<file path=ppt/slides/slide16.xml><?xml version="1.0" encoding="utf-8"?>
+<p:sld xmlns:a="http://schemas.openxmlformats.org/drawingml/2006/main" xmlns:r="http://schemas.openxmlformats.org/officeDocument/2006/relationships" xmlns:p="http://schemas.openxmlformats.org/presentationml/2006/main">
+  <p:cSld>
+    <p:spTree>
+      <p:nvGrpSpPr>
+        <p:cNvPr id="1" name=""/>
+        <p:cNvGrpSpPr/>
+        <p:nvPr/>
+      </p:nvGrpSpPr>
+      <p:grpSpPr>
+        <a:xfrm>
+          <a:off x="0" y="0"/>
+          <a:ext cx="0" cy="0"/>
+          <a:chOff x="0" y="0"/>
+          <a:chExt cx="0" cy="0"/>
+        </a:xfrm>
+      </p:grpSpPr>
+      <p:sp>
+        <p:nvSpPr>
+          <p:cNvPr id="2" name="Content Placeholder 1"/>
+          <p:cNvSpPr>
+            <a:spLocks noGrp="1"/>
+          </p:cNvSpPr>
+          <p:nvPr>
+            <p:ph sz="half" idx="1"/>
+          </p:nvPr>
+        </p:nvSpPr>
+        <p:spPr/>
+        <p:txBody>
+          <a:bodyPr/>
+          <a:lstStyle/>
+          <a:p>
+            <a:endParaRPr lang="de-CH" dirty="0"/>
+          </a:p>
+        </p:txBody>
+      </p:sp>
+      <p:sp>
+        <p:nvSpPr>
+          <p:cNvPr id="3" name="Title 2"/>
+          <p:cNvSpPr>
+            <a:spLocks noGrp="1"/>
+          </p:cNvSpPr>
+          <p:nvPr>
+            <p:ph type="ctrTitle"/>
+          </p:nvPr>
+        </p:nvSpPr>
+        <p:spPr/>
+        <p:txBody>
+          <a:bodyPr/>
+          <a:lstStyle/>
+          <a:p>
+            <a:r>
+              <a:rPr lang="de-CH" dirty="0" smtClean="0"/>
+              <a:t>Resultats</a:t>
+            </a:r>
+            <a:endParaRPr lang="de-CH" dirty="0"/>
+          </a:p>
+        </p:txBody>
+      </p:sp>
+    </p:spTree>
+    <p:extLst>
+      <p:ext uri="{BB962C8B-B14F-4D97-AF65-F5344CB8AC3E}">
+        <p14:creationId xmlns:p14="http://schemas.microsoft.com/office/powerpoint/2010/main" val="1861044441"/>
+      </p:ext>
+    </p:extLst>
+  </p:cSld>
+  <p:clrMapOvr>
+    <a:masterClrMapping/>
+  </p:clrMapOvr>
+</p:sld>
+</file>
+
+<file path=ppt/slides/slide17.xml><?xml version="1.0" encoding="utf-8"?>
+<p:sld xmlns:a="http://schemas.openxmlformats.org/drawingml/2006/main" xmlns:r="http://schemas.openxmlformats.org/officeDocument/2006/relationships" xmlns:p="http://schemas.openxmlformats.org/presentationml/2006/main">
+  <p:cSld>
+    <p:spTree>
+      <p:nvGrpSpPr>
+        <p:cNvPr id="1" name=""/>
+        <p:cNvGrpSpPr/>
+        <p:nvPr/>
+      </p:nvGrpSpPr>
+      <p:grpSpPr>
+        <a:xfrm>
+          <a:off x="0" y="0"/>
+          <a:ext cx="0" cy="0"/>
+          <a:chOff x="0" y="0"/>
+          <a:chExt cx="0" cy="0"/>
+        </a:xfrm>
+      </p:grpSpPr>
+      <p:sp>
+        <p:nvSpPr>
+          <p:cNvPr id="2" name="Content Placeholder 1"/>
+          <p:cNvSpPr>
+            <a:spLocks noGrp="1"/>
+          </p:cNvSpPr>
+          <p:nvPr>
+            <p:ph sz="half" idx="1"/>
+          </p:nvPr>
+        </p:nvSpPr>
+        <p:spPr/>
+        <p:txBody>
+          <a:bodyPr/>
+          <a:lstStyle/>
+          <a:p>
+            <a:r>
+              <a:rPr lang="de-CH" dirty="0" smtClean="0"/>
+              <a:t>Une petite indication pour le travail bachelor</a:t>
+            </a:r>
+          </a:p>
+          <a:p>
+            <a:pPr lvl="1"/>
+            <a:r>
+              <a:rPr lang="de-CH" dirty="0">
+                <a:hlinkClick r:id="rId2"/>
+              </a:rPr>
+              <a:t>https://education.github.com</a:t>
+            </a:r>
+            <a:r>
+              <a:rPr lang="de-CH" dirty="0" smtClean="0">
+                <a:hlinkClick r:id="rId2"/>
+              </a:rPr>
+              <a:t>/</a:t>
+            </a:r>
+            <a:r>
+              <a:rPr lang="de-CH" dirty="0" smtClean="0"/>
+              <a:t> </a:t>
+            </a:r>
+          </a:p>
+          <a:p>
+            <a:pPr lvl="1"/>
+            <a:endParaRPr lang="de-CH" dirty="0"/>
+          </a:p>
+          <a:p>
+            <a:endParaRPr lang="de-CH" dirty="0" smtClean="0"/>
+          </a:p>
+          <a:p>
+            <a:endParaRPr lang="de-CH" dirty="0" smtClean="0"/>
+          </a:p>
+          <a:p>
+            <a:pPr marL="0" indent="0">
+              <a:buNone/>
+            </a:pPr>
+            <a:endParaRPr lang="de-CH" dirty="0"/>
+          </a:p>
+          <a:p>
+            <a:endParaRPr lang="de-CH" dirty="0" smtClean="0"/>
+          </a:p>
+          <a:p>
+            <a:endParaRPr lang="de-CH" dirty="0" smtClean="0"/>
+          </a:p>
+          <a:p>
+            <a:endParaRPr lang="de-CH" dirty="0"/>
+          </a:p>
+          <a:p>
+            <a:endParaRPr lang="de-CH" dirty="0" smtClean="0"/>
+          </a:p>
+        </p:txBody>
+      </p:sp>
+      <p:sp>
+        <p:nvSpPr>
+          <p:cNvPr id="3" name="Title 2"/>
+          <p:cNvSpPr>
+            <a:spLocks noGrp="1"/>
+          </p:cNvSpPr>
+          <p:nvPr>
+            <p:ph type="ctrTitle"/>
+          </p:nvPr>
+        </p:nvSpPr>
+        <p:spPr/>
+        <p:txBody>
+          <a:bodyPr/>
+          <a:lstStyle/>
+          <a:p>
+            <a:r>
+              <a:rPr lang="de-CH" dirty="0" smtClean="0"/>
+              <a:t>Demonstration</a:t>
+            </a:r>
+            <a:endParaRPr lang="de-CH" dirty="0"/>
+          </a:p>
+        </p:txBody>
+      </p:sp>
+      <p:pic>
+        <p:nvPicPr>
+          <p:cNvPr id="5" name="Picture 4"/>
+          <p:cNvPicPr>
+            <a:picLocks noChangeAspect="1"/>
+          </p:cNvPicPr>
+          <p:nvPr/>
+        </p:nvPicPr>
+        <p:blipFill>
+          <a:blip r:embed="rId3"/>
+          <a:stretch>
+            <a:fillRect/>
+          </a:stretch>
+        </p:blipFill>
+        <p:spPr>
+          <a:xfrm>
+            <a:off x="1352040" y="2187975"/>
+            <a:ext cx="6331920" cy="4151112"/>
+          </a:xfrm>
+          <a:prstGeom prst="rect">
+            <a:avLst/>
+          </a:prstGeom>
+        </p:spPr>
+      </p:pic>
+      <p:pic>
+        <p:nvPicPr>
+          <p:cNvPr id="6" name="Picture 5"/>
+          <p:cNvPicPr>
+            <a:picLocks noChangeAspect="1"/>
+          </p:cNvPicPr>
+          <p:nvPr/>
+        </p:nvPicPr>
+        <p:blipFill>
+          <a:blip r:embed="rId4"/>
+          <a:stretch>
+            <a:fillRect/>
+          </a:stretch>
+        </p:blipFill>
+        <p:spPr>
+          <a:xfrm>
+            <a:off x="660152" y="2510559"/>
+            <a:ext cx="7571166" cy="1195245"/>
+          </a:xfrm>
+          <a:prstGeom prst="rect">
+            <a:avLst/>
+          </a:prstGeom>
+        </p:spPr>
+      </p:pic>
+      <p:pic>
+        <p:nvPicPr>
+          <p:cNvPr id="7" name="Picture 6"/>
+          <p:cNvPicPr>
+            <a:picLocks noChangeAspect="1"/>
+          </p:cNvPicPr>
+          <p:nvPr/>
+        </p:nvPicPr>
+        <p:blipFill>
+          <a:blip r:embed="rId5"/>
+          <a:stretch>
+            <a:fillRect/>
+          </a:stretch>
+        </p:blipFill>
+        <p:spPr>
+          <a:xfrm>
+            <a:off x="660152" y="3861060"/>
+            <a:ext cx="7586463" cy="1102275"/>
+          </a:xfrm>
+          <a:prstGeom prst="rect">
+            <a:avLst/>
+          </a:prstGeom>
+        </p:spPr>
+      </p:pic>
+    </p:spTree>
+    <p:extLst>
+      <p:ext uri="{BB962C8B-B14F-4D97-AF65-F5344CB8AC3E}">
+        <p14:creationId xmlns:p14="http://schemas.microsoft.com/office/powerpoint/2010/main" val="1564597684"/>
+      </p:ext>
+    </p:extLst>
+  </p:cSld>
+  <p:clrMapOvr>
+    <a:masterClrMapping/>
+  </p:clrMapOvr>
+  <p:timing>
+    <p:tnLst>
+      <p:par>
+        <p:cTn id="1" dur="indefinite" restart="never" nodeType="tmRoot">
+          <p:childTnLst>
+            <p:seq concurrent="1" nextAc="seek">
+              <p:cTn id="2" dur="indefinite" nodeType="mainSeq">
+                <p:childTnLst>
+                  <p:par>
+                    <p:cTn id="3" fill="hold">
+                      <p:stCondLst>
+                        <p:cond delay="indefinite"/>
+                      </p:stCondLst>
+                      <p:childTnLst>
+                        <p:par>
+                          <p:cTn id="4" fill="hold">
+                            <p:stCondLst>
+                              <p:cond delay="0"/>
+                            </p:stCondLst>
+                            <p:childTnLst>
+                              <p:par>
+                                <p:cTn id="5" presetID="1" presetClass="entr" presetSubtype="0" fill="hold" nodeType="clickEffect">
+                                  <p:stCondLst>
+                                    <p:cond delay="0"/>
+                                  </p:stCondLst>
+                                  <p:childTnLst>
+                                    <p:set>
+                                      <p:cBhvr>
+                                        <p:cTn id="6" dur="1" fill="hold">
+                                          <p:stCondLst>
+                                            <p:cond delay="0"/>
+                                          </p:stCondLst>
+                                        </p:cTn>
+                                        <p:tgtEl>
+                                          <p:spTgt spid="6"/>
+                                        </p:tgtEl>
+                                        <p:attrNameLst>
+                                          <p:attrName>style.visibility</p:attrName>
+                                        </p:attrNameLst>
+                                      </p:cBhvr>
+                                      <p:to>
+                                        <p:strVal val="visible"/>
+                                      </p:to>
+                                    </p:set>
+                                  </p:childTnLst>
+                                </p:cTn>
+                              </p:par>
+                              <p:par>
+                                <p:cTn id="7" presetID="1" presetClass="entr" presetSubtype="0" fill="hold" nodeType="withEffect">
+                                  <p:stCondLst>
+                                    <p:cond delay="0"/>
+                                  </p:stCondLst>
+                                  <p:childTnLst>
+                                    <p:set>
+                                      <p:cBhvr>
+                                        <p:cTn id="8" dur="1" fill="hold">
+                                          <p:stCondLst>
+                                            <p:cond delay="0"/>
+                                          </p:stCondLst>
+                                        </p:cTn>
+                                        <p:tgtEl>
+                                          <p:spTgt spid="7"/>
+                                        </p:tgtEl>
+                                        <p:attrNameLst>
+                                          <p:attrName>style.visibility</p:attrName>
+                                        </p:attrNameLst>
+                                      </p:cBhvr>
+                                      <p:to>
+                                        <p:strVal val="visible"/>
+                                      </p:to>
+                                    </p:set>
+                                  </p:childTnLst>
+                                </p:cTn>
+                              </p:par>
+                            </p:childTnLst>
+                          </p:cTn>
+                        </p:par>
+                      </p:childTnLst>
+                    </p:cTn>
+                  </p:par>
+                </p:childTnLst>
+              </p:cTn>
+              <p:prevCondLst>
+                <p:cond evt="onPrev" delay="0">
+                  <p:tgtEl>
+                    <p:sldTgt/>
+                  </p:tgtEl>
+                </p:cond>
+              </p:prevCondLst>
+              <p:nextCondLst>
+                <p:cond evt="onNext" delay="0">
+                  <p:tgtEl>
+                    <p:sldTgt/>
+                  </p:tgtEl>
+                </p:cond>
+              </p:nextCondLst>
+            </p:seq>
+          </p:childTnLst>
+        </p:cTn>
+      </p:par>
+    </p:tnLst>
+  </p:timing>
+</p:sld>
+</file>
+
+<file path=ppt/slides/slide18.xml><?xml version="1.0" encoding="utf-8"?>
+<p:sld xmlns:a="http://schemas.openxmlformats.org/drawingml/2006/main" xmlns:r="http://schemas.openxmlformats.org/officeDocument/2006/relationships" xmlns:p="http://schemas.openxmlformats.org/presentationml/2006/main">
+  <p:cSld>
+    <p:spTree>
+      <p:nvGrpSpPr>
+        <p:cNvPr id="1" name=""/>
+        <p:cNvGrpSpPr/>
+        <p:nvPr/>
+      </p:nvGrpSpPr>
+      <p:grpSpPr>
+        <a:xfrm>
+          <a:off x="0" y="0"/>
+          <a:ext cx="0" cy="0"/>
+          <a:chOff x="0" y="0"/>
+          <a:chExt cx="0" cy="0"/>
+        </a:xfrm>
+      </p:grpSpPr>
+      <p:sp>
+        <p:nvSpPr>
+          <p:cNvPr id="2" name="Content Placeholder 1"/>
+          <p:cNvSpPr>
+            <a:spLocks noGrp="1"/>
+          </p:cNvSpPr>
+          <p:nvPr>
+            <p:ph sz="half" idx="1"/>
+          </p:nvPr>
+        </p:nvSpPr>
+        <p:spPr/>
+        <p:txBody>
+          <a:bodyPr/>
+          <a:lstStyle/>
+          <a:p>
+            <a:r>
+              <a:rPr lang="de-CH" dirty="0"/>
+              <a:t>Travis Professional with github</a:t>
+            </a:r>
+          </a:p>
+          <a:p>
+            <a:endParaRPr lang="de-CH" dirty="0"/>
+          </a:p>
+        </p:txBody>
+      </p:sp>
+      <p:sp>
+        <p:nvSpPr>
+          <p:cNvPr id="3" name="Title 2"/>
+          <p:cNvSpPr>
+            <a:spLocks noGrp="1"/>
+          </p:cNvSpPr>
+          <p:nvPr>
+            <p:ph type="ctrTitle"/>
+          </p:nvPr>
+        </p:nvSpPr>
+        <p:spPr/>
+        <p:txBody>
+          <a:bodyPr/>
+          <a:lstStyle/>
+          <a:p>
+            <a:r>
+              <a:rPr lang="de-CH" dirty="0" smtClean="0"/>
+              <a:t>Demonstration</a:t>
+            </a:r>
+            <a:endParaRPr lang="de-CH" dirty="0"/>
+          </a:p>
+        </p:txBody>
+      </p:sp>
+    </p:spTree>
+    <p:extLst>
+      <p:ext uri="{BB962C8B-B14F-4D97-AF65-F5344CB8AC3E}">
+        <p14:creationId xmlns:p14="http://schemas.microsoft.com/office/powerpoint/2010/main" val="3904278624"/>
+      </p:ext>
+    </p:extLst>
+  </p:cSld>
+  <p:clrMapOvr>
+    <a:masterClrMapping/>
+  </p:clrMapOvr>
+</p:sld>
+</file>
+
+<file path=ppt/slides/slide19.xml><?xml version="1.0" encoding="utf-8"?>
+<p:sld xmlns:a="http://schemas.openxmlformats.org/drawingml/2006/main" xmlns:r="http://schemas.openxmlformats.org/officeDocument/2006/relationships" xmlns:p="http://schemas.openxmlformats.org/presentationml/2006/main">
+  <p:cSld>
+    <p:spTree>
+      <p:nvGrpSpPr>
+        <p:cNvPr id="1" name=""/>
+        <p:cNvGrpSpPr/>
+        <p:nvPr/>
+      </p:nvGrpSpPr>
+      <p:grpSpPr>
+        <a:xfrm>
+          <a:off x="0" y="0"/>
+          <a:ext cx="0" cy="0"/>
+          <a:chOff x="0" y="0"/>
+          <a:chExt cx="0" cy="0"/>
+        </a:xfrm>
+      </p:grpSpPr>
+      <p:sp>
+        <p:nvSpPr>
+          <p:cNvPr id="2" name="Titel 1"/>
+          <p:cNvSpPr>
+            <a:spLocks noGrp="1"/>
+          </p:cNvSpPr>
+          <p:nvPr>
+            <p:ph type="ctrTitle"/>
+          </p:nvPr>
+        </p:nvSpPr>
+        <p:spPr/>
+        <p:txBody>
+          <a:bodyPr/>
+          <a:lstStyle/>
+          <a:p>
+            <a:r>
+              <a:rPr lang="de-CH" dirty="0" smtClean="0"/>
+              <a:t>Merci beaucoup pour votre attention</a:t>
+            </a:r>
+            <a:endParaRPr lang="de-CH" dirty="0"/>
+          </a:p>
+        </p:txBody>
+      </p:sp>
+      <p:sp>
+        <p:nvSpPr>
+          <p:cNvPr id="3" name="Untertitel 2"/>
+          <p:cNvSpPr>
+            <a:spLocks noGrp="1"/>
+          </p:cNvSpPr>
+          <p:nvPr>
+            <p:ph type="subTitle" idx="1"/>
+          </p:nvPr>
+        </p:nvSpPr>
+        <p:spPr/>
+        <p:txBody>
+          <a:bodyPr/>
+          <a:lstStyle/>
+          <a:p>
+            <a:endParaRPr lang="de-CH"/>
+          </a:p>
+        </p:txBody>
+      </p:sp>
+    </p:spTree>
+    <p:extLst>
+      <p:ext uri="{BB962C8B-B14F-4D97-AF65-F5344CB8AC3E}">
+        <p14:creationId xmlns:p14="http://schemas.microsoft.com/office/powerpoint/2010/main" val="440279581"/>
       </p:ext>
     </p:extLst>
   </p:cSld>
@@ -6754,41 +7827,48 @@
           <a:lstStyle/>
           <a:p>
             <a:r>
-              <a:rPr lang="de-CH" dirty="0" smtClean="0"/>
+              <a:rPr lang="fr-CH" dirty="0" smtClean="0"/>
               <a:t>Définition</a:t>
             </a:r>
           </a:p>
           <a:p>
             <a:r>
-              <a:rPr lang="de-CH" dirty="0" smtClean="0"/>
+              <a:rPr lang="fr-CH" dirty="0" smtClean="0"/>
               <a:t>Concepts</a:t>
             </a:r>
           </a:p>
           <a:p>
             <a:r>
-              <a:rPr lang="de-CH" dirty="0" smtClean="0"/>
+              <a:rPr lang="fr-CH" dirty="0" smtClean="0"/>
               <a:t>Bénéfice</a:t>
             </a:r>
-            <a:endParaRPr lang="de-CH" dirty="0"/>
-          </a:p>
-          <a:p>
-            <a:r>
-              <a:rPr lang="de-CH" dirty="0" smtClean="0"/>
+          </a:p>
+          <a:p>
+            <a:r>
+              <a:rPr lang="fr-CH" dirty="0" smtClean="0"/>
               <a:t>Evaluation</a:t>
             </a:r>
           </a:p>
           <a:p>
             <a:pPr lvl="1"/>
             <a:r>
-              <a:rPr lang="de-CH" dirty="0" smtClean="0"/>
+              <a:rPr lang="fr-CH" dirty="0" smtClean="0"/>
+              <a:t>Bilan</a:t>
+            </a:r>
+            <a:endParaRPr lang="fr-CH" dirty="0" smtClean="0"/>
+          </a:p>
+          <a:p>
+            <a:pPr lvl="1"/>
+            <a:r>
+              <a:rPr lang="fr-CH" dirty="0" smtClean="0"/>
               <a:t>Démonstration</a:t>
             </a:r>
           </a:p>
           <a:p>
-            <a:endParaRPr lang="de-CH" dirty="0" smtClean="0"/>
-          </a:p>
-          <a:p>
-            <a:endParaRPr lang="de-CH" dirty="0"/>
+            <a:endParaRPr lang="fr-CH" dirty="0" smtClean="0"/>
+          </a:p>
+          <a:p>
+            <a:endParaRPr lang="fr-CH" dirty="0"/>
           </a:p>
         </p:txBody>
       </p:sp>
@@ -6828,371 +7908,7 @@
 </p:sld>
 </file>
 
-<file path=ppt/slides/slide3.xml><?xml version="1.0" encoding="utf-8"?>
-<p:sld xmlns:a="http://schemas.openxmlformats.org/drawingml/2006/main" xmlns:r="http://schemas.openxmlformats.org/officeDocument/2006/relationships" xmlns:p="http://schemas.openxmlformats.org/presentationml/2006/main">
-  <p:cSld>
-    <p:spTree>
-      <p:nvGrpSpPr>
-        <p:cNvPr id="1" name=""/>
-        <p:cNvGrpSpPr/>
-        <p:nvPr/>
-      </p:nvGrpSpPr>
-      <p:grpSpPr>
-        <a:xfrm>
-          <a:off x="0" y="0"/>
-          <a:ext cx="0" cy="0"/>
-          <a:chOff x="0" y="0"/>
-          <a:chExt cx="0" cy="0"/>
-        </a:xfrm>
-      </p:grpSpPr>
-      <p:sp>
-        <p:nvSpPr>
-          <p:cNvPr id="5" name="Titel 4"/>
-          <p:cNvSpPr>
-            <a:spLocks noGrp="1"/>
-          </p:cNvSpPr>
-          <p:nvPr>
-            <p:ph type="ctrTitle"/>
-          </p:nvPr>
-        </p:nvSpPr>
-        <p:spPr/>
-        <p:txBody>
-          <a:bodyPr/>
-          <a:lstStyle/>
-          <a:p>
-            <a:r>
-              <a:rPr lang="de-CH" dirty="0" smtClean="0"/>
-              <a:t>Définition</a:t>
-            </a:r>
-            <a:endParaRPr lang="de-CH" dirty="0"/>
-          </a:p>
-        </p:txBody>
-      </p:sp>
-      <p:sp>
-        <p:nvSpPr>
-          <p:cNvPr id="6" name="Untertitel 5"/>
-          <p:cNvSpPr>
-            <a:spLocks noGrp="1"/>
-          </p:cNvSpPr>
-          <p:nvPr>
-            <p:ph type="subTitle" idx="1"/>
-          </p:nvPr>
-        </p:nvSpPr>
-        <p:spPr/>
-        <p:txBody>
-          <a:bodyPr/>
-          <a:lstStyle/>
-          <a:p>
-            <a:endParaRPr lang="de-CH"/>
-          </a:p>
-        </p:txBody>
-      </p:sp>
-    </p:spTree>
-    <p:extLst>
-      <p:ext uri="{BB962C8B-B14F-4D97-AF65-F5344CB8AC3E}">
-        <p14:creationId xmlns:p14="http://schemas.microsoft.com/office/powerpoint/2010/main" val="3399875752"/>
-      </p:ext>
-    </p:extLst>
-  </p:cSld>
-  <p:clrMapOvr>
-    <a:masterClrMapping/>
-  </p:clrMapOvr>
-</p:sld>
-</file>
-
-<file path=ppt/slides/slide4.xml><?xml version="1.0" encoding="utf-8"?>
-<p:sld xmlns:a="http://schemas.openxmlformats.org/drawingml/2006/main" xmlns:r="http://schemas.openxmlformats.org/officeDocument/2006/relationships" xmlns:p="http://schemas.openxmlformats.org/presentationml/2006/main">
-  <p:cSld>
-    <p:spTree>
-      <p:nvGrpSpPr>
-        <p:cNvPr id="1" name=""/>
-        <p:cNvGrpSpPr/>
-        <p:nvPr/>
-      </p:nvGrpSpPr>
-      <p:grpSpPr>
-        <a:xfrm>
-          <a:off x="0" y="0"/>
-          <a:ext cx="0" cy="0"/>
-          <a:chOff x="0" y="0"/>
-          <a:chExt cx="0" cy="0"/>
-        </a:xfrm>
-      </p:grpSpPr>
-      <p:sp>
-        <p:nvSpPr>
-          <p:cNvPr id="5" name="Titel 4"/>
-          <p:cNvSpPr>
-            <a:spLocks noGrp="1"/>
-          </p:cNvSpPr>
-          <p:nvPr>
-            <p:ph type="ctrTitle"/>
-          </p:nvPr>
-        </p:nvSpPr>
-        <p:spPr/>
-        <p:txBody>
-          <a:bodyPr/>
-          <a:lstStyle/>
-          <a:p>
-            <a:r>
-              <a:rPr lang="de-CH" dirty="0" smtClean="0"/>
-              <a:t>Concepts</a:t>
-            </a:r>
-            <a:endParaRPr lang="de-CH" dirty="0"/>
-          </a:p>
-        </p:txBody>
-      </p:sp>
-      <p:sp>
-        <p:nvSpPr>
-          <p:cNvPr id="6" name="Untertitel 5"/>
-          <p:cNvSpPr>
-            <a:spLocks noGrp="1"/>
-          </p:cNvSpPr>
-          <p:nvPr>
-            <p:ph type="subTitle" idx="1"/>
-          </p:nvPr>
-        </p:nvSpPr>
-        <p:spPr/>
-        <p:txBody>
-          <a:bodyPr/>
-          <a:lstStyle/>
-          <a:p>
-            <a:endParaRPr lang="de-CH"/>
-          </a:p>
-        </p:txBody>
-      </p:sp>
-    </p:spTree>
-    <p:extLst>
-      <p:ext uri="{BB962C8B-B14F-4D97-AF65-F5344CB8AC3E}">
-        <p14:creationId xmlns:p14="http://schemas.microsoft.com/office/powerpoint/2010/main" val="1167268787"/>
-      </p:ext>
-    </p:extLst>
-  </p:cSld>
-  <p:clrMapOvr>
-    <a:masterClrMapping/>
-  </p:clrMapOvr>
-</p:sld>
-</file>
-
-<file path=ppt/slides/slide5.xml><?xml version="1.0" encoding="utf-8"?>
-<p:sld xmlns:a="http://schemas.openxmlformats.org/drawingml/2006/main" xmlns:r="http://schemas.openxmlformats.org/officeDocument/2006/relationships" xmlns:p="http://schemas.openxmlformats.org/presentationml/2006/main">
-  <p:cSld>
-    <p:spTree>
-      <p:nvGrpSpPr>
-        <p:cNvPr id="1" name=""/>
-        <p:cNvGrpSpPr/>
-        <p:nvPr/>
-      </p:nvGrpSpPr>
-      <p:grpSpPr>
-        <a:xfrm>
-          <a:off x="0" y="0"/>
-          <a:ext cx="0" cy="0"/>
-          <a:chOff x="0" y="0"/>
-          <a:chExt cx="0" cy="0"/>
-        </a:xfrm>
-      </p:grpSpPr>
-      <p:sp>
-        <p:nvSpPr>
-          <p:cNvPr id="5" name="Titel 4"/>
-          <p:cNvSpPr>
-            <a:spLocks noGrp="1"/>
-          </p:cNvSpPr>
-          <p:nvPr>
-            <p:ph type="ctrTitle"/>
-          </p:nvPr>
-        </p:nvSpPr>
-        <p:spPr/>
-        <p:txBody>
-          <a:bodyPr/>
-          <a:lstStyle/>
-          <a:p>
-            <a:r>
-              <a:rPr lang="de-CH" dirty="0" smtClean="0"/>
-              <a:t>Bénéfice</a:t>
-            </a:r>
-            <a:endParaRPr lang="de-CH" dirty="0"/>
-          </a:p>
-        </p:txBody>
-      </p:sp>
-      <p:sp>
-        <p:nvSpPr>
-          <p:cNvPr id="6" name="Untertitel 5"/>
-          <p:cNvSpPr>
-            <a:spLocks noGrp="1"/>
-          </p:cNvSpPr>
-          <p:nvPr>
-            <p:ph type="subTitle" idx="1"/>
-          </p:nvPr>
-        </p:nvSpPr>
-        <p:spPr/>
-        <p:txBody>
-          <a:bodyPr/>
-          <a:lstStyle/>
-          <a:p>
-            <a:endParaRPr lang="de-CH"/>
-          </a:p>
-        </p:txBody>
-      </p:sp>
-    </p:spTree>
-    <p:extLst>
-      <p:ext uri="{BB962C8B-B14F-4D97-AF65-F5344CB8AC3E}">
-        <p14:creationId xmlns:p14="http://schemas.microsoft.com/office/powerpoint/2010/main" val="196470036"/>
-      </p:ext>
-    </p:extLst>
-  </p:cSld>
-  <p:clrMapOvr>
-    <a:masterClrMapping/>
-  </p:clrMapOvr>
-</p:sld>
-</file>
-
-<file path=ppt/slides/slide6.xml><?xml version="1.0" encoding="utf-8"?>
-<p:sld xmlns:a="http://schemas.openxmlformats.org/drawingml/2006/main" xmlns:r="http://schemas.openxmlformats.org/officeDocument/2006/relationships" xmlns:p="http://schemas.openxmlformats.org/presentationml/2006/main">
-  <p:cSld>
-    <p:spTree>
-      <p:nvGrpSpPr>
-        <p:cNvPr id="1" name=""/>
-        <p:cNvGrpSpPr/>
-        <p:nvPr/>
-      </p:nvGrpSpPr>
-      <p:grpSpPr>
-        <a:xfrm>
-          <a:off x="0" y="0"/>
-          <a:ext cx="0" cy="0"/>
-          <a:chOff x="0" y="0"/>
-          <a:chExt cx="0" cy="0"/>
-        </a:xfrm>
-      </p:grpSpPr>
-      <p:sp>
-        <p:nvSpPr>
-          <p:cNvPr id="5" name="Titel 4"/>
-          <p:cNvSpPr>
-            <a:spLocks noGrp="1"/>
-          </p:cNvSpPr>
-          <p:nvPr>
-            <p:ph type="ctrTitle"/>
-          </p:nvPr>
-        </p:nvSpPr>
-        <p:spPr/>
-        <p:txBody>
-          <a:bodyPr/>
-          <a:lstStyle/>
-          <a:p>
-            <a:r>
-              <a:rPr lang="de-CH" dirty="0" smtClean="0"/>
-              <a:t>É</a:t>
-            </a:r>
-            <a:r>
-              <a:rPr lang="de-CH" dirty="0" smtClean="0"/>
-              <a:t>valuation</a:t>
-            </a:r>
-            <a:endParaRPr lang="de-CH" dirty="0"/>
-          </a:p>
-        </p:txBody>
-      </p:sp>
-      <p:sp>
-        <p:nvSpPr>
-          <p:cNvPr id="6" name="Untertitel 5"/>
-          <p:cNvSpPr>
-            <a:spLocks noGrp="1"/>
-          </p:cNvSpPr>
-          <p:nvPr>
-            <p:ph type="subTitle" idx="1"/>
-          </p:nvPr>
-        </p:nvSpPr>
-        <p:spPr/>
-        <p:txBody>
-          <a:bodyPr/>
-          <a:lstStyle/>
-          <a:p>
-            <a:endParaRPr lang="de-CH"/>
-          </a:p>
-        </p:txBody>
-      </p:sp>
-    </p:spTree>
-    <p:extLst>
-      <p:ext uri="{BB962C8B-B14F-4D97-AF65-F5344CB8AC3E}">
-        <p14:creationId xmlns:p14="http://schemas.microsoft.com/office/powerpoint/2010/main" val="2533631665"/>
-      </p:ext>
-    </p:extLst>
-  </p:cSld>
-  <p:clrMapOvr>
-    <a:masterClrMapping/>
-  </p:clrMapOvr>
-</p:sld>
-</file>
-
-<file path=ppt/slides/slide7.xml><?xml version="1.0" encoding="utf-8"?>
-<p:sld xmlns:a="http://schemas.openxmlformats.org/drawingml/2006/main" xmlns:r="http://schemas.openxmlformats.org/officeDocument/2006/relationships" xmlns:p="http://schemas.openxmlformats.org/presentationml/2006/main">
-  <p:cSld>
-    <p:spTree>
-      <p:nvGrpSpPr>
-        <p:cNvPr id="1" name=""/>
-        <p:cNvGrpSpPr/>
-        <p:nvPr/>
-      </p:nvGrpSpPr>
-      <p:grpSpPr>
-        <a:xfrm>
-          <a:off x="0" y="0"/>
-          <a:ext cx="0" cy="0"/>
-          <a:chOff x="0" y="0"/>
-          <a:chExt cx="0" cy="0"/>
-        </a:xfrm>
-      </p:grpSpPr>
-      <p:sp>
-        <p:nvSpPr>
-          <p:cNvPr id="2" name="Titel 1"/>
-          <p:cNvSpPr>
-            <a:spLocks noGrp="1"/>
-          </p:cNvSpPr>
-          <p:nvPr>
-            <p:ph type="ctrTitle"/>
-          </p:nvPr>
-        </p:nvSpPr>
-        <p:spPr/>
-        <p:txBody>
-          <a:bodyPr/>
-          <a:lstStyle/>
-          <a:p>
-            <a:r>
-              <a:rPr lang="de-CH" dirty="0" smtClean="0"/>
-              <a:t>Merci beaucoup pour votre attention</a:t>
-            </a:r>
-            <a:endParaRPr lang="de-CH" dirty="0"/>
-          </a:p>
-        </p:txBody>
-      </p:sp>
-      <p:sp>
-        <p:nvSpPr>
-          <p:cNvPr id="3" name="Untertitel 2"/>
-          <p:cNvSpPr>
-            <a:spLocks noGrp="1"/>
-          </p:cNvSpPr>
-          <p:nvPr>
-            <p:ph type="subTitle" idx="1"/>
-          </p:nvPr>
-        </p:nvSpPr>
-        <p:spPr/>
-        <p:txBody>
-          <a:bodyPr/>
-          <a:lstStyle/>
-          <a:p>
-            <a:endParaRPr lang="de-CH"/>
-          </a:p>
-        </p:txBody>
-      </p:sp>
-    </p:spTree>
-    <p:extLst>
-      <p:ext uri="{BB962C8B-B14F-4D97-AF65-F5344CB8AC3E}">
-        <p14:creationId xmlns:p14="http://schemas.microsoft.com/office/powerpoint/2010/main" val="440279581"/>
-      </p:ext>
-    </p:extLst>
-  </p:cSld>
-  <p:clrMapOvr>
-    <a:masterClrMapping/>
-  </p:clrMapOvr>
-</p:sld>
-</file>
-
-<file path=ppt/slides/slide8.xml><?xml version="1.0" encoding="utf-8"?>
+<file path=ppt/slides/slide20.xml><?xml version="1.0" encoding="utf-8"?>
 <p:sld xmlns:a="http://schemas.openxmlformats.org/drawingml/2006/main" xmlns:r="http://schemas.openxmlformats.org/officeDocument/2006/relationships" xmlns:p="http://schemas.openxmlformats.org/presentationml/2006/main">
   <p:cSld>
     <p:spTree>
@@ -7254,6 +7970,1359 @@
     <p:extLst>
       <p:ext uri="{BB962C8B-B14F-4D97-AF65-F5344CB8AC3E}">
         <p14:creationId xmlns:p14="http://schemas.microsoft.com/office/powerpoint/2010/main" val="3601752541"/>
+      </p:ext>
+    </p:extLst>
+  </p:cSld>
+  <p:clrMapOvr>
+    <a:masterClrMapping/>
+  </p:clrMapOvr>
+</p:sld>
+</file>
+
+<file path=ppt/slides/slide3.xml><?xml version="1.0" encoding="utf-8"?>
+<p:sld xmlns:a="http://schemas.openxmlformats.org/drawingml/2006/main" xmlns:r="http://schemas.openxmlformats.org/officeDocument/2006/relationships" xmlns:p="http://schemas.openxmlformats.org/presentationml/2006/main">
+  <p:cSld>
+    <p:spTree>
+      <p:nvGrpSpPr>
+        <p:cNvPr id="1" name=""/>
+        <p:cNvGrpSpPr/>
+        <p:nvPr/>
+      </p:nvGrpSpPr>
+      <p:grpSpPr>
+        <a:xfrm>
+          <a:off x="0" y="0"/>
+          <a:ext cx="0" cy="0"/>
+          <a:chOff x="0" y="0"/>
+          <a:chExt cx="0" cy="0"/>
+        </a:xfrm>
+      </p:grpSpPr>
+      <p:sp>
+        <p:nvSpPr>
+          <p:cNvPr id="5" name="Titel 4"/>
+          <p:cNvSpPr>
+            <a:spLocks noGrp="1"/>
+          </p:cNvSpPr>
+          <p:nvPr>
+            <p:ph type="ctrTitle"/>
+          </p:nvPr>
+        </p:nvSpPr>
+        <p:spPr/>
+        <p:txBody>
+          <a:bodyPr/>
+          <a:lstStyle/>
+          <a:p>
+            <a:r>
+              <a:rPr lang="de-CH" dirty="0" smtClean="0"/>
+              <a:t>Définition</a:t>
+            </a:r>
+            <a:endParaRPr lang="de-CH" dirty="0"/>
+          </a:p>
+        </p:txBody>
+      </p:sp>
+      <p:sp>
+        <p:nvSpPr>
+          <p:cNvPr id="6" name="Untertitel 5"/>
+          <p:cNvSpPr>
+            <a:spLocks noGrp="1"/>
+          </p:cNvSpPr>
+          <p:nvPr>
+            <p:ph type="subTitle" idx="1"/>
+          </p:nvPr>
+        </p:nvSpPr>
+        <p:spPr/>
+        <p:txBody>
+          <a:bodyPr/>
+          <a:lstStyle/>
+          <a:p>
+            <a:endParaRPr lang="de-CH"/>
+          </a:p>
+        </p:txBody>
+      </p:sp>
+    </p:spTree>
+    <p:extLst>
+      <p:ext uri="{BB962C8B-B14F-4D97-AF65-F5344CB8AC3E}">
+        <p14:creationId xmlns:p14="http://schemas.microsoft.com/office/powerpoint/2010/main" val="3399875752"/>
+      </p:ext>
+    </p:extLst>
+  </p:cSld>
+  <p:clrMapOvr>
+    <a:masterClrMapping/>
+  </p:clrMapOvr>
+</p:sld>
+</file>
+
+<file path=ppt/slides/slide4.xml><?xml version="1.0" encoding="utf-8"?>
+<p:sld xmlns:a="http://schemas.openxmlformats.org/drawingml/2006/main" xmlns:r="http://schemas.openxmlformats.org/officeDocument/2006/relationships" xmlns:p="http://schemas.openxmlformats.org/presentationml/2006/main">
+  <p:cSld>
+    <p:spTree>
+      <p:nvGrpSpPr>
+        <p:cNvPr id="1" name=""/>
+        <p:cNvGrpSpPr/>
+        <p:nvPr/>
+      </p:nvGrpSpPr>
+      <p:grpSpPr>
+        <a:xfrm>
+          <a:off x="0" y="0"/>
+          <a:ext cx="0" cy="0"/>
+          <a:chOff x="0" y="0"/>
+          <a:chExt cx="0" cy="0"/>
+        </a:xfrm>
+      </p:grpSpPr>
+      <p:pic>
+        <p:nvPicPr>
+          <p:cNvPr id="6" name="Content Placeholder 5"/>
+          <p:cNvPicPr>
+            <a:picLocks noGrp="1" noChangeAspect="1"/>
+          </p:cNvPicPr>
+          <p:nvPr>
+            <p:ph sz="half" idx="1"/>
+          </p:nvPr>
+        </p:nvPicPr>
+        <p:blipFill>
+          <a:blip r:embed="rId2"/>
+          <a:stretch>
+            <a:fillRect/>
+          </a:stretch>
+        </p:blipFill>
+        <p:spPr>
+          <a:xfrm>
+            <a:off x="1403225" y="1286734"/>
+            <a:ext cx="6229550" cy="4679950"/>
+          </a:xfrm>
+        </p:spPr>
+      </p:pic>
+      <p:sp>
+        <p:nvSpPr>
+          <p:cNvPr id="4" name="Title 3"/>
+          <p:cNvSpPr>
+            <a:spLocks noGrp="1"/>
+          </p:cNvSpPr>
+          <p:nvPr>
+            <p:ph type="ctrTitle"/>
+          </p:nvPr>
+        </p:nvSpPr>
+        <p:spPr/>
+        <p:txBody>
+          <a:bodyPr/>
+          <a:lstStyle/>
+          <a:p>
+            <a:r>
+              <a:rPr lang="fr-CH" dirty="0" smtClean="0"/>
+              <a:t>Processus de développement logiciel</a:t>
+            </a:r>
+            <a:endParaRPr lang="fr-CH" dirty="0"/>
+          </a:p>
+        </p:txBody>
+      </p:sp>
+    </p:spTree>
+    <p:extLst>
+      <p:ext uri="{BB962C8B-B14F-4D97-AF65-F5344CB8AC3E}">
+        <p14:creationId xmlns:p14="http://schemas.microsoft.com/office/powerpoint/2010/main" val="329931914"/>
+      </p:ext>
+    </p:extLst>
+  </p:cSld>
+  <p:clrMapOvr>
+    <a:masterClrMapping/>
+  </p:clrMapOvr>
+</p:sld>
+</file>
+
+<file path=ppt/slides/slide5.xml><?xml version="1.0" encoding="utf-8"?>
+<p:sld xmlns:a="http://schemas.openxmlformats.org/drawingml/2006/main" xmlns:r="http://schemas.openxmlformats.org/officeDocument/2006/relationships" xmlns:p="http://schemas.openxmlformats.org/presentationml/2006/main">
+  <p:cSld>
+    <p:spTree>
+      <p:nvGrpSpPr>
+        <p:cNvPr id="1" name=""/>
+        <p:cNvGrpSpPr/>
+        <p:nvPr/>
+      </p:nvGrpSpPr>
+      <p:grpSpPr>
+        <a:xfrm>
+          <a:off x="0" y="0"/>
+          <a:ext cx="0" cy="0"/>
+          <a:chOff x="0" y="0"/>
+          <a:chExt cx="0" cy="0"/>
+        </a:xfrm>
+      </p:grpSpPr>
+      <p:sp>
+        <p:nvSpPr>
+          <p:cNvPr id="2" name="Content Placeholder 1"/>
+          <p:cNvSpPr>
+            <a:spLocks noGrp="1"/>
+          </p:cNvSpPr>
+          <p:nvPr>
+            <p:ph sz="half" idx="1"/>
+          </p:nvPr>
+        </p:nvSpPr>
+        <p:spPr/>
+        <p:txBody>
+          <a:bodyPr/>
+          <a:lstStyle/>
+          <a:p>
+            <a:r>
+              <a:rPr lang="fr-CH" dirty="0" smtClean="0"/>
+              <a:t>Travailler en équipe</a:t>
+            </a:r>
+          </a:p>
+          <a:p>
+            <a:endParaRPr lang="fr-CH" b="1" dirty="0" smtClean="0"/>
+          </a:p>
+          <a:p>
+            <a:r>
+              <a:rPr lang="fr-CH" b="1" dirty="0" smtClean="0"/>
+              <a:t>Intégration</a:t>
+            </a:r>
+          </a:p>
+          <a:p>
+            <a:pPr lvl="1"/>
+            <a:r>
+              <a:rPr lang="fr-CH" dirty="0" smtClean="0"/>
+              <a:t>Réunification des changements</a:t>
+            </a:r>
+          </a:p>
+          <a:p>
+            <a:pPr lvl="1"/>
+            <a:r>
+              <a:rPr lang="fr-CH" dirty="0" smtClean="0"/>
+              <a:t>Contrôle de la fonctionnalité (tests)</a:t>
+            </a:r>
+          </a:p>
+          <a:p>
+            <a:pPr lvl="1"/>
+            <a:r>
+              <a:rPr lang="fr-CH" dirty="0" smtClean="0"/>
+              <a:t>Contrôle de la coopération des composants</a:t>
+            </a:r>
+          </a:p>
+          <a:p>
+            <a:pPr lvl="1"/>
+            <a:endParaRPr lang="fr-CH" dirty="0" smtClean="0"/>
+          </a:p>
+          <a:p>
+            <a:r>
+              <a:rPr lang="fr-CH" b="1" dirty="0" smtClean="0"/>
+              <a:t>Continue</a:t>
+            </a:r>
+          </a:p>
+          <a:p>
+            <a:pPr lvl="1"/>
+            <a:r>
+              <a:rPr lang="fr-CH" dirty="0" smtClean="0"/>
+              <a:t>Intervalle de l’intégration (continuellement)</a:t>
+            </a:r>
+          </a:p>
+          <a:p>
+            <a:pPr lvl="1"/>
+            <a:r>
+              <a:rPr lang="fr-CH" dirty="0" smtClean="0"/>
+              <a:t>Une ou plusieurs foi par journée</a:t>
+            </a:r>
+          </a:p>
+          <a:p>
+            <a:pPr lvl="1"/>
+            <a:endParaRPr lang="fr-CH" dirty="0" smtClean="0"/>
+          </a:p>
+        </p:txBody>
+      </p:sp>
+      <p:sp>
+        <p:nvSpPr>
+          <p:cNvPr id="3" name="Title 2"/>
+          <p:cNvSpPr>
+            <a:spLocks noGrp="1"/>
+          </p:cNvSpPr>
+          <p:nvPr>
+            <p:ph type="ctrTitle"/>
+          </p:nvPr>
+        </p:nvSpPr>
+        <p:spPr/>
+        <p:txBody>
+          <a:bodyPr/>
+          <a:lstStyle/>
+          <a:p>
+            <a:r>
+              <a:rPr lang="de-CH" dirty="0" smtClean="0"/>
+              <a:t>Intégration Continue</a:t>
+            </a:r>
+            <a:endParaRPr lang="de-CH" dirty="0"/>
+          </a:p>
+        </p:txBody>
+      </p:sp>
+      <p:pic>
+        <p:nvPicPr>
+          <p:cNvPr id="4" name="Picture 3"/>
+          <p:cNvPicPr>
+            <a:picLocks noChangeAspect="1"/>
+          </p:cNvPicPr>
+          <p:nvPr/>
+        </p:nvPicPr>
+        <p:blipFill>
+          <a:blip r:embed="rId2"/>
+          <a:stretch>
+            <a:fillRect/>
+          </a:stretch>
+        </p:blipFill>
+        <p:spPr>
+          <a:xfrm>
+            <a:off x="5514108" y="205833"/>
+            <a:ext cx="3599266" cy="2024587"/>
+          </a:xfrm>
+          <a:prstGeom prst="rect">
+            <a:avLst/>
+          </a:prstGeom>
+        </p:spPr>
+      </p:pic>
+    </p:spTree>
+    <p:extLst>
+      <p:ext uri="{BB962C8B-B14F-4D97-AF65-F5344CB8AC3E}">
+        <p14:creationId xmlns:p14="http://schemas.microsoft.com/office/powerpoint/2010/main" val="349069339"/>
+      </p:ext>
+    </p:extLst>
+  </p:cSld>
+  <p:clrMapOvr>
+    <a:masterClrMapping/>
+  </p:clrMapOvr>
+</p:sld>
+</file>
+
+<file path=ppt/slides/slide6.xml><?xml version="1.0" encoding="utf-8"?>
+<p:sld xmlns:a="http://schemas.openxmlformats.org/drawingml/2006/main" xmlns:r="http://schemas.openxmlformats.org/officeDocument/2006/relationships" xmlns:p="http://schemas.openxmlformats.org/presentationml/2006/main">
+  <p:cSld>
+    <p:spTree>
+      <p:nvGrpSpPr>
+        <p:cNvPr id="1" name=""/>
+        <p:cNvGrpSpPr/>
+        <p:nvPr/>
+      </p:nvGrpSpPr>
+      <p:grpSpPr>
+        <a:xfrm>
+          <a:off x="0" y="0"/>
+          <a:ext cx="0" cy="0"/>
+          <a:chOff x="0" y="0"/>
+          <a:chExt cx="0" cy="0"/>
+        </a:xfrm>
+      </p:grpSpPr>
+      <p:pic>
+        <p:nvPicPr>
+          <p:cNvPr id="4" name="Content Placeholder 3"/>
+          <p:cNvPicPr>
+            <a:picLocks noGrp="1" noChangeAspect="1"/>
+          </p:cNvPicPr>
+          <p:nvPr>
+            <p:ph sz="half" idx="1"/>
+          </p:nvPr>
+        </p:nvPicPr>
+        <p:blipFill>
+          <a:blip r:embed="rId2"/>
+          <a:stretch>
+            <a:fillRect/>
+          </a:stretch>
+        </p:blipFill>
+        <p:spPr>
+          <a:xfrm>
+            <a:off x="1455446" y="1083345"/>
+            <a:ext cx="6125107" cy="5001467"/>
+          </a:xfrm>
+        </p:spPr>
+      </p:pic>
+      <p:sp>
+        <p:nvSpPr>
+          <p:cNvPr id="3" name="Title 2"/>
+          <p:cNvSpPr>
+            <a:spLocks noGrp="1"/>
+          </p:cNvSpPr>
+          <p:nvPr>
+            <p:ph type="ctrTitle"/>
+          </p:nvPr>
+        </p:nvSpPr>
+        <p:spPr/>
+        <p:txBody>
+          <a:bodyPr/>
+          <a:lstStyle/>
+          <a:p>
+            <a:r>
+              <a:rPr lang="fr-CH" dirty="0" smtClean="0"/>
+              <a:t>Architecture Exemplaire</a:t>
+            </a:r>
+            <a:endParaRPr lang="fr-CH" dirty="0"/>
+          </a:p>
+        </p:txBody>
+      </p:sp>
+      <p:sp>
+        <p:nvSpPr>
+          <p:cNvPr id="5" name="Rectangle 4"/>
+          <p:cNvSpPr/>
+          <p:nvPr/>
+        </p:nvSpPr>
+        <p:spPr>
+          <a:xfrm>
+            <a:off x="1321286" y="2944456"/>
+            <a:ext cx="1872551" cy="3281340"/>
+          </a:xfrm>
+          <a:prstGeom prst="rect">
+            <a:avLst/>
+          </a:prstGeom>
+          <a:noFill/>
+          <a:ln w="25400">
+            <a:solidFill>
+              <a:srgbClr val="E78E23"/>
+            </a:solidFill>
+          </a:ln>
+        </p:spPr>
+        <p:style>
+          <a:lnRef idx="1">
+            <a:schemeClr val="accent1"/>
+          </a:lnRef>
+          <a:fillRef idx="3">
+            <a:schemeClr val="accent1"/>
+          </a:fillRef>
+          <a:effectRef idx="2">
+            <a:schemeClr val="accent1"/>
+          </a:effectRef>
+          <a:fontRef idx="minor">
+            <a:schemeClr val="lt1"/>
+          </a:fontRef>
+        </p:style>
+        <p:txBody>
+          <a:bodyPr rtlCol="0" anchor="ctr"/>
+          <a:lstStyle/>
+          <a:p>
+            <a:pPr algn="ctr"/>
+            <a:endParaRPr lang="de-CH">
+              <a:solidFill>
+                <a:srgbClr val="E78E23"/>
+              </a:solidFill>
+            </a:endParaRPr>
+          </a:p>
+        </p:txBody>
+      </p:sp>
+      <p:sp>
+        <p:nvSpPr>
+          <p:cNvPr id="6" name="TextBox 5"/>
+          <p:cNvSpPr txBox="1"/>
+          <p:nvPr/>
+        </p:nvSpPr>
+        <p:spPr>
+          <a:xfrm rot="16200000">
+            <a:off x="-160678" y="4057089"/>
+            <a:ext cx="2563820" cy="338554"/>
+          </a:xfrm>
+          <a:prstGeom prst="rect">
+            <a:avLst/>
+          </a:prstGeom>
+          <a:noFill/>
+        </p:spPr>
+        <p:txBody>
+          <a:bodyPr wrap="square" rtlCol="0">
+            <a:spAutoFit/>
+          </a:bodyPr>
+          <a:lstStyle/>
+          <a:p>
+            <a:r>
+              <a:rPr lang="de-CH" sz="1600" b="1" dirty="0" smtClean="0">
+                <a:solidFill>
+                  <a:srgbClr val="E78E23"/>
+                </a:solidFill>
+                <a:latin typeface="+mn-lt"/>
+              </a:rPr>
+              <a:t>Développement locale</a:t>
+            </a:r>
+            <a:endParaRPr lang="de-CH" sz="1600" b="1" dirty="0">
+              <a:solidFill>
+                <a:srgbClr val="E78E23"/>
+              </a:solidFill>
+              <a:latin typeface="+mn-lt"/>
+            </a:endParaRPr>
+          </a:p>
+        </p:txBody>
+      </p:sp>
+      <p:sp>
+        <p:nvSpPr>
+          <p:cNvPr id="7" name="Rectangle 6"/>
+          <p:cNvSpPr/>
+          <p:nvPr/>
+        </p:nvSpPr>
+        <p:spPr>
+          <a:xfrm>
+            <a:off x="3920108" y="2944456"/>
+            <a:ext cx="1688570" cy="2695073"/>
+          </a:xfrm>
+          <a:prstGeom prst="rect">
+            <a:avLst/>
+          </a:prstGeom>
+          <a:noFill/>
+          <a:ln w="25400">
+            <a:solidFill>
+              <a:srgbClr val="E78E23"/>
+            </a:solidFill>
+          </a:ln>
+        </p:spPr>
+        <p:style>
+          <a:lnRef idx="1">
+            <a:schemeClr val="accent1"/>
+          </a:lnRef>
+          <a:fillRef idx="3">
+            <a:schemeClr val="accent1"/>
+          </a:fillRef>
+          <a:effectRef idx="2">
+            <a:schemeClr val="accent1"/>
+          </a:effectRef>
+          <a:fontRef idx="minor">
+            <a:schemeClr val="lt1"/>
+          </a:fontRef>
+        </p:style>
+        <p:txBody>
+          <a:bodyPr rtlCol="0" anchor="ctr"/>
+          <a:lstStyle/>
+          <a:p>
+            <a:pPr algn="ctr"/>
+            <a:endParaRPr lang="de-CH">
+              <a:solidFill>
+                <a:srgbClr val="E78E23"/>
+              </a:solidFill>
+            </a:endParaRPr>
+          </a:p>
+        </p:txBody>
+      </p:sp>
+      <p:sp>
+        <p:nvSpPr>
+          <p:cNvPr id="8" name="TextBox 7"/>
+          <p:cNvSpPr txBox="1"/>
+          <p:nvPr/>
+        </p:nvSpPr>
+        <p:spPr>
+          <a:xfrm>
+            <a:off x="3845730" y="5640951"/>
+            <a:ext cx="1762947" cy="338554"/>
+          </a:xfrm>
+          <a:prstGeom prst="rect">
+            <a:avLst/>
+          </a:prstGeom>
+          <a:noFill/>
+        </p:spPr>
+        <p:txBody>
+          <a:bodyPr wrap="square" rtlCol="0">
+            <a:spAutoFit/>
+          </a:bodyPr>
+          <a:lstStyle/>
+          <a:p>
+            <a:r>
+              <a:rPr lang="de-CH" sz="1600" b="1" dirty="0" smtClean="0">
+                <a:solidFill>
+                  <a:srgbClr val="E78E23"/>
+                </a:solidFill>
+                <a:latin typeface="+mn-lt"/>
+              </a:rPr>
+              <a:t>Dépôt centrale</a:t>
+            </a:r>
+            <a:endParaRPr lang="de-CH" sz="1600" b="1" dirty="0">
+              <a:solidFill>
+                <a:srgbClr val="E78E23"/>
+              </a:solidFill>
+              <a:latin typeface="+mn-lt"/>
+            </a:endParaRPr>
+          </a:p>
+        </p:txBody>
+      </p:sp>
+      <p:sp>
+        <p:nvSpPr>
+          <p:cNvPr id="9" name="Rectangle 8"/>
+          <p:cNvSpPr/>
+          <p:nvPr/>
+        </p:nvSpPr>
+        <p:spPr>
+          <a:xfrm>
+            <a:off x="5960290" y="2945878"/>
+            <a:ext cx="1688570" cy="2695073"/>
+          </a:xfrm>
+          <a:prstGeom prst="rect">
+            <a:avLst/>
+          </a:prstGeom>
+          <a:noFill/>
+          <a:ln w="25400">
+            <a:solidFill>
+              <a:srgbClr val="E78E23"/>
+            </a:solidFill>
+          </a:ln>
+        </p:spPr>
+        <p:style>
+          <a:lnRef idx="1">
+            <a:schemeClr val="accent1"/>
+          </a:lnRef>
+          <a:fillRef idx="3">
+            <a:schemeClr val="accent1"/>
+          </a:fillRef>
+          <a:effectRef idx="2">
+            <a:schemeClr val="accent1"/>
+          </a:effectRef>
+          <a:fontRef idx="minor">
+            <a:schemeClr val="lt1"/>
+          </a:fontRef>
+        </p:style>
+        <p:txBody>
+          <a:bodyPr rtlCol="0" anchor="ctr"/>
+          <a:lstStyle/>
+          <a:p>
+            <a:pPr algn="ctr"/>
+            <a:endParaRPr lang="de-CH">
+              <a:solidFill>
+                <a:srgbClr val="E78E23"/>
+              </a:solidFill>
+            </a:endParaRPr>
+          </a:p>
+        </p:txBody>
+      </p:sp>
+      <p:sp>
+        <p:nvSpPr>
+          <p:cNvPr id="10" name="TextBox 9"/>
+          <p:cNvSpPr txBox="1"/>
+          <p:nvPr/>
+        </p:nvSpPr>
+        <p:spPr>
+          <a:xfrm rot="16200000">
+            <a:off x="6655266" y="3999605"/>
+            <a:ext cx="2695073" cy="584775"/>
+          </a:xfrm>
+          <a:prstGeom prst="rect">
+            <a:avLst/>
+          </a:prstGeom>
+          <a:noFill/>
+        </p:spPr>
+        <p:txBody>
+          <a:bodyPr wrap="square" rtlCol="0">
+            <a:spAutoFit/>
+          </a:bodyPr>
+          <a:lstStyle/>
+          <a:p>
+            <a:r>
+              <a:rPr lang="de-CH" sz="1600" b="1" dirty="0" smtClean="0">
+                <a:solidFill>
+                  <a:srgbClr val="E78E23"/>
+                </a:solidFill>
+                <a:latin typeface="+mn-lt"/>
+              </a:rPr>
+              <a:t>Serveur de l’intégration </a:t>
+            </a:r>
+          </a:p>
+          <a:p>
+            <a:r>
+              <a:rPr lang="de-CH" sz="1600" b="1" dirty="0" smtClean="0">
+                <a:solidFill>
+                  <a:srgbClr val="E78E23"/>
+                </a:solidFill>
+                <a:latin typeface="+mn-lt"/>
+              </a:rPr>
+              <a:t>Continue</a:t>
+            </a:r>
+            <a:endParaRPr lang="de-CH" sz="1600" b="1" dirty="0">
+              <a:solidFill>
+                <a:srgbClr val="E78E23"/>
+              </a:solidFill>
+              <a:latin typeface="+mn-lt"/>
+            </a:endParaRPr>
+          </a:p>
+        </p:txBody>
+      </p:sp>
+      <p:sp>
+        <p:nvSpPr>
+          <p:cNvPr id="11" name="Rectangle 10"/>
+          <p:cNvSpPr/>
+          <p:nvPr/>
+        </p:nvSpPr>
+        <p:spPr>
+          <a:xfrm>
+            <a:off x="4563251" y="1124406"/>
+            <a:ext cx="2471943" cy="1679066"/>
+          </a:xfrm>
+          <a:prstGeom prst="rect">
+            <a:avLst/>
+          </a:prstGeom>
+          <a:noFill/>
+          <a:ln w="25400">
+            <a:solidFill>
+              <a:srgbClr val="E78E23"/>
+            </a:solidFill>
+          </a:ln>
+        </p:spPr>
+        <p:style>
+          <a:lnRef idx="1">
+            <a:schemeClr val="accent1"/>
+          </a:lnRef>
+          <a:fillRef idx="3">
+            <a:schemeClr val="accent1"/>
+          </a:fillRef>
+          <a:effectRef idx="2">
+            <a:schemeClr val="accent1"/>
+          </a:effectRef>
+          <a:fontRef idx="minor">
+            <a:schemeClr val="lt1"/>
+          </a:fontRef>
+        </p:style>
+        <p:txBody>
+          <a:bodyPr rtlCol="0" anchor="ctr"/>
+          <a:lstStyle/>
+          <a:p>
+            <a:pPr algn="ctr"/>
+            <a:endParaRPr lang="de-CH">
+              <a:solidFill>
+                <a:srgbClr val="E78E23"/>
+              </a:solidFill>
+            </a:endParaRPr>
+          </a:p>
+        </p:txBody>
+      </p:sp>
+      <p:sp>
+        <p:nvSpPr>
+          <p:cNvPr id="12" name="TextBox 11"/>
+          <p:cNvSpPr txBox="1"/>
+          <p:nvPr/>
+        </p:nvSpPr>
+        <p:spPr>
+          <a:xfrm>
+            <a:off x="4563251" y="755371"/>
+            <a:ext cx="2546795" cy="338554"/>
+          </a:xfrm>
+          <a:prstGeom prst="rect">
+            <a:avLst/>
+          </a:prstGeom>
+          <a:noFill/>
+        </p:spPr>
+        <p:txBody>
+          <a:bodyPr wrap="square" rtlCol="0">
+            <a:spAutoFit/>
+          </a:bodyPr>
+          <a:lstStyle/>
+          <a:p>
+            <a:r>
+              <a:rPr lang="de-CH" sz="1600" b="1" dirty="0" smtClean="0">
+                <a:solidFill>
+                  <a:srgbClr val="E78E23"/>
+                </a:solidFill>
+                <a:latin typeface="+mn-lt"/>
+              </a:rPr>
+              <a:t>Information de retour</a:t>
+            </a:r>
+            <a:endParaRPr lang="de-CH" sz="1600" b="1" dirty="0">
+              <a:solidFill>
+                <a:srgbClr val="E78E23"/>
+              </a:solidFill>
+              <a:latin typeface="+mn-lt"/>
+            </a:endParaRPr>
+          </a:p>
+        </p:txBody>
+      </p:sp>
+    </p:spTree>
+    <p:extLst>
+      <p:ext uri="{BB962C8B-B14F-4D97-AF65-F5344CB8AC3E}">
+        <p14:creationId xmlns:p14="http://schemas.microsoft.com/office/powerpoint/2010/main" val="2880365603"/>
+      </p:ext>
+    </p:extLst>
+  </p:cSld>
+  <p:clrMapOvr>
+    <a:masterClrMapping/>
+  </p:clrMapOvr>
+  <p:timing>
+    <p:tnLst>
+      <p:par>
+        <p:cTn id="1" dur="indefinite" restart="never" nodeType="tmRoot">
+          <p:childTnLst>
+            <p:seq concurrent="1" nextAc="seek">
+              <p:cTn id="2" dur="indefinite" nodeType="mainSeq">
+                <p:childTnLst>
+                  <p:par>
+                    <p:cTn id="3" fill="hold">
+                      <p:stCondLst>
+                        <p:cond delay="indefinite"/>
+                      </p:stCondLst>
+                      <p:childTnLst>
+                        <p:par>
+                          <p:cTn id="4" fill="hold">
+                            <p:stCondLst>
+                              <p:cond delay="0"/>
+                            </p:stCondLst>
+                            <p:childTnLst>
+                              <p:par>
+                                <p:cTn id="5" presetID="1" presetClass="entr" presetSubtype="0" fill="hold" grpId="0" nodeType="clickEffect">
+                                  <p:stCondLst>
+                                    <p:cond delay="0"/>
+                                  </p:stCondLst>
+                                  <p:childTnLst>
+                                    <p:set>
+                                      <p:cBhvr>
+                                        <p:cTn id="6" dur="1" fill="hold">
+                                          <p:stCondLst>
+                                            <p:cond delay="0"/>
+                                          </p:stCondLst>
+                                        </p:cTn>
+                                        <p:tgtEl>
+                                          <p:spTgt spid="6"/>
+                                        </p:tgtEl>
+                                        <p:attrNameLst>
+                                          <p:attrName>style.visibility</p:attrName>
+                                        </p:attrNameLst>
+                                      </p:cBhvr>
+                                      <p:to>
+                                        <p:strVal val="visible"/>
+                                      </p:to>
+                                    </p:set>
+                                  </p:childTnLst>
+                                </p:cTn>
+                              </p:par>
+                              <p:par>
+                                <p:cTn id="7" presetID="1" presetClass="entr" presetSubtype="0" fill="hold" grpId="0" nodeType="withEffect">
+                                  <p:stCondLst>
+                                    <p:cond delay="0"/>
+                                  </p:stCondLst>
+                                  <p:childTnLst>
+                                    <p:set>
+                                      <p:cBhvr>
+                                        <p:cTn id="8" dur="1" fill="hold">
+                                          <p:stCondLst>
+                                            <p:cond delay="0"/>
+                                          </p:stCondLst>
+                                        </p:cTn>
+                                        <p:tgtEl>
+                                          <p:spTgt spid="5"/>
+                                        </p:tgtEl>
+                                        <p:attrNameLst>
+                                          <p:attrName>style.visibility</p:attrName>
+                                        </p:attrNameLst>
+                                      </p:cBhvr>
+                                      <p:to>
+                                        <p:strVal val="visible"/>
+                                      </p:to>
+                                    </p:set>
+                                  </p:childTnLst>
+                                </p:cTn>
+                              </p:par>
+                            </p:childTnLst>
+                          </p:cTn>
+                        </p:par>
+                      </p:childTnLst>
+                    </p:cTn>
+                  </p:par>
+                  <p:par>
+                    <p:cTn id="9" fill="hold">
+                      <p:stCondLst>
+                        <p:cond delay="indefinite"/>
+                      </p:stCondLst>
+                      <p:childTnLst>
+                        <p:par>
+                          <p:cTn id="10" fill="hold">
+                            <p:stCondLst>
+                              <p:cond delay="0"/>
+                            </p:stCondLst>
+                            <p:childTnLst>
+                              <p:par>
+                                <p:cTn id="11" presetID="1" presetClass="entr" presetSubtype="0" fill="hold" grpId="0" nodeType="clickEffect">
+                                  <p:stCondLst>
+                                    <p:cond delay="0"/>
+                                  </p:stCondLst>
+                                  <p:childTnLst>
+                                    <p:set>
+                                      <p:cBhvr>
+                                        <p:cTn id="12" dur="1" fill="hold">
+                                          <p:stCondLst>
+                                            <p:cond delay="0"/>
+                                          </p:stCondLst>
+                                        </p:cTn>
+                                        <p:tgtEl>
+                                          <p:spTgt spid="8"/>
+                                        </p:tgtEl>
+                                        <p:attrNameLst>
+                                          <p:attrName>style.visibility</p:attrName>
+                                        </p:attrNameLst>
+                                      </p:cBhvr>
+                                      <p:to>
+                                        <p:strVal val="visible"/>
+                                      </p:to>
+                                    </p:set>
+                                  </p:childTnLst>
+                                </p:cTn>
+                              </p:par>
+                              <p:par>
+                                <p:cTn id="13" presetID="1" presetClass="entr" presetSubtype="0" fill="hold" grpId="0" nodeType="withEffect">
+                                  <p:stCondLst>
+                                    <p:cond delay="0"/>
+                                  </p:stCondLst>
+                                  <p:childTnLst>
+                                    <p:set>
+                                      <p:cBhvr>
+                                        <p:cTn id="14" dur="1" fill="hold">
+                                          <p:stCondLst>
+                                            <p:cond delay="0"/>
+                                          </p:stCondLst>
+                                        </p:cTn>
+                                        <p:tgtEl>
+                                          <p:spTgt spid="7"/>
+                                        </p:tgtEl>
+                                        <p:attrNameLst>
+                                          <p:attrName>style.visibility</p:attrName>
+                                        </p:attrNameLst>
+                                      </p:cBhvr>
+                                      <p:to>
+                                        <p:strVal val="visible"/>
+                                      </p:to>
+                                    </p:set>
+                                  </p:childTnLst>
+                                </p:cTn>
+                              </p:par>
+                            </p:childTnLst>
+                          </p:cTn>
+                        </p:par>
+                      </p:childTnLst>
+                    </p:cTn>
+                  </p:par>
+                  <p:par>
+                    <p:cTn id="15" fill="hold">
+                      <p:stCondLst>
+                        <p:cond delay="indefinite"/>
+                      </p:stCondLst>
+                      <p:childTnLst>
+                        <p:par>
+                          <p:cTn id="16" fill="hold">
+                            <p:stCondLst>
+                              <p:cond delay="0"/>
+                            </p:stCondLst>
+                            <p:childTnLst>
+                              <p:par>
+                                <p:cTn id="17" presetID="1" presetClass="entr" presetSubtype="0" fill="hold" grpId="0" nodeType="clickEffect">
+                                  <p:stCondLst>
+                                    <p:cond delay="0"/>
+                                  </p:stCondLst>
+                                  <p:childTnLst>
+                                    <p:set>
+                                      <p:cBhvr>
+                                        <p:cTn id="18" dur="1" fill="hold">
+                                          <p:stCondLst>
+                                            <p:cond delay="0"/>
+                                          </p:stCondLst>
+                                        </p:cTn>
+                                        <p:tgtEl>
+                                          <p:spTgt spid="10"/>
+                                        </p:tgtEl>
+                                        <p:attrNameLst>
+                                          <p:attrName>style.visibility</p:attrName>
+                                        </p:attrNameLst>
+                                      </p:cBhvr>
+                                      <p:to>
+                                        <p:strVal val="visible"/>
+                                      </p:to>
+                                    </p:set>
+                                  </p:childTnLst>
+                                </p:cTn>
+                              </p:par>
+                              <p:par>
+                                <p:cTn id="19" presetID="1" presetClass="entr" presetSubtype="0" fill="hold" grpId="0" nodeType="withEffect">
+                                  <p:stCondLst>
+                                    <p:cond delay="0"/>
+                                  </p:stCondLst>
+                                  <p:childTnLst>
+                                    <p:set>
+                                      <p:cBhvr>
+                                        <p:cTn id="20" dur="1" fill="hold">
+                                          <p:stCondLst>
+                                            <p:cond delay="0"/>
+                                          </p:stCondLst>
+                                        </p:cTn>
+                                        <p:tgtEl>
+                                          <p:spTgt spid="9"/>
+                                        </p:tgtEl>
+                                        <p:attrNameLst>
+                                          <p:attrName>style.visibility</p:attrName>
+                                        </p:attrNameLst>
+                                      </p:cBhvr>
+                                      <p:to>
+                                        <p:strVal val="visible"/>
+                                      </p:to>
+                                    </p:set>
+                                  </p:childTnLst>
+                                </p:cTn>
+                              </p:par>
+                            </p:childTnLst>
+                          </p:cTn>
+                        </p:par>
+                      </p:childTnLst>
+                    </p:cTn>
+                  </p:par>
+                  <p:par>
+                    <p:cTn id="21" fill="hold">
+                      <p:stCondLst>
+                        <p:cond delay="indefinite"/>
+                      </p:stCondLst>
+                      <p:childTnLst>
+                        <p:par>
+                          <p:cTn id="22" fill="hold">
+                            <p:stCondLst>
+                              <p:cond delay="0"/>
+                            </p:stCondLst>
+                            <p:childTnLst>
+                              <p:par>
+                                <p:cTn id="23" presetID="1" presetClass="entr" presetSubtype="0" fill="hold" grpId="0" nodeType="clickEffect">
+                                  <p:stCondLst>
+                                    <p:cond delay="0"/>
+                                  </p:stCondLst>
+                                  <p:childTnLst>
+                                    <p:set>
+                                      <p:cBhvr>
+                                        <p:cTn id="24" dur="1" fill="hold">
+                                          <p:stCondLst>
+                                            <p:cond delay="0"/>
+                                          </p:stCondLst>
+                                        </p:cTn>
+                                        <p:tgtEl>
+                                          <p:spTgt spid="12"/>
+                                        </p:tgtEl>
+                                        <p:attrNameLst>
+                                          <p:attrName>style.visibility</p:attrName>
+                                        </p:attrNameLst>
+                                      </p:cBhvr>
+                                      <p:to>
+                                        <p:strVal val="visible"/>
+                                      </p:to>
+                                    </p:set>
+                                  </p:childTnLst>
+                                </p:cTn>
+                              </p:par>
+                              <p:par>
+                                <p:cTn id="25" presetID="1" presetClass="entr" presetSubtype="0" fill="hold" grpId="0" nodeType="withEffect">
+                                  <p:stCondLst>
+                                    <p:cond delay="0"/>
+                                  </p:stCondLst>
+                                  <p:childTnLst>
+                                    <p:set>
+                                      <p:cBhvr>
+                                        <p:cTn id="26" dur="1" fill="hold">
+                                          <p:stCondLst>
+                                            <p:cond delay="0"/>
+                                          </p:stCondLst>
+                                        </p:cTn>
+                                        <p:tgtEl>
+                                          <p:spTgt spid="11"/>
+                                        </p:tgtEl>
+                                        <p:attrNameLst>
+                                          <p:attrName>style.visibility</p:attrName>
+                                        </p:attrNameLst>
+                                      </p:cBhvr>
+                                      <p:to>
+                                        <p:strVal val="visible"/>
+                                      </p:to>
+                                    </p:set>
+                                  </p:childTnLst>
+                                </p:cTn>
+                              </p:par>
+                            </p:childTnLst>
+                          </p:cTn>
+                        </p:par>
+                      </p:childTnLst>
+                    </p:cTn>
+                  </p:par>
+                </p:childTnLst>
+              </p:cTn>
+              <p:prevCondLst>
+                <p:cond evt="onPrev" delay="0">
+                  <p:tgtEl>
+                    <p:sldTgt/>
+                  </p:tgtEl>
+                </p:cond>
+              </p:prevCondLst>
+              <p:nextCondLst>
+                <p:cond evt="onNext" delay="0">
+                  <p:tgtEl>
+                    <p:sldTgt/>
+                  </p:tgtEl>
+                </p:cond>
+              </p:nextCondLst>
+            </p:seq>
+          </p:childTnLst>
+        </p:cTn>
+      </p:par>
+    </p:tnLst>
+    <p:bldLst>
+      <p:bldP spid="5" grpId="0" animBg="1"/>
+      <p:bldP spid="6" grpId="0"/>
+      <p:bldP spid="7" grpId="0" animBg="1"/>
+      <p:bldP spid="8" grpId="0"/>
+      <p:bldP spid="9" grpId="0" animBg="1"/>
+      <p:bldP spid="10" grpId="0"/>
+      <p:bldP spid="11" grpId="0" animBg="1"/>
+      <p:bldP spid="12" grpId="0"/>
+    </p:bldLst>
+  </p:timing>
+</p:sld>
+</file>
+
+<file path=ppt/slides/slide7.xml><?xml version="1.0" encoding="utf-8"?>
+<p:sld xmlns:a="http://schemas.openxmlformats.org/drawingml/2006/main" xmlns:r="http://schemas.openxmlformats.org/officeDocument/2006/relationships" xmlns:p="http://schemas.openxmlformats.org/presentationml/2006/main">
+  <p:cSld>
+    <p:spTree>
+      <p:nvGrpSpPr>
+        <p:cNvPr id="1" name=""/>
+        <p:cNvGrpSpPr/>
+        <p:nvPr/>
+      </p:nvGrpSpPr>
+      <p:grpSpPr>
+        <a:xfrm>
+          <a:off x="0" y="0"/>
+          <a:ext cx="0" cy="0"/>
+          <a:chOff x="0" y="0"/>
+          <a:chExt cx="0" cy="0"/>
+        </a:xfrm>
+      </p:grpSpPr>
+      <p:sp>
+        <p:nvSpPr>
+          <p:cNvPr id="5" name="Titel 4"/>
+          <p:cNvSpPr>
+            <a:spLocks noGrp="1"/>
+          </p:cNvSpPr>
+          <p:nvPr>
+            <p:ph type="ctrTitle"/>
+          </p:nvPr>
+        </p:nvSpPr>
+        <p:spPr/>
+        <p:txBody>
+          <a:bodyPr/>
+          <a:lstStyle/>
+          <a:p>
+            <a:r>
+              <a:rPr lang="de-CH" dirty="0" smtClean="0"/>
+              <a:t>Concepts</a:t>
+            </a:r>
+            <a:endParaRPr lang="de-CH" dirty="0"/>
+          </a:p>
+        </p:txBody>
+      </p:sp>
+      <p:sp>
+        <p:nvSpPr>
+          <p:cNvPr id="6" name="Untertitel 5"/>
+          <p:cNvSpPr>
+            <a:spLocks noGrp="1"/>
+          </p:cNvSpPr>
+          <p:nvPr>
+            <p:ph type="subTitle" idx="1"/>
+          </p:nvPr>
+        </p:nvSpPr>
+        <p:spPr/>
+        <p:txBody>
+          <a:bodyPr/>
+          <a:lstStyle/>
+          <a:p>
+            <a:endParaRPr lang="de-CH"/>
+          </a:p>
+        </p:txBody>
+      </p:sp>
+    </p:spTree>
+    <p:extLst>
+      <p:ext uri="{BB962C8B-B14F-4D97-AF65-F5344CB8AC3E}">
+        <p14:creationId xmlns:p14="http://schemas.microsoft.com/office/powerpoint/2010/main" val="1167268787"/>
+      </p:ext>
+    </p:extLst>
+  </p:cSld>
+  <p:clrMapOvr>
+    <a:masterClrMapping/>
+  </p:clrMapOvr>
+</p:sld>
+</file>
+
+<file path=ppt/slides/slide8.xml><?xml version="1.0" encoding="utf-8"?>
+<p:sld xmlns:a="http://schemas.openxmlformats.org/drawingml/2006/main" xmlns:r="http://schemas.openxmlformats.org/officeDocument/2006/relationships" xmlns:p="http://schemas.openxmlformats.org/presentationml/2006/main">
+  <p:cSld>
+    <p:spTree>
+      <p:nvGrpSpPr>
+        <p:cNvPr id="1" name=""/>
+        <p:cNvGrpSpPr/>
+        <p:nvPr/>
+      </p:nvGrpSpPr>
+      <p:grpSpPr>
+        <a:xfrm>
+          <a:off x="0" y="0"/>
+          <a:ext cx="0" cy="0"/>
+          <a:chOff x="0" y="0"/>
+          <a:chExt cx="0" cy="0"/>
+        </a:xfrm>
+      </p:grpSpPr>
+      <p:sp>
+        <p:nvSpPr>
+          <p:cNvPr id="5" name="Content Placeholder 4"/>
+          <p:cNvSpPr>
+            <a:spLocks noGrp="1"/>
+          </p:cNvSpPr>
+          <p:nvPr>
+            <p:ph sz="half" idx="1"/>
+          </p:nvPr>
+        </p:nvSpPr>
+        <p:spPr/>
+        <p:txBody>
+          <a:bodyPr/>
+          <a:lstStyle/>
+          <a:p>
+            <a:r>
+              <a:rPr lang="fr-CH" dirty="0" smtClean="0"/>
+              <a:t>Construction et compilation continue</a:t>
+            </a:r>
+          </a:p>
+          <a:p>
+            <a:pPr lvl="1"/>
+            <a:r>
+              <a:rPr lang="fr-CH" dirty="0" smtClean="0"/>
+              <a:t>En utilisant des manager de construction (script)</a:t>
+            </a:r>
+          </a:p>
+          <a:p>
+            <a:pPr lvl="1"/>
+            <a:r>
+              <a:rPr lang="fr-CH" dirty="0" smtClean="0"/>
+              <a:t>Déclencher par le serveur d’IC</a:t>
+            </a:r>
+          </a:p>
+          <a:p>
+            <a:endParaRPr lang="fr-CH" dirty="0" smtClean="0"/>
+          </a:p>
+          <a:p>
+            <a:endParaRPr lang="fr-CH" dirty="0"/>
+          </a:p>
+          <a:p>
+            <a:r>
+              <a:rPr lang="fr-CH" dirty="0" smtClean="0"/>
+              <a:t>Java Exemple</a:t>
+            </a:r>
+          </a:p>
+          <a:p>
+            <a:pPr lvl="1"/>
+            <a:r>
+              <a:rPr lang="fr-CH" dirty="0" smtClean="0"/>
+              <a:t>70% </a:t>
+            </a:r>
+            <a:r>
+              <a:rPr lang="fr-CH" dirty="0" err="1" smtClean="0"/>
+              <a:t>Maven</a:t>
+            </a:r>
+            <a:endParaRPr lang="fr-CH" dirty="0" smtClean="0"/>
+          </a:p>
+          <a:p>
+            <a:pPr lvl="1"/>
+            <a:r>
+              <a:rPr lang="fr-CH" dirty="0" smtClean="0"/>
+              <a:t>15% </a:t>
+            </a:r>
+            <a:r>
+              <a:rPr lang="fr-CH" dirty="0" err="1" smtClean="0"/>
+              <a:t>Gradle</a:t>
+            </a:r>
+            <a:endParaRPr lang="fr-CH" dirty="0" smtClean="0"/>
+          </a:p>
+          <a:p>
+            <a:pPr lvl="1"/>
+            <a:r>
+              <a:rPr lang="fr-CH" dirty="0" smtClean="0"/>
+              <a:t>15% </a:t>
+            </a:r>
+            <a:r>
+              <a:rPr lang="fr-CH" dirty="0" err="1" smtClean="0"/>
+              <a:t>Ant</a:t>
+            </a:r>
+            <a:endParaRPr lang="fr-CH" dirty="0"/>
+          </a:p>
+        </p:txBody>
+      </p:sp>
+      <p:sp>
+        <p:nvSpPr>
+          <p:cNvPr id="4" name="Title 3"/>
+          <p:cNvSpPr>
+            <a:spLocks noGrp="1"/>
+          </p:cNvSpPr>
+          <p:nvPr>
+            <p:ph type="ctrTitle"/>
+          </p:nvPr>
+        </p:nvSpPr>
+        <p:spPr/>
+        <p:txBody>
+          <a:bodyPr/>
+          <a:lstStyle/>
+          <a:p>
+            <a:r>
+              <a:rPr lang="de-CH" dirty="0" smtClean="0"/>
+              <a:t>Construction continue</a:t>
+            </a:r>
+            <a:endParaRPr lang="de-CH" dirty="0"/>
+          </a:p>
+        </p:txBody>
+      </p:sp>
+    </p:spTree>
+    <p:extLst>
+      <p:ext uri="{BB962C8B-B14F-4D97-AF65-F5344CB8AC3E}">
+        <p14:creationId xmlns:p14="http://schemas.microsoft.com/office/powerpoint/2010/main" val="1406152736"/>
+      </p:ext>
+    </p:extLst>
+  </p:cSld>
+  <p:clrMapOvr>
+    <a:masterClrMapping/>
+  </p:clrMapOvr>
+</p:sld>
+</file>
+
+<file path=ppt/slides/slide9.xml><?xml version="1.0" encoding="utf-8"?>
+<p:sld xmlns:a="http://schemas.openxmlformats.org/drawingml/2006/main" xmlns:r="http://schemas.openxmlformats.org/officeDocument/2006/relationships" xmlns:p="http://schemas.openxmlformats.org/presentationml/2006/main">
+  <p:cSld>
+    <p:spTree>
+      <p:nvGrpSpPr>
+        <p:cNvPr id="1" name=""/>
+        <p:cNvGrpSpPr/>
+        <p:nvPr/>
+      </p:nvGrpSpPr>
+      <p:grpSpPr>
+        <a:xfrm>
+          <a:off x="0" y="0"/>
+          <a:ext cx="0" cy="0"/>
+          <a:chOff x="0" y="0"/>
+          <a:chExt cx="0" cy="0"/>
+        </a:xfrm>
+      </p:grpSpPr>
+      <p:sp>
+        <p:nvSpPr>
+          <p:cNvPr id="2" name="Content Placeholder 1"/>
+          <p:cNvSpPr>
+            <a:spLocks noGrp="1"/>
+          </p:cNvSpPr>
+          <p:nvPr>
+            <p:ph sz="half" idx="1"/>
+          </p:nvPr>
+        </p:nvSpPr>
+        <p:spPr/>
+        <p:txBody>
+          <a:bodyPr/>
+          <a:lstStyle/>
+          <a:p>
+            <a:endParaRPr lang="de-CH"/>
+          </a:p>
+        </p:txBody>
+      </p:sp>
+      <p:sp>
+        <p:nvSpPr>
+          <p:cNvPr id="3" name="Title 2"/>
+          <p:cNvSpPr>
+            <a:spLocks noGrp="1"/>
+          </p:cNvSpPr>
+          <p:nvPr>
+            <p:ph type="ctrTitle"/>
+          </p:nvPr>
+        </p:nvSpPr>
+        <p:spPr/>
+        <p:txBody>
+          <a:bodyPr/>
+          <a:lstStyle/>
+          <a:p>
+            <a:r>
+              <a:rPr lang="de-CH" dirty="0" smtClean="0"/>
+              <a:t>Tests continue</a:t>
+            </a:r>
+            <a:endParaRPr lang="de-CH" dirty="0"/>
+          </a:p>
+        </p:txBody>
+      </p:sp>
+    </p:spTree>
+    <p:extLst>
+      <p:ext uri="{BB962C8B-B14F-4D97-AF65-F5344CB8AC3E}">
+        <p14:creationId xmlns:p14="http://schemas.microsoft.com/office/powerpoint/2010/main" val="2521920455"/>
       </p:ext>
     </p:extLst>
   </p:cSld>
@@ -8094,12 +10163,19 @@
 </file>
 
 <file path=customXml/item1.xml><?xml version="1.0" encoding="utf-8"?>
-<?mso-contentType ?>
-<FormTemplates xmlns="http://schemas.microsoft.com/sharepoint/v3/contenttype/forms">
-  <Display>DocumentLibraryForm</Display>
-  <Edit>DocumentLibraryForm</Edit>
-  <New>DocumentLibraryForm</New>
-</FormTemplates>
+<p:properties xmlns:p="http://schemas.microsoft.com/office/2006/metadata/properties" xmlns:xsi="http://www.w3.org/2001/XMLSchema-instance" xmlns:pc="http://schemas.microsoft.com/office/infopath/2007/PartnerControls">
+  <documentManagement>
+    <BfhIntranetDepartmentText xmlns="63c724b1-652e-424f-8d99-4ee509067280">
+      <Terms xmlns="http://schemas.microsoft.com/office/infopath/2007/PartnerControls">
+        <TermInfo xmlns="http://schemas.microsoft.com/office/infopath/2007/PartnerControls">
+          <TermName xmlns="http://schemas.microsoft.com/office/infopath/2007/PartnerControls">Vorlage</TermName>
+          <TermId xmlns="http://schemas.microsoft.com/office/infopath/2007/PartnerControls">de1a6d3c-ac6a-4b34-8edd-308eb81066db</TermId>
+        </TermInfo>
+      </Terms>
+    </BfhIntranetDepartmentText>
+    <QMPilot_DokID xmlns="2551ef7e-3b29-44d1-a8ad-ef34c26bfc60">469</QMPilot_DokID>
+  </documentManagement>
+</p:properties>
 </file>
 
 <file path=customXml/item2.xml><?xml version="1.0" encoding="utf-8"?>
@@ -8242,25 +10318,27 @@
 </file>
 
 <file path=customXml/item3.xml><?xml version="1.0" encoding="utf-8"?>
-<p:properties xmlns:p="http://schemas.microsoft.com/office/2006/metadata/properties" xmlns:xsi="http://www.w3.org/2001/XMLSchema-instance" xmlns:pc="http://schemas.microsoft.com/office/infopath/2007/PartnerControls">
-  <documentManagement>
-    <BfhIntranetDepartmentText xmlns="63c724b1-652e-424f-8d99-4ee509067280">
-      <Terms xmlns="http://schemas.microsoft.com/office/infopath/2007/PartnerControls">
-        <TermInfo xmlns="http://schemas.microsoft.com/office/infopath/2007/PartnerControls">
-          <TermName xmlns="http://schemas.microsoft.com/office/infopath/2007/PartnerControls">Vorlage</TermName>
-          <TermId xmlns="http://schemas.microsoft.com/office/infopath/2007/PartnerControls">de1a6d3c-ac6a-4b34-8edd-308eb81066db</TermId>
-        </TermInfo>
-      </Terms>
-    </BfhIntranetDepartmentText>
-    <QMPilot_DokID xmlns="2551ef7e-3b29-44d1-a8ad-ef34c26bfc60">469</QMPilot_DokID>
-  </documentManagement>
-</p:properties>
+<?mso-contentType ?>
+<FormTemplates xmlns="http://schemas.microsoft.com/sharepoint/v3/contenttype/forms">
+  <Display>DocumentLibraryForm</Display>
+  <Edit>DocumentLibraryForm</Edit>
+  <New>DocumentLibraryForm</New>
+</FormTemplates>
 </file>
 
 <file path=customXml/itemProps1.xml><?xml version="1.0" encoding="utf-8"?>
-<ds:datastoreItem xmlns:ds="http://schemas.openxmlformats.org/officeDocument/2006/customXml" ds:itemID="{CCF5E5E7-7F77-47A8-99A9-B4D5839292F3}">
+<ds:datastoreItem xmlns:ds="http://schemas.openxmlformats.org/officeDocument/2006/customXml" ds:itemID="{96591048-6F15-48C6-9650-9BFF3E56974F}">
   <ds:schemaRefs>
-    <ds:schemaRef ds:uri="http://schemas.microsoft.com/sharepoint/v3/contenttype/forms"/>
+    <ds:schemaRef ds:uri="http://schemas.microsoft.com/office/2006/documentManagement/types"/>
+    <ds:schemaRef ds:uri="2551ef7e-3b29-44d1-a8ad-ef34c26bfc60"/>
+    <ds:schemaRef ds:uri="http://schemas.microsoft.com/office/2006/metadata/properties"/>
+    <ds:schemaRef ds:uri="http://purl.org/dc/elements/1.1/"/>
+    <ds:schemaRef ds:uri="63c724b1-652e-424f-8d99-4ee509067280"/>
+    <ds:schemaRef ds:uri="http://purl.org/dc/terms/"/>
+    <ds:schemaRef ds:uri="http://schemas.microsoft.com/office/infopath/2007/PartnerControls"/>
+    <ds:schemaRef ds:uri="http://schemas.openxmlformats.org/package/2006/metadata/core-properties"/>
+    <ds:schemaRef ds:uri="http://www.w3.org/XML/1998/namespace"/>
+    <ds:schemaRef ds:uri="http://purl.org/dc/dcmitype/"/>
   </ds:schemaRefs>
 </ds:datastoreItem>
 </file>
@@ -8285,18 +10363,9 @@
 </file>
 
 <file path=customXml/itemProps3.xml><?xml version="1.0" encoding="utf-8"?>
-<ds:datastoreItem xmlns:ds="http://schemas.openxmlformats.org/officeDocument/2006/customXml" ds:itemID="{96591048-6F15-48C6-9650-9BFF3E56974F}">
+<ds:datastoreItem xmlns:ds="http://schemas.openxmlformats.org/officeDocument/2006/customXml" ds:itemID="{CCF5E5E7-7F77-47A8-99A9-B4D5839292F3}">
   <ds:schemaRefs>
-    <ds:schemaRef ds:uri="http://schemas.microsoft.com/office/infopath/2007/PartnerControls"/>
-    <ds:schemaRef ds:uri="http://purl.org/dc/elements/1.1/"/>
-    <ds:schemaRef ds:uri="http://schemas.microsoft.com/office/2006/metadata/properties"/>
-    <ds:schemaRef ds:uri="http://purl.org/dc/terms/"/>
-    <ds:schemaRef ds:uri="63c724b1-652e-424f-8d99-4ee509067280"/>
-    <ds:schemaRef ds:uri="http://schemas.openxmlformats.org/package/2006/metadata/core-properties"/>
-    <ds:schemaRef ds:uri="http://schemas.microsoft.com/office/2006/documentManagement/types"/>
-    <ds:schemaRef ds:uri="2551ef7e-3b29-44d1-a8ad-ef34c26bfc60"/>
-    <ds:schemaRef ds:uri="http://www.w3.org/XML/1998/namespace"/>
-    <ds:schemaRef ds:uri="http://purl.org/dc/dcmitype/"/>
+    <ds:schemaRef ds:uri="http://schemas.microsoft.com/sharepoint/v3/contenttype/forms"/>
   </ds:schemaRefs>
 </ds:datastoreItem>
 </file>
--- a/continuousIntegration/Infseminar_IntegrationContinue_aescd5.pptx
+++ b/continuousIntegration/Infseminar_IntegrationContinue_aescd5.pptx
@@ -5,10 +5,10 @@
     <p:sldMasterId id="2147483669" r:id="rId4"/>
   </p:sldMasterIdLst>
   <p:notesMasterIdLst>
-    <p:notesMasterId r:id="rId25"/>
+    <p:notesMasterId r:id="rId30"/>
   </p:notesMasterIdLst>
   <p:handoutMasterIdLst>
-    <p:handoutMasterId r:id="rId26"/>
+    <p:handoutMasterId r:id="rId31"/>
   </p:handoutMasterIdLst>
   <p:sldIdLst>
     <p:sldId id="259" r:id="rId5"/>
@@ -21,16 +21,21 @@
     <p:sldId id="279" r:id="rId12"/>
     <p:sldId id="281" r:id="rId13"/>
     <p:sldId id="280" r:id="rId14"/>
-    <p:sldId id="283" r:id="rId15"/>
-    <p:sldId id="274" r:id="rId16"/>
-    <p:sldId id="284" r:id="rId17"/>
-    <p:sldId id="275" r:id="rId18"/>
-    <p:sldId id="285" r:id="rId19"/>
-    <p:sldId id="286" r:id="rId20"/>
-    <p:sldId id="287" r:id="rId21"/>
-    <p:sldId id="288" r:id="rId22"/>
-    <p:sldId id="271" r:id="rId23"/>
-    <p:sldId id="272" r:id="rId24"/>
+    <p:sldId id="292" r:id="rId15"/>
+    <p:sldId id="291" r:id="rId16"/>
+    <p:sldId id="283" r:id="rId17"/>
+    <p:sldId id="274" r:id="rId18"/>
+    <p:sldId id="284" r:id="rId19"/>
+    <p:sldId id="275" r:id="rId20"/>
+    <p:sldId id="293" r:id="rId21"/>
+    <p:sldId id="294" r:id="rId22"/>
+    <p:sldId id="285" r:id="rId23"/>
+    <p:sldId id="286" r:id="rId24"/>
+    <p:sldId id="287" r:id="rId25"/>
+    <p:sldId id="288" r:id="rId26"/>
+    <p:sldId id="289" r:id="rId27"/>
+    <p:sldId id="271" r:id="rId28"/>
+    <p:sldId id="272" r:id="rId29"/>
   </p:sldIdLst>
   <p:sldSz cx="9144000" cy="6858000" type="screen4x3"/>
   <p:notesSz cx="6797675" cy="9872663"/>
@@ -705,6 +710,153 @@
     </a:lvl9pPr>
   </p:notesStyle>
 </p:notesMaster>
+</file>
+
+<file path=ppt/notesSlides/notesSlide1.xml><?xml version="1.0" encoding="utf-8"?>
+<p:notes xmlns:a="http://schemas.openxmlformats.org/drawingml/2006/main" xmlns:r="http://schemas.openxmlformats.org/officeDocument/2006/relationships" xmlns:p="http://schemas.openxmlformats.org/presentationml/2006/main">
+  <p:cSld>
+    <p:spTree>
+      <p:nvGrpSpPr>
+        <p:cNvPr id="1" name=""/>
+        <p:cNvGrpSpPr/>
+        <p:nvPr/>
+      </p:nvGrpSpPr>
+      <p:grpSpPr>
+        <a:xfrm>
+          <a:off x="0" y="0"/>
+          <a:ext cx="0" cy="0"/>
+          <a:chOff x="0" y="0"/>
+          <a:chExt cx="0" cy="0"/>
+        </a:xfrm>
+      </p:grpSpPr>
+      <p:sp>
+        <p:nvSpPr>
+          <p:cNvPr id="2" name="Slide Image Placeholder 1"/>
+          <p:cNvSpPr>
+            <a:spLocks noGrp="1" noRot="1" noChangeAspect="1"/>
+          </p:cNvSpPr>
+          <p:nvPr>
+            <p:ph type="sldImg"/>
+          </p:nvPr>
+        </p:nvSpPr>
+        <p:spPr/>
+      </p:sp>
+      <p:sp>
+        <p:nvSpPr>
+          <p:cNvPr id="3" name="Notes Placeholder 2"/>
+          <p:cNvSpPr>
+            <a:spLocks noGrp="1"/>
+          </p:cNvSpPr>
+          <p:nvPr>
+            <p:ph type="body" idx="1"/>
+          </p:nvPr>
+        </p:nvSpPr>
+        <p:spPr/>
+        <p:txBody>
+          <a:bodyPr/>
+          <a:lstStyle/>
+          <a:p>
+            <a:r>
+              <a:rPr lang="de-CH" dirty="0" smtClean="0"/>
+              <a:t>Show repository</a:t>
+            </a:r>
+          </a:p>
+          <a:p>
+            <a:r>
+              <a:rPr lang="de-CH" dirty="0" smtClean="0"/>
+              <a:t>Show Travis</a:t>
+            </a:r>
+          </a:p>
+          <a:p>
+            <a:pPr marL="171450" lvl="0" indent="-171450">
+              <a:buFont typeface="Arial" panose="020B0604020202020204" pitchFamily="34" charset="0"/>
+              <a:buChar char="•"/>
+            </a:pPr>
+            <a:r>
+              <a:rPr lang="de-CH" baseline="0" dirty="0" smtClean="0"/>
+              <a:t>Build success</a:t>
+            </a:r>
+          </a:p>
+          <a:p>
+            <a:pPr marL="628650" lvl="1" indent="-171450">
+              <a:buFont typeface="Arial" panose="020B0604020202020204" pitchFamily="34" charset="0"/>
+              <a:buChar char="•"/>
+            </a:pPr>
+            <a:r>
+              <a:rPr lang="de-CH" baseline="0" dirty="0" smtClean="0"/>
+              <a:t>Script output</a:t>
+            </a:r>
+            <a:endParaRPr lang="de-CH" dirty="0" smtClean="0"/>
+          </a:p>
+          <a:p>
+            <a:pPr marL="171450" indent="-171450">
+              <a:buFont typeface="Arial" panose="020B0604020202020204" pitchFamily="34" charset="0"/>
+              <a:buChar char="•"/>
+            </a:pPr>
+            <a:r>
+              <a:rPr lang="de-CH" dirty="0" smtClean="0"/>
+              <a:t>Build failure</a:t>
+            </a:r>
+          </a:p>
+          <a:p>
+            <a:pPr marL="628650" lvl="1" indent="-171450">
+              <a:buFont typeface="Arial" panose="020B0604020202020204" pitchFamily="34" charset="0"/>
+              <a:buChar char="•"/>
+            </a:pPr>
+            <a:r>
+              <a:rPr lang="de-CH" dirty="0" smtClean="0"/>
+              <a:t>Script</a:t>
+            </a:r>
+            <a:r>
+              <a:rPr lang="de-CH" baseline="0" dirty="0" smtClean="0"/>
+              <a:t> output</a:t>
+            </a:r>
+          </a:p>
+          <a:p>
+            <a:r>
+              <a:rPr lang="de-CH" dirty="0" smtClean="0"/>
+              <a:t>Show build file</a:t>
+            </a:r>
+          </a:p>
+          <a:p>
+            <a:endParaRPr lang="de-CH" dirty="0"/>
+          </a:p>
+        </p:txBody>
+      </p:sp>
+      <p:sp>
+        <p:nvSpPr>
+          <p:cNvPr id="4" name="Slide Number Placeholder 3"/>
+          <p:cNvSpPr>
+            <a:spLocks noGrp="1"/>
+          </p:cNvSpPr>
+          <p:nvPr>
+            <p:ph type="sldNum" sz="quarter" idx="10"/>
+          </p:nvPr>
+        </p:nvSpPr>
+        <p:spPr/>
+        <p:txBody>
+          <a:bodyPr/>
+          <a:lstStyle/>
+          <a:p>
+            <a:fld id="{37E44704-8E6D-4CF2-8CFA-A0F7BC751896}" type="slidenum">
+              <a:rPr lang="de-CH" smtClean="0"/>
+              <a:t>22</a:t>
+            </a:fld>
+            <a:endParaRPr lang="de-CH"/>
+          </a:p>
+        </p:txBody>
+      </p:sp>
+    </p:spTree>
+    <p:extLst>
+      <p:ext uri="{BB962C8B-B14F-4D97-AF65-F5344CB8AC3E}">
+        <p14:creationId xmlns:p14="http://schemas.microsoft.com/office/powerpoint/2010/main" val="1345156062"/>
+      </p:ext>
+    </p:extLst>
+  </p:cSld>
+  <p:clrMapOvr>
+    <a:masterClrMapping/>
+  </p:clrMapOvr>
+</p:notes>
 </file>
 
 <file path=ppt/slideLayouts/slideLayout1.xml><?xml version="1.0" encoding="utf-8"?>
@@ -6761,7 +6913,92 @@
           <a:bodyPr/>
           <a:lstStyle/>
           <a:p>
-            <a:endParaRPr lang="de-CH"/>
+            <a:r>
+              <a:rPr lang="de-CH" dirty="0" smtClean="0"/>
+              <a:t>Inspections contrôle la forme du code</a:t>
+            </a:r>
+          </a:p>
+          <a:p>
+            <a:endParaRPr lang="de-CH" dirty="0"/>
+          </a:p>
+          <a:p>
+            <a:pPr marL="814387" lvl="1" indent="-342900">
+              <a:buFont typeface="+mj-lt"/>
+              <a:buAutoNum type="arabicPeriod"/>
+            </a:pPr>
+            <a:r>
+              <a:rPr lang="de-CH" dirty="0" smtClean="0"/>
+              <a:t>Réduire la complexité du code source</a:t>
+            </a:r>
+          </a:p>
+          <a:p>
+            <a:pPr marL="814387" lvl="1" indent="-342900">
+              <a:buFont typeface="+mj-lt"/>
+              <a:buAutoNum type="arabicPeriod"/>
+            </a:pPr>
+            <a:endParaRPr lang="de-CH" dirty="0"/>
+          </a:p>
+          <a:p>
+            <a:pPr marL="814387" lvl="1" indent="-342900">
+              <a:buFont typeface="+mj-lt"/>
+              <a:buAutoNum type="arabicPeriod"/>
+            </a:pPr>
+            <a:r>
+              <a:rPr lang="de-CH" dirty="0" smtClean="0"/>
+              <a:t>Déterminer la dépendance d’un paquet</a:t>
+            </a:r>
+          </a:p>
+          <a:p>
+            <a:pPr marL="814387" lvl="1" indent="-342900">
+              <a:buFont typeface="+mj-lt"/>
+              <a:buAutoNum type="arabicPeriod"/>
+            </a:pPr>
+            <a:endParaRPr lang="de-CH" dirty="0"/>
+          </a:p>
+          <a:p>
+            <a:pPr marL="814387" lvl="1" indent="-342900">
+              <a:buFont typeface="+mj-lt"/>
+              <a:buAutoNum type="arabicPeriod"/>
+            </a:pPr>
+            <a:r>
+              <a:rPr lang="de-CH" dirty="0" smtClean="0"/>
+              <a:t>Imposer les standards de l’entreprise</a:t>
+            </a:r>
+          </a:p>
+          <a:p>
+            <a:pPr marL="814387" lvl="1" indent="-342900">
+              <a:buFont typeface="+mj-lt"/>
+              <a:buAutoNum type="arabicPeriod"/>
+            </a:pPr>
+            <a:endParaRPr lang="de-CH" dirty="0"/>
+          </a:p>
+          <a:p>
+            <a:pPr marL="814387" lvl="1" indent="-342900">
+              <a:buFont typeface="+mj-lt"/>
+              <a:buAutoNum type="arabicPeriod"/>
+            </a:pPr>
+            <a:r>
+              <a:rPr lang="de-CH" dirty="0" smtClean="0"/>
+              <a:t>Réduire le code copié</a:t>
+            </a:r>
+          </a:p>
+          <a:p>
+            <a:pPr marL="814387" lvl="1" indent="-342900">
+              <a:buFont typeface="+mj-lt"/>
+              <a:buAutoNum type="arabicPeriod"/>
+            </a:pPr>
+            <a:endParaRPr lang="de-CH" dirty="0"/>
+          </a:p>
+          <a:p>
+            <a:pPr marL="814387" lvl="1" indent="-342900">
+              <a:buFont typeface="+mj-lt"/>
+              <a:buAutoNum type="arabicPeriod"/>
+            </a:pPr>
+            <a:r>
+              <a:rPr lang="de-CH" dirty="0" smtClean="0"/>
+              <a:t>Déterminer la couverture de code</a:t>
+            </a:r>
+            <a:endParaRPr lang="de-CH" dirty="0"/>
           </a:p>
         </p:txBody>
       </p:sp>
@@ -6833,16 +7070,7 @@
           <a:bodyPr/>
           <a:lstStyle/>
           <a:p>
-            <a:r>
-              <a:rPr lang="de-CH" dirty="0" smtClean="0"/>
-              <a:t>Intégration de base de données continue</a:t>
-            </a:r>
-          </a:p>
-          <a:p>
-            <a:r>
-              <a:rPr lang="de-CH" dirty="0" smtClean="0"/>
-              <a:t>Déploiment continue</a:t>
-            </a:r>
+            <a:endParaRPr lang="de-CH" dirty="0"/>
           </a:p>
         </p:txBody>
       </p:sp>
@@ -6863,16 +7091,99 @@
           <a:p>
             <a:r>
               <a:rPr lang="de-CH" dirty="0" smtClean="0"/>
-              <a:t>Autres concepts</a:t>
+              <a:t>Code Coverage</a:t>
             </a:r>
             <a:endParaRPr lang="de-CH" dirty="0"/>
+          </a:p>
+        </p:txBody>
+      </p:sp>
+      <p:pic>
+        <p:nvPicPr>
+          <p:cNvPr id="1026" name="Picture 2" descr="Coverage report by directory"/>
+          <p:cNvPicPr>
+            <a:picLocks noChangeAspect="1" noChangeArrowheads="1"/>
+          </p:cNvPicPr>
+          <p:nvPr/>
+        </p:nvPicPr>
+        <p:blipFill>
+          <a:blip r:embed="rId2">
+            <a:extLst>
+              <a:ext uri="{28A0092B-C50C-407E-A947-70E740481C1C}">
+                <a14:useLocalDpi xmlns:a14="http://schemas.microsoft.com/office/drawing/2010/main" val="0"/>
+              </a:ext>
+            </a:extLst>
+          </a:blip>
+          <a:srcRect/>
+          <a:stretch>
+            <a:fillRect/>
+          </a:stretch>
+        </p:blipFill>
+        <p:spPr bwMode="auto">
+          <a:xfrm>
+            <a:off x="468000" y="1594689"/>
+            <a:ext cx="8093597" cy="2891163"/>
+          </a:xfrm>
+          <a:prstGeom prst="rect">
+            <a:avLst/>
+          </a:prstGeom>
+          <a:noFill/>
+          <a:extLst>
+            <a:ext uri="{909E8E84-426E-40DD-AFC4-6F175D3DCCD1}">
+              <a14:hiddenFill xmlns:a14="http://schemas.microsoft.com/office/drawing/2010/main">
+                <a:solidFill>
+                  <a:srgbClr val="FFFFFF"/>
+                </a:solidFill>
+              </a14:hiddenFill>
+            </a:ext>
+          </a:extLst>
+        </p:spPr>
+      </p:pic>
+      <p:sp>
+        <p:nvSpPr>
+          <p:cNvPr id="4" name="TextBox 3"/>
+          <p:cNvSpPr txBox="1"/>
+          <p:nvPr/>
+        </p:nvSpPr>
+        <p:spPr>
+          <a:xfrm>
+            <a:off x="468000" y="4510770"/>
+            <a:ext cx="6854400" cy="276999"/>
+          </a:xfrm>
+          <a:prstGeom prst="rect">
+            <a:avLst/>
+          </a:prstGeom>
+          <a:noFill/>
+        </p:spPr>
+        <p:txBody>
+          <a:bodyPr wrap="square" rtlCol="0">
+            <a:spAutoFit/>
+          </a:bodyPr>
+          <a:lstStyle/>
+          <a:p>
+            <a:r>
+              <a:rPr lang="de-CH" sz="1200" dirty="0">
+                <a:hlinkClick r:id="rId3"/>
+              </a:rPr>
+              <a:t>http://blog.octo.com/en/ios-development-right-code-coverage</a:t>
+            </a:r>
+            <a:r>
+              <a:rPr lang="de-CH" sz="1200" dirty="0" smtClean="0">
+                <a:hlinkClick r:id="rId3"/>
+              </a:rPr>
+              <a:t>/</a:t>
+            </a:r>
+            <a:r>
+              <a:rPr lang="de-CH" sz="1200" dirty="0" smtClean="0"/>
+              <a:t> </a:t>
+            </a:r>
+            <a:endParaRPr lang="de-CH" sz="1200" dirty="0"/>
           </a:p>
         </p:txBody>
       </p:sp>
     </p:spTree>
     <p:extLst>
       <p:ext uri="{BB962C8B-B14F-4D97-AF65-F5344CB8AC3E}">
-        <p14:creationId xmlns:p14="http://schemas.microsoft.com/office/powerpoint/2010/main" val="2105712538"/>
+        <p14:creationId xmlns:p14="http://schemas.microsoft.com/office/powerpoint/2010/main" val="327193081"/>
       </p:ext>
     </p:extLst>
   </p:cSld>
@@ -6901,7 +7212,63 @@
       </p:grpSpPr>
       <p:sp>
         <p:nvSpPr>
-          <p:cNvPr id="5" name="Titel 4"/>
+          <p:cNvPr id="2" name="Content Placeholder 1"/>
+          <p:cNvSpPr>
+            <a:spLocks noGrp="1"/>
+          </p:cNvSpPr>
+          <p:nvPr>
+            <p:ph sz="half" idx="1"/>
+          </p:nvPr>
+        </p:nvSpPr>
+        <p:spPr/>
+        <p:txBody>
+          <a:bodyPr/>
+          <a:lstStyle/>
+          <a:p>
+            <a:r>
+              <a:rPr lang="de-CH" dirty="0" smtClean="0"/>
+              <a:t>Le résultat des constructions, tests et inspections</a:t>
+            </a:r>
+          </a:p>
+          <a:p>
+            <a:pPr lvl="1"/>
+            <a:r>
+              <a:rPr lang="de-CH" dirty="0" smtClean="0"/>
+              <a:t>Intérface web</a:t>
+            </a:r>
+          </a:p>
+          <a:p>
+            <a:pPr lvl="1"/>
+            <a:r>
+              <a:rPr lang="de-CH" dirty="0" smtClean="0"/>
+              <a:t>Email</a:t>
+            </a:r>
+          </a:p>
+          <a:p>
+            <a:pPr lvl="1"/>
+            <a:r>
+              <a:rPr lang="de-CH" dirty="0" smtClean="0"/>
+              <a:t>Ordiphone</a:t>
+            </a:r>
+          </a:p>
+          <a:p>
+            <a:pPr lvl="1"/>
+            <a:r>
+              <a:rPr lang="de-CH" dirty="0" smtClean="0"/>
+              <a:t>Chat</a:t>
+            </a:r>
+          </a:p>
+          <a:p>
+            <a:endParaRPr lang="de-CH" dirty="0"/>
+          </a:p>
+          <a:p>
+            <a:endParaRPr lang="de-CH" dirty="0"/>
+          </a:p>
+        </p:txBody>
+      </p:sp>
+      <p:sp>
+        <p:nvSpPr>
+          <p:cNvPr id="3" name="Title 2"/>
           <p:cNvSpPr>
             <a:spLocks noGrp="1"/>
           </p:cNvSpPr>
@@ -6916,35 +7283,57 @@
           <a:p>
             <a:r>
               <a:rPr lang="de-CH" dirty="0" smtClean="0"/>
-              <a:t>Bénéfice</a:t>
+              <a:t>Information en retour continue</a:t>
             </a:r>
             <a:endParaRPr lang="de-CH" dirty="0"/>
           </a:p>
         </p:txBody>
       </p:sp>
-      <p:sp>
-        <p:nvSpPr>
-          <p:cNvPr id="6" name="Untertitel 5"/>
-          <p:cNvSpPr>
-            <a:spLocks noGrp="1"/>
-          </p:cNvSpPr>
-          <p:nvPr>
-            <p:ph type="subTitle" idx="1"/>
-          </p:nvPr>
-        </p:nvSpPr>
-        <p:spPr/>
-        <p:txBody>
-          <a:bodyPr/>
-          <a:lstStyle/>
-          <a:p>
-            <a:endParaRPr lang="de-CH"/>
-          </a:p>
-        </p:txBody>
-      </p:sp>
+      <p:pic>
+        <p:nvPicPr>
+          <p:cNvPr id="2050" name="Picture 2" descr="https://wiki.jenkins-ci.org/download/attachments/47087692/build_page.png"/>
+          <p:cNvPicPr>
+            <a:picLocks noChangeAspect="1" noChangeArrowheads="1"/>
+          </p:cNvPicPr>
+          <p:nvPr/>
+        </p:nvPicPr>
+        <p:blipFill>
+          <a:blip r:embed="rId2">
+            <a:extLst>
+              <a:ext uri="{28A0092B-C50C-407E-A947-70E740481C1C}">
+                <a14:useLocalDpi xmlns:a14="http://schemas.microsoft.com/office/drawing/2010/main" val="0"/>
+              </a:ext>
+            </a:extLst>
+          </a:blip>
+          <a:srcRect/>
+          <a:stretch>
+            <a:fillRect/>
+          </a:stretch>
+        </p:blipFill>
+        <p:spPr bwMode="auto">
+          <a:xfrm>
+            <a:off x="2095773" y="3298522"/>
+            <a:ext cx="6038015" cy="2422863"/>
+          </a:xfrm>
+          <a:prstGeom prst="rect">
+            <a:avLst/>
+          </a:prstGeom>
+          <a:noFill/>
+          <a:extLst>
+            <a:ext uri="{909E8E84-426E-40DD-AFC4-6F175D3DCCD1}">
+              <a14:hiddenFill xmlns:a14="http://schemas.microsoft.com/office/drawing/2010/main">
+                <a:solidFill>
+                  <a:srgbClr val="FFFFFF"/>
+                </a:solidFill>
+              </a14:hiddenFill>
+            </a:ext>
+          </a:extLst>
+        </p:spPr>
+      </p:pic>
     </p:spTree>
     <p:extLst>
       <p:ext uri="{BB962C8B-B14F-4D97-AF65-F5344CB8AC3E}">
-        <p14:creationId xmlns:p14="http://schemas.microsoft.com/office/powerpoint/2010/main" val="196470036"/>
+        <p14:creationId xmlns:p14="http://schemas.microsoft.com/office/powerpoint/2010/main" val="3917295991"/>
       </p:ext>
     </p:extLst>
   </p:cSld>
@@ -6973,7 +7362,7 @@
       </p:grpSpPr>
       <p:sp>
         <p:nvSpPr>
-          <p:cNvPr id="5" name="Content Placeholder 4"/>
+          <p:cNvPr id="2" name="Content Placeholder 1"/>
           <p:cNvSpPr>
             <a:spLocks noGrp="1"/>
           </p:cNvSpPr>
@@ -6986,13 +7375,22 @@
           <a:bodyPr/>
           <a:lstStyle/>
           <a:p>
-            <a:endParaRPr lang="de-CH"/>
-          </a:p>
-        </p:txBody>
-      </p:sp>
-      <p:sp>
-        <p:nvSpPr>
-          <p:cNvPr id="4" name="Title 3"/>
+            <a:r>
+              <a:rPr lang="de-CH" dirty="0" smtClean="0"/>
+              <a:t>Intégration de base de données continue</a:t>
+            </a:r>
+          </a:p>
+          <a:p>
+            <a:r>
+              <a:rPr lang="de-CH" dirty="0" smtClean="0"/>
+              <a:t>Déploiment continue</a:t>
+            </a:r>
+          </a:p>
+        </p:txBody>
+      </p:sp>
+      <p:sp>
+        <p:nvSpPr>
+          <p:cNvPr id="3" name="Title 2"/>
           <p:cNvSpPr>
             <a:spLocks noGrp="1"/>
           </p:cNvSpPr>
@@ -7005,14 +7403,18 @@
           <a:bodyPr/>
           <a:lstStyle/>
           <a:p>
-            <a:endParaRPr lang="de-CH"/>
+            <a:r>
+              <a:rPr lang="de-CH" dirty="0" smtClean="0"/>
+              <a:t>Autres concepts</a:t>
+            </a:r>
+            <a:endParaRPr lang="de-CH" dirty="0"/>
           </a:p>
         </p:txBody>
       </p:sp>
     </p:spTree>
     <p:extLst>
       <p:ext uri="{BB962C8B-B14F-4D97-AF65-F5344CB8AC3E}">
-        <p14:creationId xmlns:p14="http://schemas.microsoft.com/office/powerpoint/2010/main" val="1565790670"/>
+        <p14:creationId xmlns:p14="http://schemas.microsoft.com/office/powerpoint/2010/main" val="2105712538"/>
       </p:ext>
     </p:extLst>
   </p:cSld>
@@ -7056,6 +7458,239 @@
           <a:p>
             <a:r>
               <a:rPr lang="de-CH" dirty="0" smtClean="0"/>
+              <a:t>Bénéfice</a:t>
+            </a:r>
+            <a:endParaRPr lang="de-CH" dirty="0"/>
+          </a:p>
+        </p:txBody>
+      </p:sp>
+      <p:sp>
+        <p:nvSpPr>
+          <p:cNvPr id="6" name="Untertitel 5"/>
+          <p:cNvSpPr>
+            <a:spLocks noGrp="1"/>
+          </p:cNvSpPr>
+          <p:nvPr>
+            <p:ph type="subTitle" idx="1"/>
+          </p:nvPr>
+        </p:nvSpPr>
+        <p:spPr/>
+        <p:txBody>
+          <a:bodyPr/>
+          <a:lstStyle/>
+          <a:p>
+            <a:endParaRPr lang="de-CH"/>
+          </a:p>
+        </p:txBody>
+      </p:sp>
+    </p:spTree>
+    <p:extLst>
+      <p:ext uri="{BB962C8B-B14F-4D97-AF65-F5344CB8AC3E}">
+        <p14:creationId xmlns:p14="http://schemas.microsoft.com/office/powerpoint/2010/main" val="196470036"/>
+      </p:ext>
+    </p:extLst>
+  </p:cSld>
+  <p:clrMapOvr>
+    <a:masterClrMapping/>
+  </p:clrMapOvr>
+</p:sld>
+</file>
+
+<file path=ppt/slides/slide15.xml><?xml version="1.0" encoding="utf-8"?>
+<p:sld xmlns:a="http://schemas.openxmlformats.org/drawingml/2006/main" xmlns:r="http://schemas.openxmlformats.org/officeDocument/2006/relationships" xmlns:p="http://schemas.openxmlformats.org/presentationml/2006/main">
+  <p:cSld>
+    <p:spTree>
+      <p:nvGrpSpPr>
+        <p:cNvPr id="1" name=""/>
+        <p:cNvGrpSpPr/>
+        <p:nvPr/>
+      </p:nvGrpSpPr>
+      <p:grpSpPr>
+        <a:xfrm>
+          <a:off x="0" y="0"/>
+          <a:ext cx="0" cy="0"/>
+          <a:chOff x="0" y="0"/>
+          <a:chExt cx="0" cy="0"/>
+        </a:xfrm>
+      </p:grpSpPr>
+      <p:sp>
+        <p:nvSpPr>
+          <p:cNvPr id="5" name="Content Placeholder 4"/>
+          <p:cNvSpPr>
+            <a:spLocks noGrp="1"/>
+          </p:cNvSpPr>
+          <p:nvPr>
+            <p:ph sz="half" idx="1"/>
+          </p:nvPr>
+        </p:nvSpPr>
+        <p:spPr/>
+        <p:txBody>
+          <a:bodyPr/>
+          <a:lstStyle/>
+          <a:p>
+            <a:r>
+              <a:rPr lang="de-CH" dirty="0" smtClean="0"/>
+              <a:t>Déroulement du projet sans accroc</a:t>
+            </a:r>
+          </a:p>
+          <a:p>
+            <a:r>
+              <a:rPr lang="de-CH" dirty="0" smtClean="0"/>
+              <a:t>Éviter des tâches repetitives</a:t>
+            </a:r>
+          </a:p>
+          <a:p>
+            <a:pPr lvl="1"/>
+            <a:r>
+              <a:rPr lang="de-CH" dirty="0" smtClean="0"/>
+              <a:t>Développeurs se concentre sur le code</a:t>
+            </a:r>
+          </a:p>
+          <a:p>
+            <a:pPr marL="457200" lvl="1" indent="0">
+              <a:buNone/>
+            </a:pPr>
+            <a:endParaRPr lang="de-CH" dirty="0"/>
+          </a:p>
+          <a:p>
+            <a:pPr lvl="1">
+              <a:buFont typeface="Wingdings" panose="05000000000000000000" pitchFamily="2" charset="2"/>
+              <a:buChar char="à"/>
+            </a:pPr>
+            <a:r>
+              <a:rPr lang="de-CH" dirty="0" smtClean="0">
+                <a:sym typeface="Wingdings" panose="05000000000000000000" pitchFamily="2" charset="2"/>
+              </a:rPr>
+              <a:t>Économiser du temps et monnaie!</a:t>
+            </a:r>
+            <a:endParaRPr lang="de-CH" dirty="0">
+              <a:sym typeface="Wingdings" panose="05000000000000000000" pitchFamily="2" charset="2"/>
+            </a:endParaRPr>
+          </a:p>
+          <a:p>
+            <a:endParaRPr lang="de-CH" dirty="0">
+              <a:sym typeface="Wingdings" panose="05000000000000000000" pitchFamily="2" charset="2"/>
+            </a:endParaRPr>
+          </a:p>
+          <a:p>
+            <a:r>
+              <a:rPr lang="de-CH" dirty="0" smtClean="0">
+                <a:sym typeface="Wingdings" panose="05000000000000000000" pitchFamily="2" charset="2"/>
+              </a:rPr>
+              <a:t>Éviter des risques</a:t>
+            </a:r>
+          </a:p>
+          <a:p>
+            <a:pPr lvl="1"/>
+            <a:r>
+              <a:rPr lang="de-CH" dirty="0" smtClean="0">
+                <a:sym typeface="Wingdings" panose="05000000000000000000" pitchFamily="2" charset="2"/>
+              </a:rPr>
+              <a:t>Logiciel pas près</a:t>
+            </a:r>
+          </a:p>
+          <a:p>
+            <a:pPr lvl="1"/>
+            <a:r>
+              <a:rPr lang="de-CH" dirty="0" smtClean="0">
+                <a:sym typeface="Wingdings" panose="05000000000000000000" pitchFamily="2" charset="2"/>
+              </a:rPr>
+              <a:t>Découverte tarde des erreurs</a:t>
+            </a:r>
+          </a:p>
+          <a:p>
+            <a:pPr lvl="1"/>
+            <a:r>
+              <a:rPr lang="de-CH" dirty="0" smtClean="0">
+                <a:sym typeface="Wingdings" panose="05000000000000000000" pitchFamily="2" charset="2"/>
+              </a:rPr>
+              <a:t>Manque de visibilité</a:t>
+            </a:r>
+          </a:p>
+          <a:p>
+            <a:pPr lvl="1"/>
+            <a:r>
+              <a:rPr lang="de-CH" dirty="0" smtClean="0">
+                <a:sym typeface="Wingdings" panose="05000000000000000000" pitchFamily="2" charset="2"/>
+              </a:rPr>
+              <a:t>Logiciel de basse qualité</a:t>
+            </a:r>
+            <a:endParaRPr lang="de-CH" dirty="0">
+              <a:sym typeface="Wingdings" panose="05000000000000000000" pitchFamily="2" charset="2"/>
+            </a:endParaRPr>
+          </a:p>
+        </p:txBody>
+      </p:sp>
+      <p:sp>
+        <p:nvSpPr>
+          <p:cNvPr id="4" name="Title 3"/>
+          <p:cNvSpPr>
+            <a:spLocks noGrp="1"/>
+          </p:cNvSpPr>
+          <p:nvPr>
+            <p:ph type="ctrTitle"/>
+          </p:nvPr>
+        </p:nvSpPr>
+        <p:spPr/>
+        <p:txBody>
+          <a:bodyPr/>
+          <a:lstStyle/>
+          <a:p>
+            <a:r>
+              <a:rPr lang="de-CH" dirty="0" smtClean="0"/>
+              <a:t>Bénéfices</a:t>
+            </a:r>
+            <a:endParaRPr lang="de-CH" dirty="0"/>
+          </a:p>
+        </p:txBody>
+      </p:sp>
+    </p:spTree>
+    <p:extLst>
+      <p:ext uri="{BB962C8B-B14F-4D97-AF65-F5344CB8AC3E}">
+        <p14:creationId xmlns:p14="http://schemas.microsoft.com/office/powerpoint/2010/main" val="1565790670"/>
+      </p:ext>
+    </p:extLst>
+  </p:cSld>
+  <p:clrMapOvr>
+    <a:masterClrMapping/>
+  </p:clrMapOvr>
+</p:sld>
+</file>
+
+<file path=ppt/slides/slide16.xml><?xml version="1.0" encoding="utf-8"?>
+<p:sld xmlns:a="http://schemas.openxmlformats.org/drawingml/2006/main" xmlns:r="http://schemas.openxmlformats.org/officeDocument/2006/relationships" xmlns:p="http://schemas.openxmlformats.org/presentationml/2006/main">
+  <p:cSld>
+    <p:spTree>
+      <p:nvGrpSpPr>
+        <p:cNvPr id="1" name=""/>
+        <p:cNvGrpSpPr/>
+        <p:nvPr/>
+      </p:nvGrpSpPr>
+      <p:grpSpPr>
+        <a:xfrm>
+          <a:off x="0" y="0"/>
+          <a:ext cx="0" cy="0"/>
+          <a:chOff x="0" y="0"/>
+          <a:chExt cx="0" cy="0"/>
+        </a:xfrm>
+      </p:grpSpPr>
+      <p:sp>
+        <p:nvSpPr>
+          <p:cNvPr id="5" name="Titel 4"/>
+          <p:cNvSpPr>
+            <a:spLocks noGrp="1"/>
+          </p:cNvSpPr>
+          <p:nvPr>
+            <p:ph type="ctrTitle"/>
+          </p:nvPr>
+        </p:nvSpPr>
+        <p:spPr/>
+        <p:txBody>
+          <a:bodyPr/>
+          <a:lstStyle/>
+          <a:p>
+            <a:r>
+              <a:rPr lang="de-CH" dirty="0" smtClean="0"/>
               <a:t>Évaluation</a:t>
             </a:r>
             <a:endParaRPr lang="de-CH" dirty="0"/>
@@ -7094,7 +7729,394 @@
 </p:sld>
 </file>
 
-<file path=ppt/slides/slide15.xml><?xml version="1.0" encoding="utf-8"?>
+<file path=ppt/slides/slide17.xml><?xml version="1.0" encoding="utf-8"?>
+<p:sld xmlns:a="http://schemas.openxmlformats.org/drawingml/2006/main" xmlns:r="http://schemas.openxmlformats.org/officeDocument/2006/relationships" xmlns:p="http://schemas.openxmlformats.org/presentationml/2006/main">
+  <p:cSld>
+    <p:spTree>
+      <p:nvGrpSpPr>
+        <p:cNvPr id="1" name=""/>
+        <p:cNvGrpSpPr/>
+        <p:nvPr/>
+      </p:nvGrpSpPr>
+      <p:grpSpPr>
+        <a:xfrm>
+          <a:off x="0" y="0"/>
+          <a:ext cx="0" cy="0"/>
+          <a:chOff x="0" y="0"/>
+          <a:chExt cx="0" cy="0"/>
+        </a:xfrm>
+      </p:grpSpPr>
+      <p:sp>
+        <p:nvSpPr>
+          <p:cNvPr id="5" name="Content Placeholder 4"/>
+          <p:cNvSpPr>
+            <a:spLocks noGrp="1"/>
+          </p:cNvSpPr>
+          <p:nvPr>
+            <p:ph sz="half" idx="1"/>
+          </p:nvPr>
+        </p:nvSpPr>
+        <p:spPr/>
+        <p:txBody>
+          <a:bodyPr/>
+          <a:lstStyle/>
+          <a:p>
+            <a:endParaRPr lang="de-CH" dirty="0"/>
+          </a:p>
+        </p:txBody>
+      </p:sp>
+      <p:sp>
+        <p:nvSpPr>
+          <p:cNvPr id="4" name="Title 3"/>
+          <p:cNvSpPr>
+            <a:spLocks noGrp="1"/>
+          </p:cNvSpPr>
+          <p:nvPr>
+            <p:ph type="ctrTitle"/>
+          </p:nvPr>
+        </p:nvSpPr>
+        <p:spPr/>
+        <p:txBody>
+          <a:bodyPr/>
+          <a:lstStyle/>
+          <a:p>
+            <a:r>
+              <a:rPr lang="de-CH" dirty="0" smtClean="0"/>
+              <a:t>Logiciel de construction en Java</a:t>
+            </a:r>
+            <a:endParaRPr lang="de-CH" dirty="0"/>
+          </a:p>
+        </p:txBody>
+      </p:sp>
+      <p:pic>
+        <p:nvPicPr>
+          <p:cNvPr id="6" name="Picture 5"/>
+          <p:cNvPicPr>
+            <a:picLocks noChangeAspect="1"/>
+          </p:cNvPicPr>
+          <p:nvPr/>
+        </p:nvPicPr>
+        <p:blipFill>
+          <a:blip r:embed="rId2"/>
+          <a:stretch>
+            <a:fillRect/>
+          </a:stretch>
+        </p:blipFill>
+        <p:spPr>
+          <a:xfrm>
+            <a:off x="1442320" y="2555145"/>
+            <a:ext cx="6263744" cy="2449707"/>
+          </a:xfrm>
+          <a:prstGeom prst="rect">
+            <a:avLst/>
+          </a:prstGeom>
+        </p:spPr>
+      </p:pic>
+      <p:pic>
+        <p:nvPicPr>
+          <p:cNvPr id="3076" name="Picture 4" descr="http://crazyadmins.com/wp-content/uploads/2015/10/d.png"/>
+          <p:cNvPicPr>
+            <a:picLocks noChangeAspect="1" noChangeArrowheads="1"/>
+          </p:cNvPicPr>
+          <p:nvPr/>
+        </p:nvPicPr>
+        <p:blipFill>
+          <a:blip r:embed="rId3">
+            <a:extLst>
+              <a:ext uri="{28A0092B-C50C-407E-A947-70E740481C1C}">
+                <a14:useLocalDpi xmlns:a14="http://schemas.microsoft.com/office/drawing/2010/main" val="0"/>
+              </a:ext>
+            </a:extLst>
+          </a:blip>
+          <a:srcRect/>
+          <a:stretch>
+            <a:fillRect/>
+          </a:stretch>
+        </p:blipFill>
+        <p:spPr bwMode="auto">
+          <a:xfrm>
+            <a:off x="5910396" y="1368285"/>
+            <a:ext cx="2927102" cy="1003333"/>
+          </a:xfrm>
+          <a:prstGeom prst="rect">
+            <a:avLst/>
+          </a:prstGeom>
+          <a:noFill/>
+          <a:extLst>
+            <a:ext uri="{909E8E84-426E-40DD-AFC4-6F175D3DCCD1}">
+              <a14:hiddenFill xmlns:a14="http://schemas.microsoft.com/office/drawing/2010/main">
+                <a:solidFill>
+                  <a:srgbClr val="FFFFFF"/>
+                </a:solidFill>
+              </a14:hiddenFill>
+            </a:ext>
+          </a:extLst>
+        </p:spPr>
+      </p:pic>
+      <p:pic>
+        <p:nvPicPr>
+          <p:cNvPr id="3078" name="Picture 6" descr="https://maven.apache.org/images/maven-logo-black-on-white.png"/>
+          <p:cNvPicPr>
+            <a:picLocks noChangeAspect="1" noChangeArrowheads="1"/>
+          </p:cNvPicPr>
+          <p:nvPr/>
+        </p:nvPicPr>
+        <p:blipFill>
+          <a:blip r:embed="rId4">
+            <a:extLst>
+              <a:ext uri="{28A0092B-C50C-407E-A947-70E740481C1C}">
+                <a14:useLocalDpi xmlns:a14="http://schemas.microsoft.com/office/drawing/2010/main" val="0"/>
+              </a:ext>
+            </a:extLst>
+          </a:blip>
+          <a:srcRect/>
+          <a:stretch>
+            <a:fillRect/>
+          </a:stretch>
+        </p:blipFill>
+        <p:spPr bwMode="auto">
+          <a:xfrm>
+            <a:off x="3001973" y="1513619"/>
+            <a:ext cx="2817501" cy="712663"/>
+          </a:xfrm>
+          <a:prstGeom prst="rect">
+            <a:avLst/>
+          </a:prstGeom>
+          <a:noFill/>
+          <a:extLst>
+            <a:ext uri="{909E8E84-426E-40DD-AFC4-6F175D3DCCD1}">
+              <a14:hiddenFill xmlns:a14="http://schemas.microsoft.com/office/drawing/2010/main">
+                <a:solidFill>
+                  <a:srgbClr val="FFFFFF"/>
+                </a:solidFill>
+              </a14:hiddenFill>
+            </a:ext>
+          </a:extLst>
+        </p:spPr>
+      </p:pic>
+      <p:pic>
+        <p:nvPicPr>
+          <p:cNvPr id="3082" name="Picture 10" descr="https://upload.wikimedia.org/wikipedia/commons/thumb/2/2f/Apache-Ant-logo.svg/2000px-Apache-Ant-logo.svg.png"/>
+          <p:cNvPicPr>
+            <a:picLocks noChangeAspect="1" noChangeArrowheads="1"/>
+          </p:cNvPicPr>
+          <p:nvPr/>
+        </p:nvPicPr>
+        <p:blipFill>
+          <a:blip r:embed="rId5">
+            <a:extLst>
+              <a:ext uri="{28A0092B-C50C-407E-A947-70E740481C1C}">
+                <a14:useLocalDpi xmlns:a14="http://schemas.microsoft.com/office/drawing/2010/main" val="0"/>
+              </a:ext>
+            </a:extLst>
+          </a:blip>
+          <a:srcRect/>
+          <a:stretch>
+            <a:fillRect/>
+          </a:stretch>
+        </p:blipFill>
+        <p:spPr bwMode="auto">
+          <a:xfrm>
+            <a:off x="680587" y="970537"/>
+            <a:ext cx="2321386" cy="1436938"/>
+          </a:xfrm>
+          <a:prstGeom prst="rect">
+            <a:avLst/>
+          </a:prstGeom>
+          <a:noFill/>
+          <a:extLst>
+            <a:ext uri="{909E8E84-426E-40DD-AFC4-6F175D3DCCD1}">
+              <a14:hiddenFill xmlns:a14="http://schemas.microsoft.com/office/drawing/2010/main">
+                <a:solidFill>
+                  <a:srgbClr val="FFFFFF"/>
+                </a:solidFill>
+              </a14:hiddenFill>
+            </a:ext>
+          </a:extLst>
+        </p:spPr>
+      </p:pic>
+    </p:spTree>
+    <p:extLst>
+      <p:ext uri="{BB962C8B-B14F-4D97-AF65-F5344CB8AC3E}">
+        <p14:creationId xmlns:p14="http://schemas.microsoft.com/office/powerpoint/2010/main" val="3747798261"/>
+      </p:ext>
+    </p:extLst>
+  </p:cSld>
+  <p:clrMapOvr>
+    <a:masterClrMapping/>
+  </p:clrMapOvr>
+</p:sld>
+</file>
+
+<file path=ppt/slides/slide18.xml><?xml version="1.0" encoding="utf-8"?>
+<p:sld xmlns:a="http://schemas.openxmlformats.org/drawingml/2006/main" xmlns:r="http://schemas.openxmlformats.org/officeDocument/2006/relationships" xmlns:p="http://schemas.openxmlformats.org/presentationml/2006/main">
+  <p:cSld>
+    <p:spTree>
+      <p:nvGrpSpPr>
+        <p:cNvPr id="1" name=""/>
+        <p:cNvGrpSpPr/>
+        <p:nvPr/>
+      </p:nvGrpSpPr>
+      <p:grpSpPr>
+        <a:xfrm>
+          <a:off x="0" y="0"/>
+          <a:ext cx="0" cy="0"/>
+          <a:chOff x="0" y="0"/>
+          <a:chExt cx="0" cy="0"/>
+        </a:xfrm>
+      </p:grpSpPr>
+      <p:sp>
+        <p:nvSpPr>
+          <p:cNvPr id="2" name="Content Placeholder 1"/>
+          <p:cNvSpPr>
+            <a:spLocks noGrp="1"/>
+          </p:cNvSpPr>
+          <p:nvPr>
+            <p:ph sz="half" idx="1"/>
+          </p:nvPr>
+        </p:nvSpPr>
+        <p:spPr/>
+        <p:txBody>
+          <a:bodyPr/>
+          <a:lstStyle/>
+          <a:p>
+            <a:endParaRPr lang="de-CH" dirty="0"/>
+          </a:p>
+        </p:txBody>
+      </p:sp>
+      <p:sp>
+        <p:nvSpPr>
+          <p:cNvPr id="3" name="Title 2"/>
+          <p:cNvSpPr>
+            <a:spLocks noGrp="1"/>
+          </p:cNvSpPr>
+          <p:nvPr>
+            <p:ph type="ctrTitle"/>
+          </p:nvPr>
+        </p:nvSpPr>
+        <p:spPr/>
+        <p:txBody>
+          <a:bodyPr/>
+          <a:lstStyle/>
+          <a:p>
+            <a:r>
+              <a:rPr lang="de-CH" dirty="0" smtClean="0"/>
+              <a:t>Buildscript examples</a:t>
+            </a:r>
+            <a:endParaRPr lang="de-CH" dirty="0"/>
+          </a:p>
+        </p:txBody>
+      </p:sp>
+      <p:pic>
+        <p:nvPicPr>
+          <p:cNvPr id="4" name="Picture 3"/>
+          <p:cNvPicPr>
+            <a:picLocks noChangeAspect="1"/>
+          </p:cNvPicPr>
+          <p:nvPr/>
+        </p:nvPicPr>
+        <p:blipFill>
+          <a:blip r:embed="rId2"/>
+          <a:stretch>
+            <a:fillRect/>
+          </a:stretch>
+        </p:blipFill>
+        <p:spPr>
+          <a:xfrm>
+            <a:off x="468000" y="1389564"/>
+            <a:ext cx="3733079" cy="2543912"/>
+          </a:xfrm>
+          <a:prstGeom prst="rect">
+            <a:avLst/>
+          </a:prstGeom>
+        </p:spPr>
+      </p:pic>
+      <p:pic>
+        <p:nvPicPr>
+          <p:cNvPr id="5" name="Picture 4"/>
+          <p:cNvPicPr>
+            <a:picLocks noChangeAspect="1"/>
+          </p:cNvPicPr>
+          <p:nvPr/>
+        </p:nvPicPr>
+        <p:blipFill>
+          <a:blip r:embed="rId3"/>
+          <a:stretch>
+            <a:fillRect/>
+          </a:stretch>
+        </p:blipFill>
+        <p:spPr>
+          <a:xfrm>
+            <a:off x="4316581" y="1389564"/>
+            <a:ext cx="4580978" cy="2559084"/>
+          </a:xfrm>
+          <a:prstGeom prst="rect">
+            <a:avLst/>
+          </a:prstGeom>
+        </p:spPr>
+      </p:pic>
+      <p:pic>
+        <p:nvPicPr>
+          <p:cNvPr id="6" name="Picture 5"/>
+          <p:cNvPicPr>
+            <a:picLocks noChangeAspect="1"/>
+          </p:cNvPicPr>
+          <p:nvPr/>
+        </p:nvPicPr>
+        <p:blipFill>
+          <a:blip r:embed="rId4"/>
+          <a:stretch>
+            <a:fillRect/>
+          </a:stretch>
+        </p:blipFill>
+        <p:spPr>
+          <a:xfrm>
+            <a:off x="950037" y="4305987"/>
+            <a:ext cx="3567963" cy="1864447"/>
+          </a:xfrm>
+          <a:prstGeom prst="rect">
+            <a:avLst/>
+          </a:prstGeom>
+        </p:spPr>
+      </p:pic>
+      <p:pic>
+        <p:nvPicPr>
+          <p:cNvPr id="7" name="Picture 6"/>
+          <p:cNvPicPr>
+            <a:picLocks noChangeAspect="1"/>
+          </p:cNvPicPr>
+          <p:nvPr/>
+        </p:nvPicPr>
+        <p:blipFill>
+          <a:blip r:embed="rId5"/>
+          <a:stretch>
+            <a:fillRect/>
+          </a:stretch>
+        </p:blipFill>
+        <p:spPr>
+          <a:xfrm>
+            <a:off x="4835545" y="4674695"/>
+            <a:ext cx="3414909" cy="719257"/>
+          </a:xfrm>
+          <a:prstGeom prst="rect">
+            <a:avLst/>
+          </a:prstGeom>
+        </p:spPr>
+      </p:pic>
+    </p:spTree>
+    <p:extLst>
+      <p:ext uri="{BB962C8B-B14F-4D97-AF65-F5344CB8AC3E}">
+        <p14:creationId xmlns:p14="http://schemas.microsoft.com/office/powerpoint/2010/main" val="370821257"/>
+      </p:ext>
+    </p:extLst>
+  </p:cSld>
+  <p:clrMapOvr>
+    <a:masterClrMapping/>
+  </p:clrMapOvr>
+</p:sld>
+</file>
+
+<file path=ppt/slides/slide19.xml><?xml version="1.0" encoding="utf-8"?>
 <p:sld xmlns:a="http://schemas.openxmlformats.org/drawingml/2006/main" xmlns:r="http://schemas.openxmlformats.org/officeDocument/2006/relationships" xmlns:p="http://schemas.openxmlformats.org/presentationml/2006/main">
   <p:cSld>
     <p:spTree>
@@ -7129,7 +8151,7 @@
         </p:blipFill>
         <p:spPr>
           <a:xfrm>
-            <a:off x="5980117" y="900000"/>
+            <a:off x="5920084" y="900000"/>
             <a:ext cx="2587883" cy="2587883"/>
           </a:xfrm>
         </p:spPr>
@@ -7204,7 +8226,7 @@
         </p:blipFill>
         <p:spPr bwMode="auto">
           <a:xfrm>
-            <a:off x="501208" y="4368823"/>
+            <a:off x="540584" y="4065617"/>
             <a:ext cx="3790950" cy="1219201"/>
           </a:xfrm>
           <a:prstGeom prst="rect">
@@ -7276,7 +8298,7 @@
 </p:sld>
 </file>
 
-<file path=ppt/slides/slide16.xml><?xml version="1.0" encoding="utf-8"?>
+<file path=ppt/slides/slide2.xml><?xml version="1.0" encoding="utf-8"?>
 <p:sld xmlns:a="http://schemas.openxmlformats.org/drawingml/2006/main" xmlns:r="http://schemas.openxmlformats.org/officeDocument/2006/relationships" xmlns:p="http://schemas.openxmlformats.org/presentationml/2006/main">
   <p:cSld>
     <p:spTree>
@@ -7295,6 +8317,119 @@
       </p:grpSpPr>
       <p:sp>
         <p:nvSpPr>
+          <p:cNvPr id="6" name="Content Placeholder 5"/>
+          <p:cNvSpPr>
+            <a:spLocks noGrp="1"/>
+          </p:cNvSpPr>
+          <p:nvPr>
+            <p:ph sz="half" idx="1"/>
+          </p:nvPr>
+        </p:nvSpPr>
+        <p:spPr/>
+        <p:txBody>
+          <a:bodyPr/>
+          <a:lstStyle/>
+          <a:p>
+            <a:r>
+              <a:rPr lang="fr-CH" dirty="0" smtClean="0"/>
+              <a:t>Définition</a:t>
+            </a:r>
+          </a:p>
+          <a:p>
+            <a:r>
+              <a:rPr lang="fr-CH" dirty="0" smtClean="0"/>
+              <a:t>Concepts</a:t>
+            </a:r>
+          </a:p>
+          <a:p>
+            <a:r>
+              <a:rPr lang="fr-CH" dirty="0" smtClean="0"/>
+              <a:t>Bénéfice</a:t>
+            </a:r>
+          </a:p>
+          <a:p>
+            <a:r>
+              <a:rPr lang="fr-CH" dirty="0" smtClean="0"/>
+              <a:t>Evaluation</a:t>
+            </a:r>
+          </a:p>
+          <a:p>
+            <a:pPr lvl="1"/>
+            <a:r>
+              <a:rPr lang="fr-CH" dirty="0" smtClean="0"/>
+              <a:t>Bilan</a:t>
+            </a:r>
+          </a:p>
+          <a:p>
+            <a:pPr lvl="1"/>
+            <a:r>
+              <a:rPr lang="fr-CH" dirty="0" smtClean="0"/>
+              <a:t>Démonstration</a:t>
+            </a:r>
+          </a:p>
+          <a:p>
+            <a:endParaRPr lang="fr-CH" dirty="0" smtClean="0"/>
+          </a:p>
+          <a:p>
+            <a:endParaRPr lang="fr-CH" dirty="0"/>
+          </a:p>
+        </p:txBody>
+      </p:sp>
+      <p:sp>
+        <p:nvSpPr>
+          <p:cNvPr id="5" name="Title 4"/>
+          <p:cNvSpPr>
+            <a:spLocks noGrp="1"/>
+          </p:cNvSpPr>
+          <p:nvPr>
+            <p:ph type="ctrTitle"/>
+          </p:nvPr>
+        </p:nvSpPr>
+        <p:spPr/>
+        <p:txBody>
+          <a:bodyPr/>
+          <a:lstStyle/>
+          <a:p>
+            <a:r>
+              <a:rPr lang="de-CH" dirty="0" smtClean="0"/>
+              <a:t>Aperçu</a:t>
+            </a:r>
+            <a:endParaRPr lang="de-CH" dirty="0"/>
+          </a:p>
+        </p:txBody>
+      </p:sp>
+    </p:spTree>
+    <p:extLst>
+      <p:ext uri="{BB962C8B-B14F-4D97-AF65-F5344CB8AC3E}">
+        <p14:creationId xmlns:p14="http://schemas.microsoft.com/office/powerpoint/2010/main" val="333071569"/>
+      </p:ext>
+    </p:extLst>
+  </p:cSld>
+  <p:clrMapOvr>
+    <a:masterClrMapping/>
+  </p:clrMapOvr>
+</p:sld>
+</file>
+
+<file path=ppt/slides/slide20.xml><?xml version="1.0" encoding="utf-8"?>
+<p:sld xmlns:a="http://schemas.openxmlformats.org/drawingml/2006/main" xmlns:r="http://schemas.openxmlformats.org/officeDocument/2006/relationships" xmlns:p="http://schemas.openxmlformats.org/presentationml/2006/main">
+  <p:cSld>
+    <p:spTree>
+      <p:nvGrpSpPr>
+        <p:cNvPr id="1" name=""/>
+        <p:cNvGrpSpPr/>
+        <p:nvPr/>
+      </p:nvGrpSpPr>
+      <p:grpSpPr>
+        <a:xfrm>
+          <a:off x="0" y="0"/>
+          <a:ext cx="0" cy="0"/>
+          <a:chOff x="0" y="0"/>
+          <a:chExt cx="0" cy="0"/>
+        </a:xfrm>
+      </p:grpSpPr>
+      <p:sp>
+        <p:nvSpPr>
           <p:cNvPr id="2" name="Content Placeholder 1"/>
           <p:cNvSpPr>
             <a:spLocks noGrp="1"/>
@@ -7348,7 +8483,7 @@
 </p:sld>
 </file>
 
-<file path=ppt/slides/slide17.xml><?xml version="1.0" encoding="utf-8"?>
+<file path=ppt/slides/slide21.xml><?xml version="1.0" encoding="utf-8"?>
 <p:sld xmlns:a="http://schemas.openxmlformats.org/drawingml/2006/main" xmlns:r="http://schemas.openxmlformats.org/officeDocument/2006/relationships" xmlns:p="http://schemas.openxmlformats.org/presentationml/2006/main">
   <p:cSld>
     <p:spTree>
@@ -7503,6 +8638,20 @@
           <a:prstGeom prst="rect">
             <a:avLst/>
           </a:prstGeom>
+          <a:ln w="38100" cap="sq">
+            <a:solidFill>
+              <a:srgbClr val="000000"/>
+            </a:solidFill>
+            <a:prstDash val="solid"/>
+            <a:miter lim="800000"/>
+          </a:ln>
+          <a:effectLst>
+            <a:outerShdw blurRad="50800" dist="38100" dir="2700000" algn="tl" rotWithShape="0">
+              <a:srgbClr val="000000">
+                <a:alpha val="43000"/>
+              </a:srgbClr>
+            </a:outerShdw>
+          </a:effectLst>
         </p:spPr>
       </p:pic>
       <p:pic>
@@ -7527,6 +8676,20 @@
           <a:prstGeom prst="rect">
             <a:avLst/>
           </a:prstGeom>
+          <a:ln w="38100" cap="sq">
+            <a:solidFill>
+              <a:srgbClr val="000000"/>
+            </a:solidFill>
+            <a:prstDash val="solid"/>
+            <a:miter lim="800000"/>
+          </a:ln>
+          <a:effectLst>
+            <a:outerShdw blurRad="50800" dist="38100" dir="2700000" algn="tl" rotWithShape="0">
+              <a:srgbClr val="000000">
+                <a:alpha val="43000"/>
+              </a:srgbClr>
+            </a:outerShdw>
+          </a:effectLst>
         </p:spPr>
       </p:pic>
     </p:spTree>
@@ -7644,7 +8807,7 @@
 </p:sld>
 </file>
 
-<file path=ppt/slides/slide18.xml><?xml version="1.0" encoding="utf-8"?>
+<file path=ppt/slides/slide22.xml><?xml version="1.0" encoding="utf-8"?>
 <p:sld xmlns:a="http://schemas.openxmlformats.org/drawingml/2006/main" xmlns:r="http://schemas.openxmlformats.org/officeDocument/2006/relationships" xmlns:p="http://schemas.openxmlformats.org/presentationml/2006/main">
   <p:cSld>
     <p:spTree>
@@ -7678,11 +8841,90 @@
           <a:p>
             <a:r>
               <a:rPr lang="de-CH" dirty="0"/>
-              <a:t>Travis Professional with github</a:t>
-            </a:r>
-          </a:p>
-          <a:p>
+              <a:t>Travis Professional </a:t>
+            </a:r>
+            <a:r>
+              <a:rPr lang="de-CH" dirty="0" smtClean="0"/>
+              <a:t>avec github</a:t>
+            </a:r>
+          </a:p>
+          <a:p>
+            <a:endParaRPr lang="de-CH" dirty="0" smtClean="0"/>
+          </a:p>
+          <a:p>
+            <a:endParaRPr lang="de-CH" dirty="0" smtClean="0"/>
+          </a:p>
+          <a:p>
+            <a:pPr marL="0" indent="0">
+              <a:buNone/>
+            </a:pPr>
+            <a:r>
+              <a:rPr lang="de-CH" dirty="0" smtClean="0"/>
+              <a:t>Un dépôt privée sur github.com </a:t>
+            </a:r>
             <a:endParaRPr lang="de-CH" dirty="0"/>
+          </a:p>
+          <a:p>
+            <a:pPr marL="0" indent="0">
+              <a:buNone/>
+            </a:pPr>
+            <a:r>
+              <a:rPr lang="de-CH" dirty="0">
+                <a:hlinkClick r:id="rId3"/>
+              </a:rPr>
+              <a:t>https://github.com/TashunkoWitko/infsemci</a:t>
+            </a:r>
+            <a:r>
+              <a:rPr lang="de-CH" dirty="0"/>
+              <a:t> </a:t>
+            </a:r>
+          </a:p>
+          <a:p>
+            <a:pPr marL="0" indent="0">
+              <a:buNone/>
+            </a:pPr>
+            <a:endParaRPr lang="de-CH" dirty="0" smtClean="0">
+              <a:hlinkClick r:id="rId4"/>
+            </a:endParaRPr>
+          </a:p>
+          <a:p>
+            <a:pPr marL="0" indent="0">
+              <a:buNone/>
+            </a:pPr>
+            <a:r>
+              <a:rPr lang="de-CH" dirty="0"/>
+              <a:t>Travis Professional</a:t>
+            </a:r>
+            <a:endParaRPr lang="de-CH" dirty="0" smtClean="0">
+              <a:hlinkClick r:id="rId4"/>
+            </a:endParaRPr>
+          </a:p>
+          <a:p>
+            <a:pPr marL="0" indent="0">
+              <a:buNone/>
+            </a:pPr>
+            <a:r>
+              <a:rPr lang="de-CH" dirty="0" smtClean="0">
+                <a:hlinkClick r:id="rId4"/>
+              </a:rPr>
+              <a:t>https</a:t>
+            </a:r>
+            <a:r>
+              <a:rPr lang="de-CH" dirty="0">
+                <a:hlinkClick r:id="rId4"/>
+              </a:rPr>
+              <a:t>://travis-ci.com</a:t>
+            </a:r>
+            <a:r>
+              <a:rPr lang="de-CH" dirty="0" smtClean="0">
+                <a:hlinkClick r:id="rId4"/>
+              </a:rPr>
+              <a:t>/</a:t>
+            </a:r>
+            <a:r>
+              <a:rPr lang="de-CH" dirty="0" smtClean="0"/>
+              <a:t> </a:t>
+            </a:r>
           </a:p>
         </p:txBody>
       </p:sp>
@@ -7722,7 +8964,7 @@
 </p:sld>
 </file>
 
-<file path=ppt/slides/slide19.xml><?xml version="1.0" encoding="utf-8"?>
+<file path=ppt/slides/slide23.xml><?xml version="1.0" encoding="utf-8"?>
 <p:sld xmlns:a="http://schemas.openxmlformats.org/drawingml/2006/main" xmlns:r="http://schemas.openxmlformats.org/officeDocument/2006/relationships" xmlns:p="http://schemas.openxmlformats.org/presentationml/2006/main">
   <p:cSld>
     <p:spTree>
@@ -7739,9 +8981,35 @@
           <a:chExt cx="0" cy="0"/>
         </a:xfrm>
       </p:grpSpPr>
-      <p:sp>
-        <p:nvSpPr>
-          <p:cNvPr id="2" name="Titel 1"/>
+      <p:pic>
+        <p:nvPicPr>
+          <p:cNvPr id="4" name="Content Placeholder 3"/>
+          <p:cNvPicPr>
+            <a:picLocks noGrp="1" noChangeAspect="1"/>
+          </p:cNvPicPr>
+          <p:nvPr>
+            <p:ph sz="half" idx="1"/>
+          </p:nvPr>
+        </p:nvPicPr>
+        <p:blipFill>
+          <a:blip r:embed="rId2"/>
+          <a:stretch>
+            <a:fillRect/>
+          </a:stretch>
+        </p:blipFill>
+        <p:spPr>
+          <a:xfrm>
+            <a:off x="755625" y="1637272"/>
+            <a:ext cx="7524750" cy="3457575"/>
+          </a:xfrm>
+          <a:prstGeom prst="rect">
+            <a:avLst/>
+          </a:prstGeom>
+        </p:spPr>
+      </p:pic>
+      <p:sp>
+        <p:nvSpPr>
+          <p:cNvPr id="3" name="Title 2"/>
           <p:cNvSpPr>
             <a:spLocks noGrp="1"/>
           </p:cNvSpPr>
@@ -7755,36 +9023,17 @@
           <a:lstStyle/>
           <a:p>
             <a:r>
-              <a:rPr lang="de-CH" dirty="0" smtClean="0"/>
-              <a:t>Merci beaucoup pour votre attention</a:t>
+              <a:rPr lang="de-CH" smtClean="0"/>
+              <a:t>Configuration .travis.yml</a:t>
             </a:r>
             <a:endParaRPr lang="de-CH" dirty="0"/>
-          </a:p>
-        </p:txBody>
-      </p:sp>
-      <p:sp>
-        <p:nvSpPr>
-          <p:cNvPr id="3" name="Untertitel 2"/>
-          <p:cNvSpPr>
-            <a:spLocks noGrp="1"/>
-          </p:cNvSpPr>
-          <p:nvPr>
-            <p:ph type="subTitle" idx="1"/>
-          </p:nvPr>
-        </p:nvSpPr>
-        <p:spPr/>
-        <p:txBody>
-          <a:bodyPr/>
-          <a:lstStyle/>
-          <a:p>
-            <a:endParaRPr lang="de-CH"/>
           </a:p>
         </p:txBody>
       </p:sp>
     </p:spTree>
     <p:extLst>
       <p:ext uri="{BB962C8B-B14F-4D97-AF65-F5344CB8AC3E}">
-        <p14:creationId xmlns:p14="http://schemas.microsoft.com/office/powerpoint/2010/main" val="440279581"/>
+        <p14:creationId xmlns:p14="http://schemas.microsoft.com/office/powerpoint/2010/main" val="1543442111"/>
       </p:ext>
     </p:extLst>
   </p:cSld>
@@ -7794,7 +9043,7 @@
 </p:sld>
 </file>
 
-<file path=ppt/slides/slide2.xml><?xml version="1.0" encoding="utf-8"?>
+<file path=ppt/slides/slide24.xml><?xml version="1.0" encoding="utf-8"?>
 <p:sld xmlns:a="http://schemas.openxmlformats.org/drawingml/2006/main" xmlns:r="http://schemas.openxmlformats.org/officeDocument/2006/relationships" xmlns:p="http://schemas.openxmlformats.org/presentationml/2006/main">
   <p:cSld>
     <p:spTree>
@@ -7813,68 +9062,7 @@
       </p:grpSpPr>
       <p:sp>
         <p:nvSpPr>
-          <p:cNvPr id="6" name="Content Placeholder 5"/>
-          <p:cNvSpPr>
-            <a:spLocks noGrp="1"/>
-          </p:cNvSpPr>
-          <p:nvPr>
-            <p:ph sz="half" idx="1"/>
-          </p:nvPr>
-        </p:nvSpPr>
-        <p:spPr/>
-        <p:txBody>
-          <a:bodyPr/>
-          <a:lstStyle/>
-          <a:p>
-            <a:r>
-              <a:rPr lang="fr-CH" dirty="0" smtClean="0"/>
-              <a:t>Définition</a:t>
-            </a:r>
-          </a:p>
-          <a:p>
-            <a:r>
-              <a:rPr lang="fr-CH" dirty="0" smtClean="0"/>
-              <a:t>Concepts</a:t>
-            </a:r>
-          </a:p>
-          <a:p>
-            <a:r>
-              <a:rPr lang="fr-CH" dirty="0" smtClean="0"/>
-              <a:t>Bénéfice</a:t>
-            </a:r>
-          </a:p>
-          <a:p>
-            <a:r>
-              <a:rPr lang="fr-CH" dirty="0" smtClean="0"/>
-              <a:t>Evaluation</a:t>
-            </a:r>
-          </a:p>
-          <a:p>
-            <a:pPr lvl="1"/>
-            <a:r>
-              <a:rPr lang="fr-CH" dirty="0" smtClean="0"/>
-              <a:t>Bilan</a:t>
-            </a:r>
-            <a:endParaRPr lang="fr-CH" dirty="0" smtClean="0"/>
-          </a:p>
-          <a:p>
-            <a:pPr lvl="1"/>
-            <a:r>
-              <a:rPr lang="fr-CH" dirty="0" smtClean="0"/>
-              <a:t>Démonstration</a:t>
-            </a:r>
-          </a:p>
-          <a:p>
-            <a:endParaRPr lang="fr-CH" dirty="0" smtClean="0"/>
-          </a:p>
-          <a:p>
-            <a:endParaRPr lang="fr-CH" dirty="0"/>
-          </a:p>
-        </p:txBody>
-      </p:sp>
-      <p:sp>
-        <p:nvSpPr>
-          <p:cNvPr id="5" name="Title 4"/>
+          <p:cNvPr id="2" name="Titel 1"/>
           <p:cNvSpPr>
             <a:spLocks noGrp="1"/>
           </p:cNvSpPr>
@@ -7889,16 +9077,35 @@
           <a:p>
             <a:r>
               <a:rPr lang="de-CH" dirty="0" smtClean="0"/>
-              <a:t>Aperçu</a:t>
+              <a:t>Merci beaucoup pour votre attention</a:t>
             </a:r>
             <a:endParaRPr lang="de-CH" dirty="0"/>
+          </a:p>
+        </p:txBody>
+      </p:sp>
+      <p:sp>
+        <p:nvSpPr>
+          <p:cNvPr id="3" name="Untertitel 2"/>
+          <p:cNvSpPr>
+            <a:spLocks noGrp="1"/>
+          </p:cNvSpPr>
+          <p:nvPr>
+            <p:ph type="subTitle" idx="1"/>
+          </p:nvPr>
+        </p:nvSpPr>
+        <p:spPr/>
+        <p:txBody>
+          <a:bodyPr/>
+          <a:lstStyle/>
+          <a:p>
+            <a:endParaRPr lang="de-CH"/>
           </a:p>
         </p:txBody>
       </p:sp>
     </p:spTree>
     <p:extLst>
       <p:ext uri="{BB962C8B-B14F-4D97-AF65-F5344CB8AC3E}">
-        <p14:creationId xmlns:p14="http://schemas.microsoft.com/office/powerpoint/2010/main" val="333071569"/>
+        <p14:creationId xmlns:p14="http://schemas.microsoft.com/office/powerpoint/2010/main" val="440279581"/>
       </p:ext>
     </p:extLst>
   </p:cSld>
@@ -7908,7 +9115,7 @@
 </p:sld>
 </file>
 
-<file path=ppt/slides/slide20.xml><?xml version="1.0" encoding="utf-8"?>
+<file path=ppt/slides/slide25.xml><?xml version="1.0" encoding="utf-8"?>
 <p:sld xmlns:a="http://schemas.openxmlformats.org/drawingml/2006/main" xmlns:r="http://schemas.openxmlformats.org/officeDocument/2006/relationships" xmlns:p="http://schemas.openxmlformats.org/presentationml/2006/main">
   <p:cSld>
     <p:spTree>
@@ -9292,7 +10499,91 @@
           <a:bodyPr/>
           <a:lstStyle/>
           <a:p>
-            <a:endParaRPr lang="de-CH"/>
+            <a:r>
+              <a:rPr lang="de-CH" dirty="0" smtClean="0"/>
+              <a:t>Tests contrôle la fonctionnalité...</a:t>
+            </a:r>
+            <a:endParaRPr lang="de-CH" dirty="0"/>
+          </a:p>
+          <a:p>
+            <a:pPr lvl="1"/>
+            <a:r>
+              <a:rPr lang="de-CH" dirty="0" smtClean="0"/>
+              <a:t>D’un bout de code, système, application</a:t>
+            </a:r>
+          </a:p>
+          <a:p>
+            <a:endParaRPr lang="de-CH" dirty="0" smtClean="0"/>
+          </a:p>
+          <a:p>
+            <a:r>
+              <a:rPr lang="de-CH" dirty="0"/>
+              <a:t>Exécution des testes </a:t>
+            </a:r>
+            <a:r>
+              <a:rPr lang="de-CH" dirty="0" smtClean="0"/>
+              <a:t>continuellement par le serveur IC</a:t>
+            </a:r>
+            <a:endParaRPr lang="de-CH" dirty="0" smtClean="0"/>
+          </a:p>
+          <a:p>
+            <a:pPr lvl="1"/>
+            <a:endParaRPr lang="de-CH" dirty="0"/>
+          </a:p>
+          <a:p>
+            <a:r>
+              <a:rPr lang="de-CH" dirty="0" smtClean="0"/>
+              <a:t>Trois types de tests</a:t>
+            </a:r>
+          </a:p>
+          <a:p>
+            <a:pPr lvl="1"/>
+            <a:r>
+              <a:rPr lang="de-CH" dirty="0" smtClean="0"/>
+              <a:t>Tests unitaires</a:t>
+            </a:r>
+          </a:p>
+          <a:p>
+            <a:pPr lvl="1"/>
+            <a:r>
+              <a:rPr lang="de-CH" dirty="0" smtClean="0"/>
+              <a:t>Tests d’intégration</a:t>
+            </a:r>
+          </a:p>
+          <a:p>
+            <a:pPr lvl="1"/>
+            <a:r>
+              <a:rPr lang="de-CH" dirty="0" smtClean="0"/>
+              <a:t>Tests d’acceptation</a:t>
+            </a:r>
+          </a:p>
+          <a:p>
+            <a:pPr lvl="1"/>
+            <a:endParaRPr lang="de-CH" dirty="0"/>
+          </a:p>
+          <a:p>
+            <a:r>
+              <a:rPr lang="de-CH" dirty="0"/>
+              <a:t>Pour les trois types de tests different...</a:t>
+            </a:r>
+          </a:p>
+          <a:p>
+            <a:pPr lvl="1"/>
+            <a:r>
+              <a:rPr lang="de-CH" dirty="0"/>
+              <a:t>Configuration de serveur IC different</a:t>
+            </a:r>
+          </a:p>
+          <a:p>
+            <a:pPr lvl="1"/>
+            <a:r>
+              <a:rPr lang="de-CH" dirty="0"/>
+              <a:t>Intervalle d’exécution différent</a:t>
+            </a:r>
+          </a:p>
+          <a:p>
+            <a:pPr lvl="1"/>
+            <a:endParaRPr lang="de-CH" dirty="0"/>
           </a:p>
         </p:txBody>
       </p:sp>
@@ -9319,6 +10610,30 @@
           </a:p>
         </p:txBody>
       </p:sp>
+      <p:pic>
+        <p:nvPicPr>
+          <p:cNvPr id="4" name="Picture 3"/>
+          <p:cNvPicPr>
+            <a:picLocks noChangeAspect="1"/>
+          </p:cNvPicPr>
+          <p:nvPr/>
+        </p:nvPicPr>
+        <p:blipFill>
+          <a:blip r:embed="rId2"/>
+          <a:stretch>
+            <a:fillRect/>
+          </a:stretch>
+        </p:blipFill>
+        <p:spPr>
+          <a:xfrm>
+            <a:off x="5294650" y="2953788"/>
+            <a:ext cx="3721586" cy="3166211"/>
+          </a:xfrm>
+          <a:prstGeom prst="rect">
+            <a:avLst/>
+          </a:prstGeom>
+        </p:spPr>
+      </p:pic>
     </p:spTree>
     <p:extLst>
       <p:ext uri="{BB962C8B-B14F-4D97-AF65-F5344CB8AC3E}">

--- a/continuousIntegration/Infseminar_IntegrationContinue_aescd5.pptx
+++ b/continuousIntegration/Infseminar_IntegrationContinue_aescd5.pptx
@@ -713,6 +713,452 @@
 </file>
 
 <file path=ppt/notesSlides/notesSlide1.xml><?xml version="1.0" encoding="utf-8"?>
+<p:notes xmlns:a="http://schemas.openxmlformats.org/drawingml/2006/main" xmlns:r="http://schemas.openxmlformats.org/officeDocument/2006/relationships" xmlns:p="http://schemas.openxmlformats.org/presentationml/2006/main">
+  <p:cSld>
+    <p:spTree>
+      <p:nvGrpSpPr>
+        <p:cNvPr id="1" name=""/>
+        <p:cNvGrpSpPr/>
+        <p:nvPr/>
+      </p:nvGrpSpPr>
+      <p:grpSpPr>
+        <a:xfrm>
+          <a:off x="0" y="0"/>
+          <a:ext cx="0" cy="0"/>
+          <a:chOff x="0" y="0"/>
+          <a:chExt cx="0" cy="0"/>
+        </a:xfrm>
+      </p:grpSpPr>
+      <p:sp>
+        <p:nvSpPr>
+          <p:cNvPr id="2" name="Slide Image Placeholder 1"/>
+          <p:cNvSpPr>
+            <a:spLocks noGrp="1" noRot="1" noChangeAspect="1"/>
+          </p:cNvSpPr>
+          <p:nvPr>
+            <p:ph type="sldImg"/>
+          </p:nvPr>
+        </p:nvSpPr>
+        <p:spPr/>
+      </p:sp>
+      <p:sp>
+        <p:nvSpPr>
+          <p:cNvPr id="3" name="Notes Placeholder 2"/>
+          <p:cNvSpPr>
+            <a:spLocks noGrp="1"/>
+          </p:cNvSpPr>
+          <p:nvPr>
+            <p:ph type="body" idx="1"/>
+          </p:nvPr>
+        </p:nvSpPr>
+        <p:spPr/>
+        <p:txBody>
+          <a:bodyPr/>
+          <a:lstStyle/>
+          <a:p>
+            <a:pPr marL="171450" indent="-171450">
+              <a:buFont typeface="Arial" panose="020B0604020202020204" pitchFamily="34" charset="0"/>
+              <a:buChar char="•"/>
+            </a:pPr>
+            <a:r>
+              <a:rPr lang="de-CH" dirty="0" smtClean="0"/>
+              <a:t>Processus</a:t>
+            </a:r>
+            <a:r>
+              <a:rPr lang="de-CH" baseline="0" dirty="0" smtClean="0"/>
+              <a:t> de développement logiciel avec un approche agile,</a:t>
+            </a:r>
+          </a:p>
+          <a:p>
+            <a:pPr marL="171450" indent="-171450">
+              <a:buFont typeface="Arial" panose="020B0604020202020204" pitchFamily="34" charset="0"/>
+              <a:buChar char="•"/>
+            </a:pPr>
+            <a:r>
+              <a:rPr lang="de-CH" baseline="0" dirty="0" smtClean="0"/>
+              <a:t>On a beaucoup d’iterations</a:t>
+            </a:r>
+          </a:p>
+          <a:p>
+            <a:pPr marL="171450" indent="-171450">
+              <a:buFont typeface="Arial" panose="020B0604020202020204" pitchFamily="34" charset="0"/>
+              <a:buChar char="•"/>
+            </a:pPr>
+            <a:endParaRPr lang="de-CH" baseline="0" dirty="0" smtClean="0"/>
+          </a:p>
+          <a:p>
+            <a:pPr marL="171450" indent="-171450">
+              <a:buFont typeface="Arial" panose="020B0604020202020204" pitchFamily="34" charset="0"/>
+              <a:buChar char="•"/>
+            </a:pPr>
+            <a:r>
+              <a:rPr lang="de-CH" baseline="0" dirty="0" smtClean="0"/>
+              <a:t>Definir des exigeances</a:t>
+            </a:r>
+          </a:p>
+          <a:p>
+            <a:pPr marL="171450" indent="-171450">
+              <a:buFont typeface="Arial" panose="020B0604020202020204" pitchFamily="34" charset="0"/>
+              <a:buChar char="•"/>
+            </a:pPr>
+            <a:r>
+              <a:rPr lang="de-CH" baseline="0" dirty="0" smtClean="0"/>
+              <a:t>Cycles de développement (intégration&amp;test)</a:t>
+            </a:r>
+          </a:p>
+          <a:p>
+            <a:pPr marL="171450" indent="-171450">
+              <a:buFont typeface="Arial" panose="020B0604020202020204" pitchFamily="34" charset="0"/>
+              <a:buChar char="•"/>
+            </a:pPr>
+            <a:r>
+              <a:rPr lang="de-CH" baseline="0" dirty="0" smtClean="0"/>
+              <a:t>Review, Feedback, </a:t>
+            </a:r>
+          </a:p>
+          <a:p>
+            <a:pPr marL="171450" indent="-171450">
+              <a:buFont typeface="Arial" panose="020B0604020202020204" pitchFamily="34" charset="0"/>
+              <a:buChar char="•"/>
+            </a:pPr>
+            <a:r>
+              <a:rPr lang="de-CH" baseline="0" dirty="0" smtClean="0"/>
+              <a:t>Déploiement</a:t>
+            </a:r>
+          </a:p>
+          <a:p>
+            <a:pPr marL="171450" indent="-171450">
+              <a:buFont typeface="Arial" panose="020B0604020202020204" pitchFamily="34" charset="0"/>
+              <a:buChar char="•"/>
+            </a:pPr>
+            <a:r>
+              <a:rPr lang="de-CH" baseline="0" dirty="0" smtClean="0"/>
+              <a:t>Initier une nouvelle iteration</a:t>
+            </a:r>
+          </a:p>
+          <a:p>
+            <a:pPr marL="171450" indent="-171450">
+              <a:buFont typeface="Arial" panose="020B0604020202020204" pitchFamily="34" charset="0"/>
+              <a:buChar char="•"/>
+            </a:pPr>
+            <a:endParaRPr lang="de-CH" baseline="0" dirty="0" smtClean="0"/>
+          </a:p>
+          <a:p>
+            <a:pPr marL="171450" marR="0" indent="-171450" algn="l" defTabSz="914400" rtl="0" eaLnBrk="1" fontAlgn="auto" latinLnBrk="0" hangingPunct="1">
+              <a:lnSpc>
+                <a:spcPct val="100000"/>
+              </a:lnSpc>
+              <a:spcBef>
+                <a:spcPts val="0"/>
+              </a:spcBef>
+              <a:spcAft>
+                <a:spcPts val="0"/>
+              </a:spcAft>
+              <a:buClrTx/>
+              <a:buSzTx/>
+              <a:buFont typeface="Arial" panose="020B0604020202020204" pitchFamily="34" charset="0"/>
+              <a:buChar char="•"/>
+              <a:tabLst/>
+              <a:defRPr/>
+            </a:pPr>
+            <a:r>
+              <a:rPr lang="de-CH" baseline="0" dirty="0" smtClean="0"/>
+              <a:t>et les clients et les managers de projets veulent savoir ce qui se passe</a:t>
+            </a:r>
+          </a:p>
+          <a:p>
+            <a:pPr marL="171450" indent="-171450">
+              <a:buFont typeface="Arial" panose="020B0604020202020204" pitchFamily="34" charset="0"/>
+              <a:buChar char="•"/>
+            </a:pPr>
+            <a:endParaRPr lang="de-CH" baseline="0" dirty="0" smtClean="0"/>
+          </a:p>
+          <a:p>
+            <a:pPr marL="171450" indent="-171450">
+              <a:buFont typeface="Arial" panose="020B0604020202020204" pitchFamily="34" charset="0"/>
+              <a:buChar char="•"/>
+            </a:pPr>
+            <a:r>
+              <a:rPr lang="de-CH" baseline="0" dirty="0" smtClean="0"/>
+              <a:t>L’intégration continue aide à automatiser des taches des developpeurs</a:t>
+            </a:r>
+            <a:endParaRPr lang="de-CH" dirty="0"/>
+          </a:p>
+        </p:txBody>
+      </p:sp>
+      <p:sp>
+        <p:nvSpPr>
+          <p:cNvPr id="4" name="Slide Number Placeholder 3"/>
+          <p:cNvSpPr>
+            <a:spLocks noGrp="1"/>
+          </p:cNvSpPr>
+          <p:nvPr>
+            <p:ph type="sldNum" sz="quarter" idx="10"/>
+          </p:nvPr>
+        </p:nvSpPr>
+        <p:spPr/>
+        <p:txBody>
+          <a:bodyPr/>
+          <a:lstStyle/>
+          <a:p>
+            <a:fld id="{37E44704-8E6D-4CF2-8CFA-A0F7BC751896}" type="slidenum">
+              <a:rPr lang="de-CH" smtClean="0"/>
+              <a:t>4</a:t>
+            </a:fld>
+            <a:endParaRPr lang="de-CH"/>
+          </a:p>
+        </p:txBody>
+      </p:sp>
+    </p:spTree>
+    <p:extLst>
+      <p:ext uri="{BB962C8B-B14F-4D97-AF65-F5344CB8AC3E}">
+        <p14:creationId xmlns:p14="http://schemas.microsoft.com/office/powerpoint/2010/main" val="864032068"/>
+      </p:ext>
+    </p:extLst>
+  </p:cSld>
+  <p:clrMapOvr>
+    <a:masterClrMapping/>
+  </p:clrMapOvr>
+</p:notes>
+</file>
+
+<file path=ppt/notesSlides/notesSlide2.xml><?xml version="1.0" encoding="utf-8"?>
+<p:notes xmlns:a="http://schemas.openxmlformats.org/drawingml/2006/main" xmlns:r="http://schemas.openxmlformats.org/officeDocument/2006/relationships" xmlns:p="http://schemas.openxmlformats.org/presentationml/2006/main">
+  <p:cSld>
+    <p:spTree>
+      <p:nvGrpSpPr>
+        <p:cNvPr id="1" name=""/>
+        <p:cNvGrpSpPr/>
+        <p:nvPr/>
+      </p:nvGrpSpPr>
+      <p:grpSpPr>
+        <a:xfrm>
+          <a:off x="0" y="0"/>
+          <a:ext cx="0" cy="0"/>
+          <a:chOff x="0" y="0"/>
+          <a:chExt cx="0" cy="0"/>
+        </a:xfrm>
+      </p:grpSpPr>
+      <p:sp>
+        <p:nvSpPr>
+          <p:cNvPr id="2" name="Slide Image Placeholder 1"/>
+          <p:cNvSpPr>
+            <a:spLocks noGrp="1" noRot="1" noChangeAspect="1"/>
+          </p:cNvSpPr>
+          <p:nvPr>
+            <p:ph type="sldImg"/>
+          </p:nvPr>
+        </p:nvSpPr>
+        <p:spPr/>
+      </p:sp>
+      <p:sp>
+        <p:nvSpPr>
+          <p:cNvPr id="3" name="Notes Placeholder 2"/>
+          <p:cNvSpPr>
+            <a:spLocks noGrp="1"/>
+          </p:cNvSpPr>
+          <p:nvPr>
+            <p:ph type="body" idx="1"/>
+          </p:nvPr>
+        </p:nvSpPr>
+        <p:spPr/>
+        <p:txBody>
+          <a:bodyPr/>
+          <a:lstStyle/>
+          <a:p>
+            <a:endParaRPr lang="de-CH" dirty="0"/>
+          </a:p>
+        </p:txBody>
+      </p:sp>
+      <p:sp>
+        <p:nvSpPr>
+          <p:cNvPr id="4" name="Slide Number Placeholder 3"/>
+          <p:cNvSpPr>
+            <a:spLocks noGrp="1"/>
+          </p:cNvSpPr>
+          <p:nvPr>
+            <p:ph type="sldNum" sz="quarter" idx="10"/>
+          </p:nvPr>
+        </p:nvSpPr>
+        <p:spPr/>
+        <p:txBody>
+          <a:bodyPr/>
+          <a:lstStyle/>
+          <a:p>
+            <a:fld id="{37E44704-8E6D-4CF2-8CFA-A0F7BC751896}" type="slidenum">
+              <a:rPr lang="de-CH" smtClean="0"/>
+              <a:t>5</a:t>
+            </a:fld>
+            <a:endParaRPr lang="de-CH"/>
+          </a:p>
+        </p:txBody>
+      </p:sp>
+    </p:spTree>
+    <p:extLst>
+      <p:ext uri="{BB962C8B-B14F-4D97-AF65-F5344CB8AC3E}">
+        <p14:creationId xmlns:p14="http://schemas.microsoft.com/office/powerpoint/2010/main" val="2690252674"/>
+      </p:ext>
+    </p:extLst>
+  </p:cSld>
+  <p:clrMapOvr>
+    <a:masterClrMapping/>
+  </p:clrMapOvr>
+</p:notes>
+</file>
+
+<file path=ppt/notesSlides/notesSlide3.xml><?xml version="1.0" encoding="utf-8"?>
+<p:notes xmlns:a="http://schemas.openxmlformats.org/drawingml/2006/main" xmlns:r="http://schemas.openxmlformats.org/officeDocument/2006/relationships" xmlns:p="http://schemas.openxmlformats.org/presentationml/2006/main">
+  <p:cSld>
+    <p:spTree>
+      <p:nvGrpSpPr>
+        <p:cNvPr id="1" name=""/>
+        <p:cNvGrpSpPr/>
+        <p:nvPr/>
+      </p:nvGrpSpPr>
+      <p:grpSpPr>
+        <a:xfrm>
+          <a:off x="0" y="0"/>
+          <a:ext cx="0" cy="0"/>
+          <a:chOff x="0" y="0"/>
+          <a:chExt cx="0" cy="0"/>
+        </a:xfrm>
+      </p:grpSpPr>
+      <p:sp>
+        <p:nvSpPr>
+          <p:cNvPr id="2" name="Slide Image Placeholder 1"/>
+          <p:cNvSpPr>
+            <a:spLocks noGrp="1" noRot="1" noChangeAspect="1"/>
+          </p:cNvSpPr>
+          <p:nvPr>
+            <p:ph type="sldImg"/>
+          </p:nvPr>
+        </p:nvSpPr>
+        <p:spPr/>
+      </p:sp>
+      <p:sp>
+        <p:nvSpPr>
+          <p:cNvPr id="3" name="Notes Placeholder 2"/>
+          <p:cNvSpPr>
+            <a:spLocks noGrp="1"/>
+          </p:cNvSpPr>
+          <p:nvPr>
+            <p:ph type="body" idx="1"/>
+          </p:nvPr>
+        </p:nvSpPr>
+        <p:spPr/>
+        <p:txBody>
+          <a:bodyPr/>
+          <a:lstStyle/>
+          <a:p>
+            <a:r>
+              <a:rPr lang="de-CH" dirty="0" smtClean="0"/>
+              <a:t>Version</a:t>
+            </a:r>
+            <a:r>
+              <a:rPr lang="de-CH" baseline="0" dirty="0" smtClean="0"/>
+              <a:t> courte</a:t>
+            </a:r>
+          </a:p>
+          <a:p>
+            <a:endParaRPr lang="de-CH" baseline="0" dirty="0" smtClean="0"/>
+          </a:p>
+          <a:p>
+            <a:pPr marL="171450" indent="-171450">
+              <a:buFontTx/>
+              <a:buChar char="-"/>
+            </a:pPr>
+            <a:r>
+              <a:rPr lang="de-CH" baseline="0" dirty="0" smtClean="0"/>
+              <a:t>Jenkins (Open Source, il y a un plugin pour </a:t>
+            </a:r>
+            <a:r>
+              <a:rPr lang="de-CH" baseline="0" dirty="0" smtClean="0"/>
+              <a:t>tous, completement gratuite)</a:t>
+            </a:r>
+            <a:endParaRPr lang="de-CH" baseline="0" dirty="0" smtClean="0"/>
+          </a:p>
+          <a:p>
+            <a:pPr marL="171450" indent="-171450">
+              <a:buFontTx/>
+              <a:buChar char="-"/>
+            </a:pPr>
+            <a:r>
+              <a:rPr lang="de-CH" baseline="0" dirty="0" smtClean="0"/>
+              <a:t>Team City (logiciel de Jetbrains, très adaptable, beaucoup de configuration)</a:t>
+            </a:r>
+          </a:p>
+          <a:p>
+            <a:pPr marL="171450" indent="-171450">
+              <a:buFontTx/>
+              <a:buChar char="-"/>
+            </a:pPr>
+            <a:r>
+              <a:rPr lang="de-CH" baseline="0" dirty="0" smtClean="0"/>
+              <a:t>Travis CI (Open Source, configuration très facile, intégration excellente avec github.com)</a:t>
+            </a:r>
+          </a:p>
+          <a:p>
+            <a:pPr marL="171450" indent="-171450">
+              <a:buFontTx/>
+              <a:buChar char="-"/>
+            </a:pPr>
+            <a:r>
+              <a:rPr lang="de-CH" dirty="0" smtClean="0"/>
+              <a:t>Team Foundation Server (excellent</a:t>
+            </a:r>
+            <a:r>
+              <a:rPr lang="de-CH" baseline="0" dirty="0" smtClean="0"/>
+              <a:t> pour des projets de </a:t>
+            </a:r>
+            <a:r>
+              <a:rPr lang="de-CH" dirty="0" smtClean="0"/>
+              <a:t>téchnologie</a:t>
+            </a:r>
+            <a:r>
+              <a:rPr lang="de-CH" baseline="0" dirty="0" smtClean="0"/>
+              <a:t> microsoft)</a:t>
+            </a:r>
+            <a:endParaRPr lang="de-CH" dirty="0"/>
+          </a:p>
+        </p:txBody>
+      </p:sp>
+      <p:sp>
+        <p:nvSpPr>
+          <p:cNvPr id="4" name="Slide Number Placeholder 3"/>
+          <p:cNvSpPr>
+            <a:spLocks noGrp="1"/>
+          </p:cNvSpPr>
+          <p:nvPr>
+            <p:ph type="sldNum" sz="quarter" idx="10"/>
+          </p:nvPr>
+        </p:nvSpPr>
+        <p:spPr/>
+        <p:txBody>
+          <a:bodyPr/>
+          <a:lstStyle/>
+          <a:p>
+            <a:fld id="{37E44704-8E6D-4CF2-8CFA-A0F7BC751896}" type="slidenum">
+              <a:rPr lang="de-CH" smtClean="0"/>
+              <a:t>20</a:t>
+            </a:fld>
+            <a:endParaRPr lang="de-CH"/>
+          </a:p>
+        </p:txBody>
+      </p:sp>
+    </p:spTree>
+    <p:extLst>
+      <p:ext uri="{BB962C8B-B14F-4D97-AF65-F5344CB8AC3E}">
+        <p14:creationId xmlns:p14="http://schemas.microsoft.com/office/powerpoint/2010/main" val="2911857782"/>
+      </p:ext>
+    </p:extLst>
+  </p:cSld>
+  <p:clrMapOvr>
+    <a:masterClrMapping/>
+  </p:clrMapOvr>
+</p:notes>
+</file>
+
+<file path=ppt/notesSlides/notesSlide4.xml><?xml version="1.0" encoding="utf-8"?>
 <p:notes xmlns:a="http://schemas.openxmlformats.org/drawingml/2006/main" xmlns:r="http://schemas.openxmlformats.org/officeDocument/2006/relationships" xmlns:p="http://schemas.openxmlformats.org/presentationml/2006/main">
   <p:cSld>
     <p:spTree>
@@ -6835,13 +7281,8 @@
           <a:p>
             <a:r>
               <a:rPr lang="fr-CH" dirty="0" smtClean="0"/>
-              <a:t>David Aeschlimann &amp; Emanuel </a:t>
-            </a:r>
-            <a:r>
-              <a:rPr lang="fr-CH" dirty="0" err="1" smtClean="0"/>
-              <a:t>Knecht</a:t>
-            </a:r>
-            <a:endParaRPr lang="fr-CH" dirty="0" smtClean="0"/>
+              <a:t>David Aeschlimann &amp; Emanuel Knecht</a:t>
+            </a:r>
           </a:p>
         </p:txBody>
       </p:sp>
@@ -6914,12 +7355,12 @@
           <a:lstStyle/>
           <a:p>
             <a:r>
-              <a:rPr lang="de-CH" dirty="0" smtClean="0"/>
+              <a:rPr lang="fr-CH" dirty="0" smtClean="0"/>
               <a:t>Inspections contrôle la forme du code</a:t>
             </a:r>
           </a:p>
           <a:p>
-            <a:endParaRPr lang="de-CH" dirty="0"/>
+            <a:endParaRPr lang="fr-CH" dirty="0" smtClean="0"/>
           </a:p>
           <a:p>
             <a:pPr marL="814387" lvl="1" indent="-342900">
@@ -6927,7 +7368,7 @@
               <a:buAutoNum type="arabicPeriod"/>
             </a:pPr>
             <a:r>
-              <a:rPr lang="de-CH" dirty="0" smtClean="0"/>
+              <a:rPr lang="fr-CH" dirty="0" smtClean="0"/>
               <a:t>Réduire la complexité du code source</a:t>
             </a:r>
           </a:p>
@@ -6936,7 +7377,7 @@
               <a:buFont typeface="+mj-lt"/>
               <a:buAutoNum type="arabicPeriod"/>
             </a:pPr>
-            <a:endParaRPr lang="de-CH" dirty="0"/>
+            <a:endParaRPr lang="fr-CH" dirty="0" smtClean="0"/>
           </a:p>
           <a:p>
             <a:pPr marL="814387" lvl="1" indent="-342900">
@@ -6944,7 +7385,7 @@
               <a:buAutoNum type="arabicPeriod"/>
             </a:pPr>
             <a:r>
-              <a:rPr lang="de-CH" dirty="0" smtClean="0"/>
+              <a:rPr lang="fr-CH" dirty="0" smtClean="0"/>
               <a:t>Déterminer la dépendance d’un paquet</a:t>
             </a:r>
           </a:p>
@@ -6953,7 +7394,7 @@
               <a:buFont typeface="+mj-lt"/>
               <a:buAutoNum type="arabicPeriod"/>
             </a:pPr>
-            <a:endParaRPr lang="de-CH" dirty="0"/>
+            <a:endParaRPr lang="fr-CH" dirty="0" smtClean="0"/>
           </a:p>
           <a:p>
             <a:pPr marL="814387" lvl="1" indent="-342900">
@@ -6961,7 +7402,7 @@
               <a:buAutoNum type="arabicPeriod"/>
             </a:pPr>
             <a:r>
-              <a:rPr lang="de-CH" dirty="0" smtClean="0"/>
+              <a:rPr lang="fr-CH" dirty="0" smtClean="0"/>
               <a:t>Imposer les standards de l’entreprise</a:t>
             </a:r>
           </a:p>
@@ -6970,7 +7411,7 @@
               <a:buFont typeface="+mj-lt"/>
               <a:buAutoNum type="arabicPeriod"/>
             </a:pPr>
-            <a:endParaRPr lang="de-CH" dirty="0"/>
+            <a:endParaRPr lang="fr-CH" dirty="0" smtClean="0"/>
           </a:p>
           <a:p>
             <a:pPr marL="814387" lvl="1" indent="-342900">
@@ -6978,7 +7419,7 @@
               <a:buAutoNum type="arabicPeriod"/>
             </a:pPr>
             <a:r>
-              <a:rPr lang="de-CH" dirty="0" smtClean="0"/>
+              <a:rPr lang="fr-CH" dirty="0" smtClean="0"/>
               <a:t>Réduire le code copié</a:t>
             </a:r>
           </a:p>
@@ -6987,7 +7428,7 @@
               <a:buFont typeface="+mj-lt"/>
               <a:buAutoNum type="arabicPeriod"/>
             </a:pPr>
-            <a:endParaRPr lang="de-CH" dirty="0"/>
+            <a:endParaRPr lang="fr-CH" dirty="0" smtClean="0"/>
           </a:p>
           <a:p>
             <a:pPr marL="814387" lvl="1" indent="-342900">
@@ -6995,10 +7436,10 @@
               <a:buAutoNum type="arabicPeriod"/>
             </a:pPr>
             <a:r>
-              <a:rPr lang="de-CH" dirty="0" smtClean="0"/>
+              <a:rPr lang="fr-CH" dirty="0" smtClean="0"/>
               <a:t>Déterminer la couverture de code</a:t>
             </a:r>
-            <a:endParaRPr lang="de-CH" dirty="0"/>
+            <a:endParaRPr lang="fr-CH" dirty="0"/>
           </a:p>
         </p:txBody>
       </p:sp>
@@ -7019,7 +7460,11 @@
           <a:p>
             <a:r>
               <a:rPr lang="de-CH" dirty="0" smtClean="0"/>
-              <a:t>Inspection continue</a:t>
+              <a:t>Inspections </a:t>
+            </a:r>
+            <a:r>
+              <a:rPr lang="de-CH" dirty="0" smtClean="0"/>
+              <a:t>continue</a:t>
             </a:r>
             <a:endParaRPr lang="de-CH" dirty="0"/>
           </a:p>
@@ -7091,7 +7536,7 @@
           <a:p>
             <a:r>
               <a:rPr lang="de-CH" dirty="0" smtClean="0"/>
-              <a:t>Code Coverage</a:t>
+              <a:t>Couverture de code</a:t>
             </a:r>
             <a:endParaRPr lang="de-CH" dirty="0"/>
           </a:p>
@@ -7226,43 +7671,44 @@
           <a:lstStyle/>
           <a:p>
             <a:r>
-              <a:rPr lang="de-CH" dirty="0" smtClean="0"/>
+              <a:rPr lang="fr-CH" dirty="0" smtClean="0"/>
               <a:t>Le résultat des constructions, tests et inspections</a:t>
             </a:r>
           </a:p>
           <a:p>
             <a:pPr lvl="1"/>
             <a:r>
-              <a:rPr lang="de-CH" dirty="0" smtClean="0"/>
-              <a:t>Intérface web</a:t>
+              <a:rPr lang="fr-CH" dirty="0" smtClean="0"/>
+              <a:t>Interface web</a:t>
             </a:r>
           </a:p>
           <a:p>
             <a:pPr lvl="1"/>
             <a:r>
-              <a:rPr lang="de-CH" dirty="0" smtClean="0"/>
+              <a:rPr lang="fr-CH" dirty="0" smtClean="0"/>
               <a:t>Email</a:t>
             </a:r>
           </a:p>
           <a:p>
             <a:pPr lvl="1"/>
             <a:r>
-              <a:rPr lang="de-CH" dirty="0" smtClean="0"/>
+              <a:rPr lang="fr-CH" dirty="0" err="1" smtClean="0"/>
               <a:t>Ordiphone</a:t>
             </a:r>
+            <a:endParaRPr lang="fr-CH" dirty="0" smtClean="0"/>
           </a:p>
           <a:p>
             <a:pPr lvl="1"/>
             <a:r>
-              <a:rPr lang="de-CH" dirty="0" smtClean="0"/>
+              <a:rPr lang="fr-CH" dirty="0" smtClean="0"/>
               <a:t>Chat</a:t>
             </a:r>
           </a:p>
           <a:p>
-            <a:endParaRPr lang="de-CH" dirty="0"/>
-          </a:p>
-          <a:p>
-            <a:endParaRPr lang="de-CH" dirty="0"/>
+            <a:endParaRPr lang="fr-CH" dirty="0" smtClean="0"/>
+          </a:p>
+          <a:p>
+            <a:endParaRPr lang="fr-CH" dirty="0"/>
           </a:p>
         </p:txBody>
       </p:sp>
@@ -7376,14 +7822,14 @@
           <a:lstStyle/>
           <a:p>
             <a:r>
-              <a:rPr lang="de-CH" dirty="0" smtClean="0"/>
+              <a:rPr lang="fr-CH" dirty="0" smtClean="0"/>
               <a:t>Intégration de base de données continue</a:t>
             </a:r>
           </a:p>
           <a:p>
             <a:r>
-              <a:rPr lang="de-CH" dirty="0" smtClean="0"/>
-              <a:t>Déploiment continue</a:t>
+              <a:rPr lang="fr-CH" dirty="0" smtClean="0"/>
+              <a:t>Déploiement continue</a:t>
             </a:r>
           </a:p>
         </p:txBody>
@@ -7529,28 +7975,32 @@
           <a:lstStyle/>
           <a:p>
             <a:r>
-              <a:rPr lang="de-CH" dirty="0" smtClean="0"/>
+              <a:rPr lang="fr-CH" dirty="0" smtClean="0"/>
               <a:t>Déroulement du projet sans accroc</a:t>
             </a:r>
           </a:p>
           <a:p>
             <a:r>
-              <a:rPr lang="de-CH" dirty="0" smtClean="0"/>
-              <a:t>Éviter des tâches repetitives</a:t>
+              <a:rPr lang="fr-CH" dirty="0" smtClean="0"/>
+              <a:t>Éviter des tâches répétitives</a:t>
             </a:r>
           </a:p>
           <a:p>
             <a:pPr lvl="1"/>
             <a:r>
-              <a:rPr lang="de-CH" dirty="0" smtClean="0"/>
-              <a:t>Développeurs se concentre sur le code</a:t>
+              <a:rPr lang="fr-CH" dirty="0" smtClean="0"/>
+              <a:t>Concentration </a:t>
+            </a:r>
+            <a:r>
+              <a:rPr lang="fr-CH" dirty="0" smtClean="0"/>
+              <a:t>sur le code</a:t>
             </a:r>
           </a:p>
           <a:p>
             <a:pPr marL="457200" lvl="1" indent="0">
               <a:buNone/>
             </a:pPr>
-            <a:endParaRPr lang="de-CH" dirty="0"/>
+            <a:endParaRPr lang="fr-CH" dirty="0" smtClean="0"/>
           </a:p>
           <a:p>
             <a:pPr lvl="1">
@@ -7558,23 +8008,25 @@
               <a:buChar char="à"/>
             </a:pPr>
             <a:r>
-              <a:rPr lang="de-CH" dirty="0" smtClean="0">
+              <a:rPr lang="fr-CH" dirty="0" smtClean="0">
                 <a:sym typeface="Wingdings" panose="05000000000000000000" pitchFamily="2" charset="2"/>
               </a:rPr>
               <a:t>Économiser du temps et monnaie!</a:t>
             </a:r>
-            <a:endParaRPr lang="de-CH" dirty="0">
+          </a:p>
+          <a:p>
+            <a:endParaRPr lang="fr-CH" dirty="0" smtClean="0">
               <a:sym typeface="Wingdings" panose="05000000000000000000" pitchFamily="2" charset="2"/>
             </a:endParaRPr>
           </a:p>
           <a:p>
-            <a:endParaRPr lang="de-CH" dirty="0">
+            <a:endParaRPr lang="fr-CH" dirty="0" smtClean="0">
               <a:sym typeface="Wingdings" panose="05000000000000000000" pitchFamily="2" charset="2"/>
             </a:endParaRPr>
           </a:p>
           <a:p>
             <a:r>
-              <a:rPr lang="de-CH" dirty="0" smtClean="0">
+              <a:rPr lang="fr-CH" dirty="0" smtClean="0">
                 <a:sym typeface="Wingdings" panose="05000000000000000000" pitchFamily="2" charset="2"/>
               </a:rPr>
               <a:t>Éviter des risques</a:t>
@@ -7583,7 +8035,7 @@
           <a:p>
             <a:pPr lvl="1"/>
             <a:r>
-              <a:rPr lang="de-CH" dirty="0" smtClean="0">
+              <a:rPr lang="fr-CH" dirty="0" smtClean="0">
                 <a:sym typeface="Wingdings" panose="05000000000000000000" pitchFamily="2" charset="2"/>
               </a:rPr>
               <a:t>Logiciel pas près</a:t>
@@ -7592,7 +8044,7 @@
           <a:p>
             <a:pPr lvl="1"/>
             <a:r>
-              <a:rPr lang="de-CH" dirty="0" smtClean="0">
+              <a:rPr lang="fr-CH" dirty="0" smtClean="0">
                 <a:sym typeface="Wingdings" panose="05000000000000000000" pitchFamily="2" charset="2"/>
               </a:rPr>
               <a:t>Découverte tarde des erreurs</a:t>
@@ -7601,7 +8053,7 @@
           <a:p>
             <a:pPr lvl="1"/>
             <a:r>
-              <a:rPr lang="de-CH" dirty="0" smtClean="0">
+              <a:rPr lang="fr-CH" dirty="0" smtClean="0">
                 <a:sym typeface="Wingdings" panose="05000000000000000000" pitchFamily="2" charset="2"/>
               </a:rPr>
               <a:t>Manque de visibilité</a:t>
@@ -7610,12 +8062,12 @@
           <a:p>
             <a:pPr lvl="1"/>
             <a:r>
-              <a:rPr lang="de-CH" dirty="0" smtClean="0">
+              <a:rPr lang="fr-CH" dirty="0" smtClean="0">
                 <a:sym typeface="Wingdings" panose="05000000000000000000" pitchFamily="2" charset="2"/>
               </a:rPr>
               <a:t>Logiciel de basse qualité</a:t>
             </a:r>
-            <a:endParaRPr lang="de-CH" dirty="0">
+            <a:endParaRPr lang="fr-CH" dirty="0">
               <a:sym typeface="Wingdings" panose="05000000000000000000" pitchFamily="2" charset="2"/>
             </a:endParaRPr>
           </a:p>
@@ -8428,25 +8880,32 @@
           <a:chExt cx="0" cy="0"/>
         </a:xfrm>
       </p:grpSpPr>
-      <p:sp>
-        <p:nvSpPr>
-          <p:cNvPr id="2" name="Content Placeholder 1"/>
-          <p:cNvSpPr>
-            <a:spLocks noGrp="1"/>
-          </p:cNvSpPr>
+      <p:pic>
+        <p:nvPicPr>
+          <p:cNvPr id="4" name="Content Placeholder 3"/>
+          <p:cNvPicPr>
+            <a:picLocks noGrp="1" noChangeAspect="1"/>
+          </p:cNvPicPr>
           <p:nvPr>
             <p:ph sz="half" idx="1"/>
           </p:nvPr>
-        </p:nvSpPr>
-        <p:spPr/>
-        <p:txBody>
-          <a:bodyPr/>
-          <a:lstStyle/>
-          <a:p>
-            <a:endParaRPr lang="de-CH" dirty="0"/>
-          </a:p>
-        </p:txBody>
-      </p:sp>
+        </p:nvPicPr>
+        <p:blipFill>
+          <a:blip r:embed="rId3"/>
+          <a:stretch>
+            <a:fillRect/>
+          </a:stretch>
+        </p:blipFill>
+        <p:spPr>
+          <a:xfrm>
+            <a:off x="468575" y="1395779"/>
+            <a:ext cx="8099425" cy="4287930"/>
+          </a:xfrm>
+          <a:prstGeom prst="rect">
+            <a:avLst/>
+          </a:prstGeom>
+        </p:spPr>
+      </p:pic>
       <p:sp>
         <p:nvSpPr>
           <p:cNvPr id="3" name="Title 2"/>
@@ -8517,7 +8976,19 @@
           <a:p>
             <a:r>
               <a:rPr lang="de-CH" dirty="0" smtClean="0"/>
-              <a:t>Une petite indication pour le travail bachelor</a:t>
+              <a:t>Une petite indication pour </a:t>
+            </a:r>
+            <a:r>
+              <a:rPr lang="de-CH" dirty="0" smtClean="0"/>
+              <a:t>votre</a:t>
+            </a:r>
+            <a:r>
+              <a:rPr lang="de-CH" dirty="0" smtClean="0"/>
+              <a:t> </a:t>
+            </a:r>
+            <a:r>
+              <a:rPr lang="de-CH" dirty="0" smtClean="0"/>
+              <a:t>travail bachelor</a:t>
             </a:r>
           </a:p>
           <a:p>
@@ -8840,18 +9311,51 @@
           <a:lstStyle/>
           <a:p>
             <a:r>
-              <a:rPr lang="de-CH" dirty="0"/>
-              <a:t>Travis Professional </a:t>
-            </a:r>
-            <a:r>
               <a:rPr lang="de-CH" dirty="0" smtClean="0"/>
-              <a:t>avec github</a:t>
-            </a:r>
-          </a:p>
-          <a:p>
+              <a:t>Sytème de l’intégration continue très </a:t>
+            </a:r>
+            <a:r>
+              <a:rPr lang="de-CH" dirty="0" smtClean="0"/>
+              <a:t>facile</a:t>
+            </a:r>
             <a:endParaRPr lang="de-CH" dirty="0" smtClean="0"/>
           </a:p>
           <a:p>
+            <a:r>
+              <a:rPr lang="de-CH" dirty="0" smtClean="0"/>
+              <a:t>Travis Pro &amp; github</a:t>
+            </a:r>
+          </a:p>
+          <a:p>
+            <a:pPr lvl="1"/>
+            <a:r>
+              <a:rPr lang="de-CH" dirty="0" smtClean="0"/>
+              <a:t>Automatisation de la construction et des testes</a:t>
+            </a:r>
+          </a:p>
+          <a:p>
+            <a:pPr lvl="1"/>
+            <a:r>
+              <a:rPr lang="de-CH" dirty="0" smtClean="0"/>
+              <a:t>Déploiement</a:t>
+            </a:r>
+          </a:p>
+          <a:p>
+            <a:pPr marL="0" indent="0">
+              <a:buNone/>
+            </a:pPr>
+            <a:endParaRPr lang="de-CH" dirty="0" smtClean="0"/>
+          </a:p>
+          <a:p>
+            <a:pPr marL="0" indent="0">
+              <a:buNone/>
+            </a:pPr>
+            <a:endParaRPr lang="de-CH" dirty="0"/>
+          </a:p>
+          <a:p>
+            <a:pPr marL="0" indent="0">
+              <a:buNone/>
+            </a:pPr>
             <a:endParaRPr lang="de-CH" dirty="0" smtClean="0"/>
           </a:p>
           <a:p>
@@ -8862,20 +9366,19 @@
               <a:rPr lang="de-CH" dirty="0" smtClean="0"/>
               <a:t>Un dépôt privée sur github.com </a:t>
             </a:r>
-            <a:endParaRPr lang="de-CH" dirty="0"/>
           </a:p>
           <a:p>
             <a:pPr marL="0" indent="0">
               <a:buNone/>
             </a:pPr>
             <a:r>
-              <a:rPr lang="de-CH" dirty="0">
+              <a:rPr lang="de-CH" dirty="0" smtClean="0">
                 <a:hlinkClick r:id="rId3"/>
               </a:rPr>
-              <a:t>https://github.com/TashunkoWitko/infsemci</a:t>
-            </a:r>
-            <a:r>
-              <a:rPr lang="de-CH" dirty="0"/>
+              <a:t>https://github.com/TashunkoWitko/</a:t>
+            </a:r>
+            <a:r>
+              <a:rPr lang="de-CH" dirty="0" smtClean="0"/>
               <a:t> </a:t>
             </a:r>
           </a:p>
@@ -8892,7 +9395,7 @@
               <a:buNone/>
             </a:pPr>
             <a:r>
-              <a:rPr lang="de-CH" dirty="0"/>
+              <a:rPr lang="de-CH" dirty="0" smtClean="0"/>
               <a:t>Travis Professional</a:t>
             </a:r>
             <a:endParaRPr lang="de-CH" dirty="0" smtClean="0">
@@ -8907,19 +9410,7 @@
               <a:rPr lang="de-CH" dirty="0" smtClean="0">
                 <a:hlinkClick r:id="rId4"/>
               </a:rPr>
-              <a:t>https</a:t>
-            </a:r>
-            <a:r>
-              <a:rPr lang="de-CH" dirty="0">
-                <a:hlinkClick r:id="rId4"/>
-              </a:rPr>
-              <a:t>://travis-ci.com</a:t>
-            </a:r>
-            <a:r>
-              <a:rPr lang="de-CH" dirty="0" smtClean="0">
-                <a:hlinkClick r:id="rId4"/>
-              </a:rPr>
-              <a:t>/</a:t>
+              <a:t>https://travis-ci.com/</a:t>
             </a:r>
             <a:r>
               <a:rPr lang="de-CH" dirty="0" smtClean="0"/>
@@ -8999,8 +9490,8 @@
         </p:blipFill>
         <p:spPr>
           <a:xfrm>
-            <a:off x="755625" y="1637272"/>
-            <a:ext cx="7524750" cy="3457575"/>
+            <a:off x="1409913" y="2695486"/>
+            <a:ext cx="6466900" cy="2971500"/>
           </a:xfrm>
           <a:prstGeom prst="rect">
             <a:avLst/>
@@ -9023,10 +9514,226 @@
           <a:lstStyle/>
           <a:p>
             <a:r>
+              <a:rPr lang="de-CH" dirty="0" smtClean="0"/>
+              <a:t>Configuration .travis.yml</a:t>
+            </a:r>
+            <a:endParaRPr lang="de-CH" dirty="0"/>
+          </a:p>
+        </p:txBody>
+      </p:sp>
+      <p:sp>
+        <p:nvSpPr>
+          <p:cNvPr id="5" name="Content Placeholder 1"/>
+          <p:cNvSpPr txBox="1">
+            <a:spLocks/>
+          </p:cNvSpPr>
+          <p:nvPr/>
+        </p:nvSpPr>
+        <p:spPr>
+          <a:xfrm>
+            <a:off x="459754" y="1471213"/>
+            <a:ext cx="8108246" cy="1098302"/>
+          </a:xfrm>
+          <a:prstGeom prst="rect">
+            <a:avLst/>
+          </a:prstGeom>
+        </p:spPr>
+        <p:txBody>
+          <a:bodyPr lIns="0" rIns="0"/>
+          <a:lstStyle>
+            <a:lvl1pPr marL="271463" indent="-271463" algn="l" defTabSz="457200" rtl="0" eaLnBrk="1" fontAlgn="base" hangingPunct="1">
+              <a:spcBef>
+                <a:spcPct val="20000"/>
+              </a:spcBef>
+              <a:spcAft>
+                <a:spcPct val="0"/>
+              </a:spcAft>
+              <a:buClr>
+                <a:srgbClr val="FAA500"/>
+              </a:buClr>
+              <a:buSzPct val="80000"/>
+              <a:buFont typeface="Lucida Grande"/>
+              <a:buChar char="▶"/>
+              <a:defRPr sz="1800" kern="1200">
+                <a:solidFill>
+                  <a:schemeClr val="tx1"/>
+                </a:solidFill>
+                <a:latin typeface="Lucida Sans"/>
+                <a:ea typeface="MS PGothic" pitchFamily="34" charset="-128"/>
+                <a:cs typeface="Lucida Sans"/>
+              </a:defRPr>
+            </a:lvl1pPr>
+            <a:lvl2pPr marL="742950" indent="-285750" algn="l" defTabSz="457200" rtl="0" eaLnBrk="1" fontAlgn="base" hangingPunct="1">
+              <a:spcBef>
+                <a:spcPct val="20000"/>
+              </a:spcBef>
+              <a:spcAft>
+                <a:spcPct val="0"/>
+              </a:spcAft>
+              <a:buClr>
+                <a:srgbClr val="FAA500"/>
+              </a:buClr>
+              <a:buSzPct val="80000"/>
+              <a:buFont typeface="Lucida Grande"/>
+              <a:buChar char="▶"/>
+              <a:defRPr sz="1800" kern="1200">
+                <a:solidFill>
+                  <a:schemeClr val="tx1"/>
+                </a:solidFill>
+                <a:latin typeface="Lucida Sans"/>
+                <a:ea typeface="MS PGothic" pitchFamily="34" charset="-128"/>
+                <a:cs typeface="Lucida Sans"/>
+              </a:defRPr>
+            </a:lvl2pPr>
+            <a:lvl3pPr marL="1143000" indent="-228600" algn="l" defTabSz="457200" rtl="0" eaLnBrk="1" fontAlgn="base" hangingPunct="1">
+              <a:spcBef>
+                <a:spcPct val="20000"/>
+              </a:spcBef>
+              <a:spcAft>
+                <a:spcPct val="0"/>
+              </a:spcAft>
+              <a:buClr>
+                <a:srgbClr val="FAA500"/>
+              </a:buClr>
+              <a:buSzPct val="80000"/>
+              <a:buFont typeface="Lucida Grande"/>
+              <a:buChar char="▶"/>
+              <a:defRPr sz="1800" kern="1200">
+                <a:solidFill>
+                  <a:schemeClr val="tx1"/>
+                </a:solidFill>
+                <a:latin typeface="Lucida Sans"/>
+                <a:ea typeface="MS PGothic" pitchFamily="34" charset="-128"/>
+                <a:cs typeface="Lucida Sans"/>
+              </a:defRPr>
+            </a:lvl3pPr>
+            <a:lvl4pPr marL="1600200" indent="-228600" algn="l" defTabSz="457200" rtl="0" eaLnBrk="1" fontAlgn="base" hangingPunct="1">
+              <a:spcBef>
+                <a:spcPct val="20000"/>
+              </a:spcBef>
+              <a:spcAft>
+                <a:spcPct val="0"/>
+              </a:spcAft>
+              <a:buClr>
+                <a:srgbClr val="FAA500"/>
+              </a:buClr>
+              <a:buSzPct val="80000"/>
+              <a:buFont typeface="Lucida Grande"/>
+              <a:buChar char="▶"/>
+              <a:defRPr sz="1800" kern="1200">
+                <a:solidFill>
+                  <a:schemeClr val="tx1"/>
+                </a:solidFill>
+                <a:latin typeface="Lucida Sans"/>
+                <a:ea typeface="MS PGothic" pitchFamily="34" charset="-128"/>
+                <a:cs typeface="Lucida Sans"/>
+              </a:defRPr>
+            </a:lvl4pPr>
+            <a:lvl5pPr marL="2057400" indent="-228600" algn="l" defTabSz="457200" rtl="0" eaLnBrk="1" fontAlgn="base" hangingPunct="1">
+              <a:spcBef>
+                <a:spcPct val="20000"/>
+              </a:spcBef>
+              <a:spcAft>
+                <a:spcPct val="0"/>
+              </a:spcAft>
+              <a:buClr>
+                <a:srgbClr val="FAA500"/>
+              </a:buClr>
+              <a:buSzPct val="80000"/>
+              <a:buFont typeface="Lucida Grande"/>
+              <a:buChar char="▶"/>
+              <a:defRPr sz="1800" kern="1200">
+                <a:solidFill>
+                  <a:schemeClr val="tx1"/>
+                </a:solidFill>
+                <a:latin typeface="Lucida Sans"/>
+                <a:ea typeface="MS PGothic" pitchFamily="34" charset="-128"/>
+                <a:cs typeface="Lucida Sans"/>
+              </a:defRPr>
+            </a:lvl5pPr>
+            <a:lvl6pPr marL="2514600" indent="-228600" algn="l" defTabSz="457200" rtl="0" eaLnBrk="1" latinLnBrk="0" hangingPunct="1">
+              <a:spcBef>
+                <a:spcPct val="20000"/>
+              </a:spcBef>
+              <a:buFont typeface="Arial"/>
+              <a:buChar char="•"/>
+              <a:defRPr sz="1800" kern="1200">
+                <a:solidFill>
+                  <a:schemeClr val="tx1"/>
+                </a:solidFill>
+                <a:latin typeface="+mn-lt"/>
+                <a:ea typeface="+mn-ea"/>
+                <a:cs typeface="+mn-cs"/>
+              </a:defRPr>
+            </a:lvl6pPr>
+            <a:lvl7pPr marL="2971800" indent="-228600" algn="l" defTabSz="457200" rtl="0" eaLnBrk="1" latinLnBrk="0" hangingPunct="1">
+              <a:spcBef>
+                <a:spcPct val="20000"/>
+              </a:spcBef>
+              <a:buFont typeface="Arial"/>
+              <a:buChar char="•"/>
+              <a:defRPr sz="1800" kern="1200">
+                <a:solidFill>
+                  <a:schemeClr val="tx1"/>
+                </a:solidFill>
+                <a:latin typeface="+mn-lt"/>
+                <a:ea typeface="+mn-ea"/>
+                <a:cs typeface="+mn-cs"/>
+              </a:defRPr>
+            </a:lvl7pPr>
+            <a:lvl8pPr marL="3429000" indent="-228600" algn="l" defTabSz="457200" rtl="0" eaLnBrk="1" latinLnBrk="0" hangingPunct="1">
+              <a:spcBef>
+                <a:spcPct val="20000"/>
+              </a:spcBef>
+              <a:buFont typeface="Arial"/>
+              <a:buChar char="•"/>
+              <a:defRPr sz="1800" kern="1200">
+                <a:solidFill>
+                  <a:schemeClr val="tx1"/>
+                </a:solidFill>
+                <a:latin typeface="+mn-lt"/>
+                <a:ea typeface="+mn-ea"/>
+                <a:cs typeface="+mn-cs"/>
+              </a:defRPr>
+            </a:lvl8pPr>
+            <a:lvl9pPr marL="3886200" indent="-228600" algn="l" defTabSz="457200" rtl="0" eaLnBrk="1" latinLnBrk="0" hangingPunct="1">
+              <a:spcBef>
+                <a:spcPct val="20000"/>
+              </a:spcBef>
+              <a:buFont typeface="Arial"/>
+              <a:buChar char="•"/>
+              <a:defRPr sz="1800" kern="1200">
+                <a:solidFill>
+                  <a:schemeClr val="tx1"/>
+                </a:solidFill>
+                <a:latin typeface="+mn-lt"/>
+                <a:ea typeface="+mn-ea"/>
+                <a:cs typeface="+mn-cs"/>
+              </a:defRPr>
+            </a:lvl9pPr>
+          </a:lstStyle>
+          <a:p>
+            <a:r>
               <a:rPr lang="de-CH" smtClean="0"/>
-              <a:t>Configuration .travis.yml</a:t>
-            </a:r>
-            <a:endParaRPr lang="de-CH" dirty="0"/>
+              <a:t>Compte </a:t>
+            </a:r>
+            <a:r>
+              <a:rPr lang="de-CH" smtClean="0"/>
+              <a:t>github.com (avec un dépot)</a:t>
+            </a:r>
+            <a:endParaRPr lang="de-CH" dirty="0" smtClean="0"/>
+          </a:p>
+          <a:p>
+            <a:r>
+              <a:rPr lang="de-CH" dirty="0" smtClean="0"/>
+              <a:t>Login avec le compte github sur travis-ci.com</a:t>
+            </a:r>
+          </a:p>
+          <a:p>
+            <a:r>
+              <a:rPr lang="de-CH" dirty="0" smtClean="0"/>
+              <a:t>Fichier de configuration</a:t>
+            </a:r>
           </a:p>
         </p:txBody>
       </p:sp>
@@ -9286,7 +9993,7 @@
           </p:nvPr>
         </p:nvPicPr>
         <p:blipFill>
-          <a:blip r:embed="rId2"/>
+          <a:blip r:embed="rId3"/>
           <a:stretch>
             <a:fillRect/>
           </a:stretch>
@@ -9368,7 +10075,7 @@
           <a:p>
             <a:r>
               <a:rPr lang="fr-CH" dirty="0" smtClean="0"/>
-              <a:t>Travailler en équipe</a:t>
+              <a:t>Développement - Travailler en équipe</a:t>
             </a:r>
           </a:p>
           <a:p>
@@ -9423,6 +10130,19 @@
             <a:r>
               <a:rPr lang="fr-CH" dirty="0" smtClean="0"/>
               <a:t>Une ou plusieurs foi par journée</a:t>
+            </a:r>
+          </a:p>
+          <a:p>
+            <a:endParaRPr lang="fr-CH" dirty="0"/>
+          </a:p>
+          <a:p>
+            <a:r>
+              <a:rPr lang="fr-CH" b="1" dirty="0" smtClean="0"/>
+              <a:t>Automatiquement</a:t>
+            </a:r>
+            <a:r>
+              <a:rPr lang="fr-CH" dirty="0" smtClean="0"/>
+              <a:t> – Bouton d’intégration</a:t>
             </a:r>
           </a:p>
           <a:p>
@@ -9463,7 +10183,7 @@
           <p:nvPr/>
         </p:nvPicPr>
         <p:blipFill>
-          <a:blip r:embed="rId2"/>
+          <a:blip r:embed="rId3"/>
           <a:stretch>
             <a:fillRect/>
           </a:stretch>
@@ -10371,15 +11091,47 @@
             <a:pPr lvl="1"/>
             <a:r>
               <a:rPr lang="fr-CH" dirty="0" smtClean="0"/>
-              <a:t>En utilisant des manager de construction (script)</a:t>
+              <a:t>En utilisant des manager de construction (script</a:t>
+            </a:r>
+            <a:r>
+              <a:rPr lang="fr-CH" dirty="0" smtClean="0"/>
+              <a:t>)</a:t>
             </a:r>
           </a:p>
           <a:p>
             <a:pPr lvl="1"/>
             <a:r>
               <a:rPr lang="fr-CH" dirty="0" smtClean="0"/>
-              <a:t>Déclencher par le serveur d’IC</a:t>
-            </a:r>
+              <a:t>Les fichiers du projet</a:t>
+            </a:r>
+            <a:endParaRPr lang="fr-CH" dirty="0" smtClean="0"/>
+          </a:p>
+          <a:p>
+            <a:pPr lvl="1"/>
+            <a:r>
+              <a:rPr lang="fr-CH" dirty="0" smtClean="0"/>
+              <a:t>Dépendances </a:t>
+            </a:r>
+            <a:r>
+              <a:rPr lang="fr-CH" dirty="0" smtClean="0"/>
+              <a:t>du </a:t>
+            </a:r>
+            <a:r>
+              <a:rPr lang="fr-CH" dirty="0" smtClean="0"/>
+              <a:t>projet</a:t>
+            </a:r>
+          </a:p>
+          <a:p>
+            <a:pPr lvl="1"/>
+            <a:r>
+              <a:rPr lang="fr-CH" dirty="0"/>
+              <a:t>Déclencher par le serveur </a:t>
+            </a:r>
+            <a:r>
+              <a:rPr lang="fr-CH" dirty="0" smtClean="0"/>
+              <a:t>d’IC</a:t>
+            </a:r>
+            <a:endParaRPr lang="fr-CH" dirty="0" smtClean="0"/>
           </a:p>
           <a:p>
             <a:endParaRPr lang="fr-CH" dirty="0" smtClean="0"/>
@@ -10396,10 +11148,6 @@
           <a:p>
             <a:pPr lvl="1"/>
             <a:r>
-              <a:rPr lang="fr-CH" dirty="0" smtClean="0"/>
-              <a:t>70% </a:t>
-            </a:r>
-            <a:r>
               <a:rPr lang="fr-CH" dirty="0" err="1" smtClean="0"/>
               <a:t>Maven</a:t>
             </a:r>
@@ -10408,10 +11156,6 @@
           <a:p>
             <a:pPr lvl="1"/>
             <a:r>
-              <a:rPr lang="fr-CH" dirty="0" smtClean="0"/>
-              <a:t>15% </a:t>
-            </a:r>
-            <a:r>
               <a:rPr lang="fr-CH" dirty="0" err="1" smtClean="0"/>
               <a:t>Gradle</a:t>
             </a:r>
@@ -10419,10 +11163,6 @@
           </a:p>
           <a:p>
             <a:pPr lvl="1"/>
-            <a:r>
-              <a:rPr lang="fr-CH" dirty="0" smtClean="0"/>
-              <a:t>15% </a:t>
-            </a:r>
             <a:r>
               <a:rPr lang="fr-CH" dirty="0" err="1" smtClean="0"/>
               <a:t>Ant</a:t>
@@ -10500,90 +11240,89 @@
           <a:lstStyle/>
           <a:p>
             <a:r>
-              <a:rPr lang="de-CH" dirty="0" smtClean="0"/>
+              <a:rPr lang="fr-CH" dirty="0" smtClean="0"/>
               <a:t>Tests contrôle la fonctionnalité...</a:t>
             </a:r>
-            <a:endParaRPr lang="de-CH" dirty="0"/>
           </a:p>
           <a:p>
             <a:pPr lvl="1"/>
             <a:r>
-              <a:rPr lang="de-CH" dirty="0" smtClean="0"/>
+              <a:rPr lang="fr-CH" dirty="0" smtClean="0"/>
               <a:t>D’un bout de code, système, application</a:t>
             </a:r>
           </a:p>
           <a:p>
-            <a:endParaRPr lang="de-CH" dirty="0" smtClean="0"/>
-          </a:p>
-          <a:p>
-            <a:r>
-              <a:rPr lang="de-CH" dirty="0"/>
-              <a:t>Exécution des testes </a:t>
-            </a:r>
-            <a:r>
-              <a:rPr lang="de-CH" dirty="0" smtClean="0"/>
-              <a:t>continuellement par le serveur IC</a:t>
-            </a:r>
-            <a:endParaRPr lang="de-CH" dirty="0" smtClean="0"/>
+            <a:endParaRPr lang="fr-CH" dirty="0" smtClean="0"/>
+          </a:p>
+          <a:p>
+            <a:r>
+              <a:rPr lang="fr-CH" dirty="0" smtClean="0"/>
+              <a:t>Exécution des testes continuellement par le serveur IC</a:t>
+            </a:r>
           </a:p>
           <a:p>
             <a:pPr lvl="1"/>
-            <a:endParaRPr lang="de-CH" dirty="0"/>
-          </a:p>
-          <a:p>
-            <a:r>
-              <a:rPr lang="de-CH" dirty="0" smtClean="0"/>
+            <a:endParaRPr lang="fr-CH" dirty="0" smtClean="0"/>
+          </a:p>
+          <a:p>
+            <a:r>
+              <a:rPr lang="fr-CH" dirty="0" smtClean="0"/>
               <a:t>Trois types de tests</a:t>
             </a:r>
           </a:p>
           <a:p>
             <a:pPr lvl="1"/>
             <a:r>
-              <a:rPr lang="de-CH" dirty="0" smtClean="0"/>
+              <a:rPr lang="fr-CH" dirty="0" smtClean="0"/>
               <a:t>Tests unitaires</a:t>
             </a:r>
           </a:p>
           <a:p>
             <a:pPr lvl="1"/>
             <a:r>
-              <a:rPr lang="de-CH" dirty="0" smtClean="0"/>
+              <a:rPr lang="fr-CH" dirty="0" smtClean="0"/>
               <a:t>Tests d’intégration</a:t>
             </a:r>
           </a:p>
           <a:p>
             <a:pPr lvl="1"/>
             <a:r>
-              <a:rPr lang="de-CH" dirty="0" smtClean="0"/>
+              <a:rPr lang="fr-CH" dirty="0" smtClean="0"/>
               <a:t>Tests d’acceptation</a:t>
             </a:r>
           </a:p>
           <a:p>
             <a:pPr lvl="1"/>
-            <a:endParaRPr lang="de-CH" dirty="0"/>
-          </a:p>
-          <a:p>
-            <a:r>
-              <a:rPr lang="de-CH" dirty="0"/>
-              <a:t>Pour les trois types de tests different...</a:t>
+            <a:endParaRPr lang="fr-CH" dirty="0" smtClean="0"/>
+          </a:p>
+          <a:p>
+            <a:r>
+              <a:rPr lang="fr-CH" dirty="0" smtClean="0"/>
+              <a:t>Les </a:t>
+            </a:r>
+            <a:r>
+              <a:rPr lang="fr-CH" dirty="0" smtClean="0"/>
+              <a:t>trois types de tests...</a:t>
             </a:r>
           </a:p>
           <a:p>
             <a:pPr lvl="1"/>
             <a:r>
-              <a:rPr lang="de-CH" dirty="0"/>
-              <a:t>Configuration de serveur IC different</a:t>
+              <a:rPr lang="fr-CH" dirty="0" smtClean="0"/>
+              <a:t>Intervalle et longueur d’exécution différent</a:t>
             </a:r>
           </a:p>
           <a:p>
             <a:pPr lvl="1"/>
             <a:r>
-              <a:rPr lang="de-CH" dirty="0"/>
-              <a:t>Intervalle d’exécution différent</a:t>
-            </a:r>
+              <a:rPr lang="fr-CH" dirty="0" smtClean="0"/>
+              <a:t>Scripts de construction différent</a:t>
+            </a:r>
+            <a:endParaRPr lang="fr-CH" dirty="0"/>
           </a:p>
           <a:p>
             <a:pPr lvl="1"/>
-            <a:endParaRPr lang="de-CH" dirty="0"/>
+            <a:endParaRPr lang="fr-CH" dirty="0"/>
           </a:p>
         </p:txBody>
       </p:sp>
@@ -10626,8 +11365,8 @@
         </p:blipFill>
         <p:spPr>
           <a:xfrm>
-            <a:off x="5294650" y="2953788"/>
-            <a:ext cx="3721586" cy="3166211"/>
+            <a:off x="6139198" y="3316483"/>
+            <a:ext cx="2862766" cy="2435553"/>
           </a:xfrm>
           <a:prstGeom prst="rect">
             <a:avLst/>
@@ -11478,22 +12217,6 @@
 </file>
 
 <file path=customXml/item1.xml><?xml version="1.0" encoding="utf-8"?>
-<p:properties xmlns:p="http://schemas.microsoft.com/office/2006/metadata/properties" xmlns:xsi="http://www.w3.org/2001/XMLSchema-instance" xmlns:pc="http://schemas.microsoft.com/office/infopath/2007/PartnerControls">
-  <documentManagement>
-    <BfhIntranetDepartmentText xmlns="63c724b1-652e-424f-8d99-4ee509067280">
-      <Terms xmlns="http://schemas.microsoft.com/office/infopath/2007/PartnerControls">
-        <TermInfo xmlns="http://schemas.microsoft.com/office/infopath/2007/PartnerControls">
-          <TermName xmlns="http://schemas.microsoft.com/office/infopath/2007/PartnerControls">Vorlage</TermName>
-          <TermId xmlns="http://schemas.microsoft.com/office/infopath/2007/PartnerControls">de1a6d3c-ac6a-4b34-8edd-308eb81066db</TermId>
-        </TermInfo>
-      </Terms>
-    </BfhIntranetDepartmentText>
-    <QMPilot_DokID xmlns="2551ef7e-3b29-44d1-a8ad-ef34c26bfc60">469</QMPilot_DokID>
-  </documentManagement>
-</p:properties>
-</file>
-
-<file path=customXml/item2.xml><?xml version="1.0" encoding="utf-8"?>
 <ct:contentTypeSchema xmlns:ct="http://schemas.microsoft.com/office/2006/metadata/contentType" xmlns:ma="http://schemas.microsoft.com/office/2006/metadata/properties/metaAttributes" ct:_="" ma:_="" ma:contentTypeName="QMPilot_ContentType" ma:contentTypeID="0x0101009127C3B567804923A8661E062BBD8EF500AB8983C84EF542A7976DC8547A5CDC52001BD440F45714504284DA526949208683" ma:contentTypeVersion="2" ma:contentTypeDescription="Create a new document." ma:contentTypeScope="" ma:versionID="d4bf14f2970ceb97b4aa1421b69882ea">
   <xsd:schema xmlns:xsd="http://www.w3.org/2001/XMLSchema" xmlns:xs="http://www.w3.org/2001/XMLSchema" xmlns:p="http://schemas.microsoft.com/office/2006/metadata/properties" xmlns:ns2="63c724b1-652e-424f-8d99-4ee509067280" xmlns:ns3="2551ef7e-3b29-44d1-a8ad-ef34c26bfc60" targetNamespace="http://schemas.microsoft.com/office/2006/metadata/properties" ma:root="true" ma:fieldsID="285dab5eeb2cd6034dc01bc4023d5efe" ns2:_="" ns3:_="">
     <xsd:import namespace="63c724b1-652e-424f-8d99-4ee509067280"/>
@@ -11632,6 +12355,22 @@
 </ct:contentTypeSchema>
 </file>
 
+<file path=customXml/item2.xml><?xml version="1.0" encoding="utf-8"?>
+<p:properties xmlns:p="http://schemas.microsoft.com/office/2006/metadata/properties" xmlns:xsi="http://www.w3.org/2001/XMLSchema-instance" xmlns:pc="http://schemas.microsoft.com/office/infopath/2007/PartnerControls">
+  <documentManagement>
+    <BfhIntranetDepartmentText xmlns="63c724b1-652e-424f-8d99-4ee509067280">
+      <Terms xmlns="http://schemas.microsoft.com/office/infopath/2007/PartnerControls">
+        <TermInfo xmlns="http://schemas.microsoft.com/office/infopath/2007/PartnerControls">
+          <TermName xmlns="http://schemas.microsoft.com/office/infopath/2007/PartnerControls">Vorlage</TermName>
+          <TermId xmlns="http://schemas.microsoft.com/office/infopath/2007/PartnerControls">de1a6d3c-ac6a-4b34-8edd-308eb81066db</TermId>
+        </TermInfo>
+      </Terms>
+    </BfhIntranetDepartmentText>
+    <QMPilot_DokID xmlns="2551ef7e-3b29-44d1-a8ad-ef34c26bfc60">469</QMPilot_DokID>
+  </documentManagement>
+</p:properties>
+</file>
+
 <file path=customXml/item3.xml><?xml version="1.0" encoding="utf-8"?>
 <?mso-contentType ?>
 <FormTemplates xmlns="http://schemas.microsoft.com/sharepoint/v3/contenttype/forms">
@@ -11642,23 +12381,6 @@
 </file>
 
 <file path=customXml/itemProps1.xml><?xml version="1.0" encoding="utf-8"?>
-<ds:datastoreItem xmlns:ds="http://schemas.openxmlformats.org/officeDocument/2006/customXml" ds:itemID="{96591048-6F15-48C6-9650-9BFF3E56974F}">
-  <ds:schemaRefs>
-    <ds:schemaRef ds:uri="http://schemas.microsoft.com/office/2006/documentManagement/types"/>
-    <ds:schemaRef ds:uri="2551ef7e-3b29-44d1-a8ad-ef34c26bfc60"/>
-    <ds:schemaRef ds:uri="http://schemas.microsoft.com/office/2006/metadata/properties"/>
-    <ds:schemaRef ds:uri="http://purl.org/dc/elements/1.1/"/>
-    <ds:schemaRef ds:uri="63c724b1-652e-424f-8d99-4ee509067280"/>
-    <ds:schemaRef ds:uri="http://purl.org/dc/terms/"/>
-    <ds:schemaRef ds:uri="http://schemas.microsoft.com/office/infopath/2007/PartnerControls"/>
-    <ds:schemaRef ds:uri="http://schemas.openxmlformats.org/package/2006/metadata/core-properties"/>
-    <ds:schemaRef ds:uri="http://www.w3.org/XML/1998/namespace"/>
-    <ds:schemaRef ds:uri="http://purl.org/dc/dcmitype/"/>
-  </ds:schemaRefs>
-</ds:datastoreItem>
-</file>
-
-<file path=customXml/itemProps2.xml><?xml version="1.0" encoding="utf-8"?>
 <ds:datastoreItem xmlns:ds="http://schemas.openxmlformats.org/officeDocument/2006/customXml" ds:itemID="{015A2280-1346-403D-AE96-8E2604C7F03E}">
   <ds:schemaRefs>
     <ds:schemaRef ds:uri="http://schemas.microsoft.com/office/2006/metadata/contentType"/>
@@ -11677,6 +12399,23 @@
 </ds:datastoreItem>
 </file>
 
+<file path=customXml/itemProps2.xml><?xml version="1.0" encoding="utf-8"?>
+<ds:datastoreItem xmlns:ds="http://schemas.openxmlformats.org/officeDocument/2006/customXml" ds:itemID="{96591048-6F15-48C6-9650-9BFF3E56974F}">
+  <ds:schemaRefs>
+    <ds:schemaRef ds:uri="http://schemas.microsoft.com/office/2006/documentManagement/types"/>
+    <ds:schemaRef ds:uri="http://schemas.microsoft.com/office/infopath/2007/PartnerControls"/>
+    <ds:schemaRef ds:uri="http://purl.org/dc/elements/1.1/"/>
+    <ds:schemaRef ds:uri="2551ef7e-3b29-44d1-a8ad-ef34c26bfc60"/>
+    <ds:schemaRef ds:uri="http://schemas.microsoft.com/office/2006/metadata/properties"/>
+    <ds:schemaRef ds:uri="http://purl.org/dc/terms/"/>
+    <ds:schemaRef ds:uri="http://schemas.openxmlformats.org/package/2006/metadata/core-properties"/>
+    <ds:schemaRef ds:uri="63c724b1-652e-424f-8d99-4ee509067280"/>
+    <ds:schemaRef ds:uri="http://www.w3.org/XML/1998/namespace"/>
+    <ds:schemaRef ds:uri="http://purl.org/dc/dcmitype/"/>
+  </ds:schemaRefs>
+</ds:datastoreItem>
+</file>
+
 <file path=customXml/itemProps3.xml><?xml version="1.0" encoding="utf-8"?>
 <ds:datastoreItem xmlns:ds="http://schemas.openxmlformats.org/officeDocument/2006/customXml" ds:itemID="{CCF5E5E7-7F77-47A8-99A9-B4D5839292F3}">
   <ds:schemaRefs>
